--- a/TriviaMazePresentation.pptx
+++ b/TriviaMazePresentation.pptx
@@ -5,12 +5,14 @@
     <p:sldMasterId id="2147483648" r:id="rId1"/>
   </p:sldMasterIdLst>
   <p:notesMasterIdLst>
-    <p:notesMasterId r:id="rId5"/>
+    <p:notesMasterId r:id="rId7"/>
   </p:notesMasterIdLst>
   <p:sldIdLst>
     <p:sldId id="256" r:id="rId2"/>
     <p:sldId id="257" r:id="rId3"/>
-    <p:sldId id="258" r:id="rId4"/>
+    <p:sldId id="259" r:id="rId4"/>
+    <p:sldId id="258" r:id="rId5"/>
+    <p:sldId id="260" r:id="rId6"/>
   </p:sldIdLst>
   <p:sldSz cx="9144000" cy="6858000" type="screen4x3"/>
   <p:notesSz cx="6858000" cy="9144000"/>
@@ -109,6 +111,22 @@
       </a:defRPr>
     </a:lvl9pPr>
   </p:defaultTextStyle>
+  <p:extLst>
+    <p:ext uri="{EFAFB233-063F-42B5-8137-9DF3F51BA10A}">
+      <p15:sldGuideLst xmlns:p15="http://schemas.microsoft.com/office/powerpoint/2012/main">
+        <p15:guide id="1" orient="horz" pos="2160">
+          <p15:clr>
+            <a:srgbClr val="A4A3A4"/>
+          </p15:clr>
+        </p15:guide>
+        <p15:guide id="2" pos="2880">
+          <p15:clr>
+            <a:srgbClr val="A4A3A4"/>
+          </p15:clr>
+        </p15:guide>
+      </p15:sldGuideLst>
+    </p:ext>
+  </p:extLst>
 </p:presentation>
 </file>
 
@@ -194,7 +212,7 @@
           <a:p>
             <a:fld id="{3F3207BE-61EE-8B4E-9B6C-E0D42BE0B951}" type="datetimeFigureOut">
               <a:rPr lang="en-US" smtClean="0"/>
-              <a:t>6/11/14</a:t>
+              <a:t>6/11/2014</a:t>
             </a:fld>
             <a:endParaRPr lang="en-US"/>
           </a:p>
@@ -615,7 +633,7 @@
           <a:p>
             <a:fld id="{B69AF544-AF37-1C4D-A9E6-25BADC255955}" type="slidenum">
               <a:rPr lang="en-US" smtClean="0"/>
-              <a:t>3</a:t>
+              <a:t>4</a:t>
             </a:fld>
             <a:endParaRPr lang="en-US"/>
           </a:p>
@@ -815,7 +833,7 @@
           <a:p>
             <a:fld id="{6F0DC959-06D7-E34B-BD63-006E0A6BA023}" type="datetimeFigureOut">
               <a:rPr lang="en-US" smtClean="0"/>
-              <a:t>6/11/14</a:t>
+              <a:t>6/11/2014</a:t>
             </a:fld>
             <a:endParaRPr lang="en-US"/>
           </a:p>
@@ -985,7 +1003,7 @@
           <a:p>
             <a:fld id="{6F0DC959-06D7-E34B-BD63-006E0A6BA023}" type="datetimeFigureOut">
               <a:rPr lang="en-US" smtClean="0"/>
-              <a:t>6/11/14</a:t>
+              <a:t>6/11/2014</a:t>
             </a:fld>
             <a:endParaRPr lang="en-US"/>
           </a:p>
@@ -1165,7 +1183,7 @@
           <a:p>
             <a:fld id="{6F0DC959-06D7-E34B-BD63-006E0A6BA023}" type="datetimeFigureOut">
               <a:rPr lang="en-US" smtClean="0"/>
-              <a:t>6/11/14</a:t>
+              <a:t>6/11/2014</a:t>
             </a:fld>
             <a:endParaRPr lang="en-US"/>
           </a:p>
@@ -1335,7 +1353,7 @@
           <a:p>
             <a:fld id="{6F0DC959-06D7-E34B-BD63-006E0A6BA023}" type="datetimeFigureOut">
               <a:rPr lang="en-US" smtClean="0"/>
-              <a:t>6/11/14</a:t>
+              <a:t>6/11/2014</a:t>
             </a:fld>
             <a:endParaRPr lang="en-US"/>
           </a:p>
@@ -1581,7 +1599,7 @@
           <a:p>
             <a:fld id="{6F0DC959-06D7-E34B-BD63-006E0A6BA023}" type="datetimeFigureOut">
               <a:rPr lang="en-US" smtClean="0"/>
-              <a:t>6/11/14</a:t>
+              <a:t>6/11/2014</a:t>
             </a:fld>
             <a:endParaRPr lang="en-US"/>
           </a:p>
@@ -1869,7 +1887,7 @@
           <a:p>
             <a:fld id="{6F0DC959-06D7-E34B-BD63-006E0A6BA023}" type="datetimeFigureOut">
               <a:rPr lang="en-US" smtClean="0"/>
-              <a:t>6/11/14</a:t>
+              <a:t>6/11/2014</a:t>
             </a:fld>
             <a:endParaRPr lang="en-US"/>
           </a:p>
@@ -2291,7 +2309,7 @@
           <a:p>
             <a:fld id="{6F0DC959-06D7-E34B-BD63-006E0A6BA023}" type="datetimeFigureOut">
               <a:rPr lang="en-US" smtClean="0"/>
-              <a:t>6/11/14</a:t>
+              <a:t>6/11/2014</a:t>
             </a:fld>
             <a:endParaRPr lang="en-US"/>
           </a:p>
@@ -2409,7 +2427,7 @@
           <a:p>
             <a:fld id="{6F0DC959-06D7-E34B-BD63-006E0A6BA023}" type="datetimeFigureOut">
               <a:rPr lang="en-US" smtClean="0"/>
-              <a:t>6/11/14</a:t>
+              <a:t>6/11/2014</a:t>
             </a:fld>
             <a:endParaRPr lang="en-US"/>
           </a:p>
@@ -2504,7 +2522,7 @@
           <a:p>
             <a:fld id="{6F0DC959-06D7-E34B-BD63-006E0A6BA023}" type="datetimeFigureOut">
               <a:rPr lang="en-US" smtClean="0"/>
-              <a:t>6/11/14</a:t>
+              <a:t>6/11/2014</a:t>
             </a:fld>
             <a:endParaRPr lang="en-US"/>
           </a:p>
@@ -2781,7 +2799,7 @@
           <a:p>
             <a:fld id="{6F0DC959-06D7-E34B-BD63-006E0A6BA023}" type="datetimeFigureOut">
               <a:rPr lang="en-US" smtClean="0"/>
-              <a:t>6/11/14</a:t>
+              <a:t>6/11/2014</a:t>
             </a:fld>
             <a:endParaRPr lang="en-US"/>
           </a:p>
@@ -3034,7 +3052,7 @@
           <a:p>
             <a:fld id="{6F0DC959-06D7-E34B-BD63-006E0A6BA023}" type="datetimeFigureOut">
               <a:rPr lang="en-US" smtClean="0"/>
-              <a:t>6/11/14</a:t>
+              <a:t>6/11/2014</a:t>
             </a:fld>
             <a:endParaRPr lang="en-US"/>
           </a:p>
@@ -3247,7 +3265,7 @@
           <a:p>
             <a:fld id="{6F0DC959-06D7-E34B-BD63-006E0A6BA023}" type="datetimeFigureOut">
               <a:rPr lang="en-US" smtClean="0"/>
-              <a:t>6/11/14</a:t>
+              <a:t>6/11/2014</a:t>
             </a:fld>
             <a:endParaRPr lang="en-US"/>
           </a:p>
@@ -3697,7 +3715,7 @@
   <p:timing>
     <p:tnLst>
       <p:par>
-        <p:cTn xmlns:p14="http://schemas.microsoft.com/office/powerpoint/2010/main" id="1" dur="indefinite" restart="never" nodeType="tmRoot"/>
+        <p:cTn id="1" dur="indefinite" restart="never" nodeType="tmRoot"/>
       </p:par>
     </p:tnLst>
   </p:timing>
@@ -3848,7 +3866,7 @@
   <p:timing>
     <p:tnLst>
       <p:par>
-        <p:cTn xmlns:p14="http://schemas.microsoft.com/office/powerpoint/2010/main" id="1" dur="indefinite" restart="never" nodeType="tmRoot"/>
+        <p:cTn id="1" dur="indefinite" restart="never" nodeType="tmRoot"/>
       </p:par>
     </p:tnLst>
   </p:timing>
@@ -3856,6 +3874,73 @@
 </file>
 
 <file path=ppt/slides/slide3.xml><?xml version="1.0" encoding="utf-8"?>
+<p:sld xmlns:a="http://schemas.openxmlformats.org/drawingml/2006/main" xmlns:r="http://schemas.openxmlformats.org/officeDocument/2006/relationships" xmlns:p="http://schemas.openxmlformats.org/presentationml/2006/main">
+  <p:cSld>
+    <p:spTree>
+      <p:nvGrpSpPr>
+        <p:cNvPr id="1" name=""/>
+        <p:cNvGrpSpPr/>
+        <p:nvPr/>
+      </p:nvGrpSpPr>
+      <p:grpSpPr>
+        <a:xfrm>
+          <a:off x="0" y="0"/>
+          <a:ext cx="0" cy="0"/>
+          <a:chOff x="0" y="0"/>
+          <a:chExt cx="0" cy="0"/>
+        </a:xfrm>
+      </p:grpSpPr>
+      <p:pic>
+        <p:nvPicPr>
+          <p:cNvPr id="2" name="Picture 1"/>
+          <p:cNvPicPr>
+            <a:picLocks noChangeAspect="1"/>
+          </p:cNvPicPr>
+          <p:nvPr/>
+        </p:nvPicPr>
+        <p:blipFill>
+          <a:blip r:embed="rId2">
+            <a:extLst>
+              <a:ext uri="{28A0092B-C50C-407E-A947-70E740481C1C}">
+                <a14:useLocalDpi xmlns:a14="http://schemas.microsoft.com/office/drawing/2010/main" val="0"/>
+              </a:ext>
+            </a:extLst>
+          </a:blip>
+          <a:stretch>
+            <a:fillRect/>
+          </a:stretch>
+        </p:blipFill>
+        <p:spPr>
+          <a:xfrm>
+            <a:off x="0" y="418414"/>
+            <a:ext cx="9144000" cy="6021172"/>
+          </a:xfrm>
+          <a:prstGeom prst="rect">
+            <a:avLst/>
+          </a:prstGeom>
+        </p:spPr>
+      </p:pic>
+    </p:spTree>
+    <p:extLst>
+      <p:ext uri="{BB962C8B-B14F-4D97-AF65-F5344CB8AC3E}">
+        <p14:creationId xmlns:p14="http://schemas.microsoft.com/office/powerpoint/2010/main" val="225576563"/>
+      </p:ext>
+    </p:extLst>
+  </p:cSld>
+  <p:clrMapOvr>
+    <a:masterClrMapping/>
+  </p:clrMapOvr>
+  <p:timing>
+    <p:tnLst>
+      <p:par>
+        <p:cTn id="1" dur="indefinite" restart="never" nodeType="tmRoot"/>
+      </p:par>
+    </p:tnLst>
+  </p:timing>
+</p:sld>
+</file>
+
+<file path=ppt/slides/slide4.xml><?xml version="1.0" encoding="utf-8"?>
 <p:sld xmlns:a="http://schemas.openxmlformats.org/drawingml/2006/main" xmlns:r="http://schemas.openxmlformats.org/officeDocument/2006/relationships" xmlns:p="http://schemas.openxmlformats.org/presentationml/2006/main">
   <p:cSld>
     <p:spTree>
@@ -3938,7 +4023,73 @@
   <p:timing>
     <p:tnLst>
       <p:par>
-        <p:cTn xmlns:p14="http://schemas.microsoft.com/office/powerpoint/2010/main" id="1" dur="indefinite" restart="never" nodeType="tmRoot"/>
+        <p:cTn id="1" dur="indefinite" restart="never" nodeType="tmRoot"/>
+      </p:par>
+    </p:tnLst>
+  </p:timing>
+</p:sld>
+</file>
+
+<file path=ppt/slides/slide5.xml><?xml version="1.0" encoding="utf-8"?>
+<p:sld xmlns:a="http://schemas.openxmlformats.org/drawingml/2006/main" xmlns:r="http://schemas.openxmlformats.org/officeDocument/2006/relationships" xmlns:p="http://schemas.openxmlformats.org/presentationml/2006/main">
+  <p:cSld>
+    <p:spTree>
+      <p:nvGrpSpPr>
+        <p:cNvPr id="1" name=""/>
+        <p:cNvGrpSpPr/>
+        <p:nvPr/>
+      </p:nvGrpSpPr>
+      <p:grpSpPr>
+        <a:xfrm>
+          <a:off x="0" y="0"/>
+          <a:ext cx="0" cy="0"/>
+          <a:chOff x="0" y="0"/>
+          <a:chExt cx="0" cy="0"/>
+        </a:xfrm>
+      </p:grpSpPr>
+      <p:pic>
+        <p:nvPicPr>
+          <p:cNvPr id="4" name="Content Placeholder 3"/>
+          <p:cNvPicPr>
+            <a:picLocks noGrp="1" noChangeAspect="1"/>
+          </p:cNvPicPr>
+          <p:nvPr>
+            <p:ph idx="1"/>
+          </p:nvPr>
+        </p:nvPicPr>
+        <p:blipFill>
+          <a:blip r:embed="rId2">
+            <a:extLst>
+              <a:ext uri="{28A0092B-C50C-407E-A947-70E740481C1C}">
+                <a14:useLocalDpi xmlns:a14="http://schemas.microsoft.com/office/drawing/2010/main" val="0"/>
+              </a:ext>
+            </a:extLst>
+          </a:blip>
+          <a:stretch>
+            <a:fillRect/>
+          </a:stretch>
+        </p:blipFill>
+        <p:spPr>
+          <a:xfrm>
+            <a:off x="650028" y="583422"/>
+            <a:ext cx="7689886" cy="5542742"/>
+          </a:xfrm>
+        </p:spPr>
+      </p:pic>
+    </p:spTree>
+    <p:extLst>
+      <p:ext uri="{BB962C8B-B14F-4D97-AF65-F5344CB8AC3E}">
+        <p14:creationId xmlns:p14="http://schemas.microsoft.com/office/powerpoint/2010/main" val="3775593149"/>
+      </p:ext>
+    </p:extLst>
+  </p:cSld>
+  <p:clrMapOvr>
+    <a:masterClrMapping/>
+  </p:clrMapOvr>
+  <p:timing>
+    <p:tnLst>
+      <p:par>
+        <p:cTn id="1" dur="indefinite" restart="never" nodeType="tmRoot"/>
       </p:par>
     </p:tnLst>
   </p:timing>

--- a/TriviaMazePresentation.pptx
+++ b/TriviaMazePresentation.pptx
@@ -5,14 +5,12 @@
     <p:sldMasterId id="2147483648" r:id="rId1"/>
   </p:sldMasterIdLst>
   <p:notesMasterIdLst>
-    <p:notesMasterId r:id="rId7"/>
+    <p:notesMasterId r:id="rId5"/>
   </p:notesMasterIdLst>
   <p:sldIdLst>
     <p:sldId id="256" r:id="rId2"/>
     <p:sldId id="257" r:id="rId3"/>
-    <p:sldId id="259" r:id="rId4"/>
-    <p:sldId id="258" r:id="rId5"/>
-    <p:sldId id="260" r:id="rId6"/>
+    <p:sldId id="258" r:id="rId4"/>
   </p:sldIdLst>
   <p:sldSz cx="9144000" cy="6858000" type="screen4x3"/>
   <p:notesSz cx="6858000" cy="9144000"/>
@@ -111,22 +109,6 @@
       </a:defRPr>
     </a:lvl9pPr>
   </p:defaultTextStyle>
-  <p:extLst>
-    <p:ext uri="{EFAFB233-063F-42B5-8137-9DF3F51BA10A}">
-      <p15:sldGuideLst xmlns:p15="http://schemas.microsoft.com/office/powerpoint/2012/main">
-        <p15:guide id="1" orient="horz" pos="2160">
-          <p15:clr>
-            <a:srgbClr val="A4A3A4"/>
-          </p15:clr>
-        </p15:guide>
-        <p15:guide id="2" pos="2880">
-          <p15:clr>
-            <a:srgbClr val="A4A3A4"/>
-          </p15:clr>
-        </p15:guide>
-      </p15:sldGuideLst>
-    </p:ext>
-  </p:extLst>
 </p:presentation>
 </file>
 
@@ -212,7 +194,7 @@
           <a:p>
             <a:fld id="{3F3207BE-61EE-8B4E-9B6C-E0D42BE0B951}" type="datetimeFigureOut">
               <a:rPr lang="en-US" smtClean="0"/>
-              <a:t>6/11/2014</a:t>
+              <a:t>6/11/14</a:t>
             </a:fld>
             <a:endParaRPr lang="en-US"/>
           </a:p>
@@ -633,7 +615,7 @@
           <a:p>
             <a:fld id="{B69AF544-AF37-1C4D-A9E6-25BADC255955}" type="slidenum">
               <a:rPr lang="en-US" smtClean="0"/>
-              <a:t>4</a:t>
+              <a:t>3</a:t>
             </a:fld>
             <a:endParaRPr lang="en-US"/>
           </a:p>
@@ -833,7 +815,7 @@
           <a:p>
             <a:fld id="{6F0DC959-06D7-E34B-BD63-006E0A6BA023}" type="datetimeFigureOut">
               <a:rPr lang="en-US" smtClean="0"/>
-              <a:t>6/11/2014</a:t>
+              <a:t>6/11/14</a:t>
             </a:fld>
             <a:endParaRPr lang="en-US"/>
           </a:p>
@@ -1003,7 +985,7 @@
           <a:p>
             <a:fld id="{6F0DC959-06D7-E34B-BD63-006E0A6BA023}" type="datetimeFigureOut">
               <a:rPr lang="en-US" smtClean="0"/>
-              <a:t>6/11/2014</a:t>
+              <a:t>6/11/14</a:t>
             </a:fld>
             <a:endParaRPr lang="en-US"/>
           </a:p>
@@ -1183,7 +1165,7 @@
           <a:p>
             <a:fld id="{6F0DC959-06D7-E34B-BD63-006E0A6BA023}" type="datetimeFigureOut">
               <a:rPr lang="en-US" smtClean="0"/>
-              <a:t>6/11/2014</a:t>
+              <a:t>6/11/14</a:t>
             </a:fld>
             <a:endParaRPr lang="en-US"/>
           </a:p>
@@ -1353,7 +1335,7 @@
           <a:p>
             <a:fld id="{6F0DC959-06D7-E34B-BD63-006E0A6BA023}" type="datetimeFigureOut">
               <a:rPr lang="en-US" smtClean="0"/>
-              <a:t>6/11/2014</a:t>
+              <a:t>6/11/14</a:t>
             </a:fld>
             <a:endParaRPr lang="en-US"/>
           </a:p>
@@ -1599,7 +1581,7 @@
           <a:p>
             <a:fld id="{6F0DC959-06D7-E34B-BD63-006E0A6BA023}" type="datetimeFigureOut">
               <a:rPr lang="en-US" smtClean="0"/>
-              <a:t>6/11/2014</a:t>
+              <a:t>6/11/14</a:t>
             </a:fld>
             <a:endParaRPr lang="en-US"/>
           </a:p>
@@ -1887,7 +1869,7 @@
           <a:p>
             <a:fld id="{6F0DC959-06D7-E34B-BD63-006E0A6BA023}" type="datetimeFigureOut">
               <a:rPr lang="en-US" smtClean="0"/>
-              <a:t>6/11/2014</a:t>
+              <a:t>6/11/14</a:t>
             </a:fld>
             <a:endParaRPr lang="en-US"/>
           </a:p>
@@ -2309,7 +2291,7 @@
           <a:p>
             <a:fld id="{6F0DC959-06D7-E34B-BD63-006E0A6BA023}" type="datetimeFigureOut">
               <a:rPr lang="en-US" smtClean="0"/>
-              <a:t>6/11/2014</a:t>
+              <a:t>6/11/14</a:t>
             </a:fld>
             <a:endParaRPr lang="en-US"/>
           </a:p>
@@ -2427,7 +2409,7 @@
           <a:p>
             <a:fld id="{6F0DC959-06D7-E34B-BD63-006E0A6BA023}" type="datetimeFigureOut">
               <a:rPr lang="en-US" smtClean="0"/>
-              <a:t>6/11/2014</a:t>
+              <a:t>6/11/14</a:t>
             </a:fld>
             <a:endParaRPr lang="en-US"/>
           </a:p>
@@ -2522,7 +2504,7 @@
           <a:p>
             <a:fld id="{6F0DC959-06D7-E34B-BD63-006E0A6BA023}" type="datetimeFigureOut">
               <a:rPr lang="en-US" smtClean="0"/>
-              <a:t>6/11/2014</a:t>
+              <a:t>6/11/14</a:t>
             </a:fld>
             <a:endParaRPr lang="en-US"/>
           </a:p>
@@ -2799,7 +2781,7 @@
           <a:p>
             <a:fld id="{6F0DC959-06D7-E34B-BD63-006E0A6BA023}" type="datetimeFigureOut">
               <a:rPr lang="en-US" smtClean="0"/>
-              <a:t>6/11/2014</a:t>
+              <a:t>6/11/14</a:t>
             </a:fld>
             <a:endParaRPr lang="en-US"/>
           </a:p>
@@ -3052,7 +3034,7 @@
           <a:p>
             <a:fld id="{6F0DC959-06D7-E34B-BD63-006E0A6BA023}" type="datetimeFigureOut">
               <a:rPr lang="en-US" smtClean="0"/>
-              <a:t>6/11/2014</a:t>
+              <a:t>6/11/14</a:t>
             </a:fld>
             <a:endParaRPr lang="en-US"/>
           </a:p>
@@ -3265,7 +3247,7 @@
           <a:p>
             <a:fld id="{6F0DC959-06D7-E34B-BD63-006E0A6BA023}" type="datetimeFigureOut">
               <a:rPr lang="en-US" smtClean="0"/>
-              <a:t>6/11/2014</a:t>
+              <a:t>6/11/14</a:t>
             </a:fld>
             <a:endParaRPr lang="en-US"/>
           </a:p>
@@ -3673,7 +3655,12 @@
             <p:ph type="subTitle" idx="1"/>
           </p:nvPr>
         </p:nvSpPr>
-        <p:spPr/>
+        <p:spPr>
+          <a:xfrm>
+            <a:off x="1143645" y="3886200"/>
+            <a:ext cx="6400800" cy="1752600"/>
+          </a:xfrm>
+        </p:spPr>
         <p:txBody>
           <a:bodyPr/>
           <a:lstStyle/>
@@ -3715,7 +3702,7 @@
   <p:timing>
     <p:tnLst>
       <p:par>
-        <p:cTn id="1" dur="indefinite" restart="never" nodeType="tmRoot"/>
+        <p:cTn xmlns:p14="http://schemas.microsoft.com/office/powerpoint/2010/main" id="1" dur="indefinite" restart="never" nodeType="tmRoot"/>
       </p:par>
     </p:tnLst>
   </p:timing>
@@ -3866,7 +3853,7 @@
   <p:timing>
     <p:tnLst>
       <p:par>
-        <p:cTn id="1" dur="indefinite" restart="never" nodeType="tmRoot"/>
+        <p:cTn xmlns:p14="http://schemas.microsoft.com/office/powerpoint/2010/main" id="1" dur="indefinite" restart="never" nodeType="tmRoot"/>
       </p:par>
     </p:tnLst>
   </p:timing>
@@ -3890,99 +3877,32 @@
           <a:chExt cx="0" cy="0"/>
         </a:xfrm>
       </p:grpSpPr>
+      <p:sp>
+        <p:nvSpPr>
+          <p:cNvPr id="2" name="Title 1"/>
+          <p:cNvSpPr>
+            <a:spLocks noGrp="1"/>
+          </p:cNvSpPr>
+          <p:nvPr>
+            <p:ph type="title"/>
+          </p:nvPr>
+        </p:nvSpPr>
+        <p:spPr/>
+        <p:txBody>
+          <a:bodyPr/>
+          <a:lstStyle/>
+          <a:p>
+            <a:r>
+              <a:rPr lang="en-US" dirty="0" smtClean="0"/>
+              <a:t>Sequence Diagram</a:t>
+            </a:r>
+            <a:endParaRPr lang="en-US" dirty="0"/>
+          </a:p>
+        </p:txBody>
+      </p:sp>
       <p:pic>
         <p:nvPicPr>
-          <p:cNvPr id="2" name="Picture 1"/>
-          <p:cNvPicPr>
-            <a:picLocks noChangeAspect="1"/>
-          </p:cNvPicPr>
-          <p:nvPr/>
-        </p:nvPicPr>
-        <p:blipFill>
-          <a:blip r:embed="rId2">
-            <a:extLst>
-              <a:ext uri="{28A0092B-C50C-407E-A947-70E740481C1C}">
-                <a14:useLocalDpi xmlns:a14="http://schemas.microsoft.com/office/drawing/2010/main" val="0"/>
-              </a:ext>
-            </a:extLst>
-          </a:blip>
-          <a:stretch>
-            <a:fillRect/>
-          </a:stretch>
-        </p:blipFill>
-        <p:spPr>
-          <a:xfrm>
-            <a:off x="0" y="418414"/>
-            <a:ext cx="9144000" cy="6021172"/>
-          </a:xfrm>
-          <a:prstGeom prst="rect">
-            <a:avLst/>
-          </a:prstGeom>
-        </p:spPr>
-      </p:pic>
-    </p:spTree>
-    <p:extLst>
-      <p:ext uri="{BB962C8B-B14F-4D97-AF65-F5344CB8AC3E}">
-        <p14:creationId xmlns:p14="http://schemas.microsoft.com/office/powerpoint/2010/main" val="225576563"/>
-      </p:ext>
-    </p:extLst>
-  </p:cSld>
-  <p:clrMapOvr>
-    <a:masterClrMapping/>
-  </p:clrMapOvr>
-  <p:timing>
-    <p:tnLst>
-      <p:par>
-        <p:cTn id="1" dur="indefinite" restart="never" nodeType="tmRoot"/>
-      </p:par>
-    </p:tnLst>
-  </p:timing>
-</p:sld>
-</file>
-
-<file path=ppt/slides/slide4.xml><?xml version="1.0" encoding="utf-8"?>
-<p:sld xmlns:a="http://schemas.openxmlformats.org/drawingml/2006/main" xmlns:r="http://schemas.openxmlformats.org/officeDocument/2006/relationships" xmlns:p="http://schemas.openxmlformats.org/presentationml/2006/main">
-  <p:cSld>
-    <p:spTree>
-      <p:nvGrpSpPr>
-        <p:cNvPr id="1" name=""/>
-        <p:cNvGrpSpPr/>
-        <p:nvPr/>
-      </p:nvGrpSpPr>
-      <p:grpSpPr>
-        <a:xfrm>
-          <a:off x="0" y="0"/>
-          <a:ext cx="0" cy="0"/>
-          <a:chOff x="0" y="0"/>
-          <a:chExt cx="0" cy="0"/>
-        </a:xfrm>
-      </p:grpSpPr>
-      <p:sp>
-        <p:nvSpPr>
-          <p:cNvPr id="2" name="Title 1"/>
-          <p:cNvSpPr>
-            <a:spLocks noGrp="1"/>
-          </p:cNvSpPr>
-          <p:nvPr>
-            <p:ph type="title"/>
-          </p:nvPr>
-        </p:nvSpPr>
-        <p:spPr/>
-        <p:txBody>
-          <a:bodyPr/>
-          <a:lstStyle/>
-          <a:p>
-            <a:r>
-              <a:rPr lang="en-US" dirty="0" smtClean="0"/>
-              <a:t>Sequence Diagram</a:t>
-            </a:r>
-            <a:endParaRPr lang="en-US" dirty="0"/>
-          </a:p>
-        </p:txBody>
-      </p:sp>
-      <p:pic>
-        <p:nvPicPr>
-          <p:cNvPr id="6" name="Content Placeholder 5" descr="Trivia Maze Sequence Diagram.png"/>
+          <p:cNvPr id="4" name="Content Placeholder 3" descr="Trivia Maze Sequence Diagram-2.png"/>
           <p:cNvPicPr>
             <a:picLocks noGrp="1" noChangeAspect="1"/>
           </p:cNvPicPr>
@@ -3998,15 +3918,15 @@
               </a:ext>
             </a:extLst>
           </a:blip>
-          <a:srcRect l="-29987" r="-29987"/>
+          <a:srcRect l="-22973" r="-22973"/>
           <a:stretch>
             <a:fillRect/>
           </a:stretch>
         </p:blipFill>
         <p:spPr>
           <a:xfrm>
-            <a:off x="-282231" y="1704322"/>
-            <a:ext cx="9997477" cy="4689603"/>
+            <a:off x="-221979" y="1226678"/>
+            <a:ext cx="9464217" cy="5330080"/>
           </a:xfrm>
         </p:spPr>
       </p:pic>
@@ -4023,73 +3943,7 @@
   <p:timing>
     <p:tnLst>
       <p:par>
-        <p:cTn id="1" dur="indefinite" restart="never" nodeType="tmRoot"/>
-      </p:par>
-    </p:tnLst>
-  </p:timing>
-</p:sld>
-</file>
-
-<file path=ppt/slides/slide5.xml><?xml version="1.0" encoding="utf-8"?>
-<p:sld xmlns:a="http://schemas.openxmlformats.org/drawingml/2006/main" xmlns:r="http://schemas.openxmlformats.org/officeDocument/2006/relationships" xmlns:p="http://schemas.openxmlformats.org/presentationml/2006/main">
-  <p:cSld>
-    <p:spTree>
-      <p:nvGrpSpPr>
-        <p:cNvPr id="1" name=""/>
-        <p:cNvGrpSpPr/>
-        <p:nvPr/>
-      </p:nvGrpSpPr>
-      <p:grpSpPr>
-        <a:xfrm>
-          <a:off x="0" y="0"/>
-          <a:ext cx="0" cy="0"/>
-          <a:chOff x="0" y="0"/>
-          <a:chExt cx="0" cy="0"/>
-        </a:xfrm>
-      </p:grpSpPr>
-      <p:pic>
-        <p:nvPicPr>
-          <p:cNvPr id="4" name="Content Placeholder 3"/>
-          <p:cNvPicPr>
-            <a:picLocks noGrp="1" noChangeAspect="1"/>
-          </p:cNvPicPr>
-          <p:nvPr>
-            <p:ph idx="1"/>
-          </p:nvPr>
-        </p:nvPicPr>
-        <p:blipFill>
-          <a:blip r:embed="rId2">
-            <a:extLst>
-              <a:ext uri="{28A0092B-C50C-407E-A947-70E740481C1C}">
-                <a14:useLocalDpi xmlns:a14="http://schemas.microsoft.com/office/drawing/2010/main" val="0"/>
-              </a:ext>
-            </a:extLst>
-          </a:blip>
-          <a:stretch>
-            <a:fillRect/>
-          </a:stretch>
-        </p:blipFill>
-        <p:spPr>
-          <a:xfrm>
-            <a:off x="650028" y="583422"/>
-            <a:ext cx="7689886" cy="5542742"/>
-          </a:xfrm>
-        </p:spPr>
-      </p:pic>
-    </p:spTree>
-    <p:extLst>
-      <p:ext uri="{BB962C8B-B14F-4D97-AF65-F5344CB8AC3E}">
-        <p14:creationId xmlns:p14="http://schemas.microsoft.com/office/powerpoint/2010/main" val="3775593149"/>
-      </p:ext>
-    </p:extLst>
-  </p:cSld>
-  <p:clrMapOvr>
-    <a:masterClrMapping/>
-  </p:clrMapOvr>
-  <p:timing>
-    <p:tnLst>
-      <p:par>
-        <p:cTn id="1" dur="indefinite" restart="never" nodeType="tmRoot"/>
+        <p:cTn xmlns:p14="http://schemas.microsoft.com/office/powerpoint/2010/main" id="1" dur="indefinite" restart="never" nodeType="tmRoot"/>
       </p:par>
     </p:tnLst>
   </p:timing>

--- a/TriviaMazePresentation.pptx
+++ b/TriviaMazePresentation.pptx
@@ -5,12 +5,14 @@
     <p:sldMasterId id="2147483648" r:id="rId1"/>
   </p:sldMasterIdLst>
   <p:notesMasterIdLst>
-    <p:notesMasterId r:id="rId5"/>
+    <p:notesMasterId r:id="rId7"/>
   </p:notesMasterIdLst>
   <p:sldIdLst>
     <p:sldId id="256" r:id="rId2"/>
     <p:sldId id="257" r:id="rId3"/>
     <p:sldId id="258" r:id="rId4"/>
+    <p:sldId id="259" r:id="rId5"/>
+    <p:sldId id="260" r:id="rId6"/>
   </p:sldIdLst>
   <p:sldSz cx="9144000" cy="6858000" type="screen4x3"/>
   <p:notesSz cx="6858000" cy="9144000"/>
@@ -109,6 +111,22 @@
       </a:defRPr>
     </a:lvl9pPr>
   </p:defaultTextStyle>
+  <p:extLst>
+    <p:ext uri="{EFAFB233-063F-42B5-8137-9DF3F51BA10A}">
+      <p15:sldGuideLst xmlns:p15="http://schemas.microsoft.com/office/powerpoint/2012/main">
+        <p15:guide id="1" orient="horz" pos="2160">
+          <p15:clr>
+            <a:srgbClr val="A4A3A4"/>
+          </p15:clr>
+        </p15:guide>
+        <p15:guide id="2" pos="2880">
+          <p15:clr>
+            <a:srgbClr val="A4A3A4"/>
+          </p15:clr>
+        </p15:guide>
+      </p15:sldGuideLst>
+    </p:ext>
+  </p:extLst>
 </p:presentation>
 </file>
 
@@ -194,7 +212,7 @@
           <a:p>
             <a:fld id="{3F3207BE-61EE-8B4E-9B6C-E0D42BE0B951}" type="datetimeFigureOut">
               <a:rPr lang="en-US" smtClean="0"/>
-              <a:t>6/11/14</a:t>
+              <a:t>6/12/2014</a:t>
             </a:fld>
             <a:endParaRPr lang="en-US"/>
           </a:p>
@@ -815,7 +833,7 @@
           <a:p>
             <a:fld id="{6F0DC959-06D7-E34B-BD63-006E0A6BA023}" type="datetimeFigureOut">
               <a:rPr lang="en-US" smtClean="0"/>
-              <a:t>6/11/14</a:t>
+              <a:t>6/12/2014</a:t>
             </a:fld>
             <a:endParaRPr lang="en-US"/>
           </a:p>
@@ -985,7 +1003,7 @@
           <a:p>
             <a:fld id="{6F0DC959-06D7-E34B-BD63-006E0A6BA023}" type="datetimeFigureOut">
               <a:rPr lang="en-US" smtClean="0"/>
-              <a:t>6/11/14</a:t>
+              <a:t>6/12/2014</a:t>
             </a:fld>
             <a:endParaRPr lang="en-US"/>
           </a:p>
@@ -1165,7 +1183,7 @@
           <a:p>
             <a:fld id="{6F0DC959-06D7-E34B-BD63-006E0A6BA023}" type="datetimeFigureOut">
               <a:rPr lang="en-US" smtClean="0"/>
-              <a:t>6/11/14</a:t>
+              <a:t>6/12/2014</a:t>
             </a:fld>
             <a:endParaRPr lang="en-US"/>
           </a:p>
@@ -1335,7 +1353,7 @@
           <a:p>
             <a:fld id="{6F0DC959-06D7-E34B-BD63-006E0A6BA023}" type="datetimeFigureOut">
               <a:rPr lang="en-US" smtClean="0"/>
-              <a:t>6/11/14</a:t>
+              <a:t>6/12/2014</a:t>
             </a:fld>
             <a:endParaRPr lang="en-US"/>
           </a:p>
@@ -1581,7 +1599,7 @@
           <a:p>
             <a:fld id="{6F0DC959-06D7-E34B-BD63-006E0A6BA023}" type="datetimeFigureOut">
               <a:rPr lang="en-US" smtClean="0"/>
-              <a:t>6/11/14</a:t>
+              <a:t>6/12/2014</a:t>
             </a:fld>
             <a:endParaRPr lang="en-US"/>
           </a:p>
@@ -1869,7 +1887,7 @@
           <a:p>
             <a:fld id="{6F0DC959-06D7-E34B-BD63-006E0A6BA023}" type="datetimeFigureOut">
               <a:rPr lang="en-US" smtClean="0"/>
-              <a:t>6/11/14</a:t>
+              <a:t>6/12/2014</a:t>
             </a:fld>
             <a:endParaRPr lang="en-US"/>
           </a:p>
@@ -2291,7 +2309,7 @@
           <a:p>
             <a:fld id="{6F0DC959-06D7-E34B-BD63-006E0A6BA023}" type="datetimeFigureOut">
               <a:rPr lang="en-US" smtClean="0"/>
-              <a:t>6/11/14</a:t>
+              <a:t>6/12/2014</a:t>
             </a:fld>
             <a:endParaRPr lang="en-US"/>
           </a:p>
@@ -2409,7 +2427,7 @@
           <a:p>
             <a:fld id="{6F0DC959-06D7-E34B-BD63-006E0A6BA023}" type="datetimeFigureOut">
               <a:rPr lang="en-US" smtClean="0"/>
-              <a:t>6/11/14</a:t>
+              <a:t>6/12/2014</a:t>
             </a:fld>
             <a:endParaRPr lang="en-US"/>
           </a:p>
@@ -2504,7 +2522,7 @@
           <a:p>
             <a:fld id="{6F0DC959-06D7-E34B-BD63-006E0A6BA023}" type="datetimeFigureOut">
               <a:rPr lang="en-US" smtClean="0"/>
-              <a:t>6/11/14</a:t>
+              <a:t>6/12/2014</a:t>
             </a:fld>
             <a:endParaRPr lang="en-US"/>
           </a:p>
@@ -2781,7 +2799,7 @@
           <a:p>
             <a:fld id="{6F0DC959-06D7-E34B-BD63-006E0A6BA023}" type="datetimeFigureOut">
               <a:rPr lang="en-US" smtClean="0"/>
-              <a:t>6/11/14</a:t>
+              <a:t>6/12/2014</a:t>
             </a:fld>
             <a:endParaRPr lang="en-US"/>
           </a:p>
@@ -3034,7 +3052,7 @@
           <a:p>
             <a:fld id="{6F0DC959-06D7-E34B-BD63-006E0A6BA023}" type="datetimeFigureOut">
               <a:rPr lang="en-US" smtClean="0"/>
-              <a:t>6/11/14</a:t>
+              <a:t>6/12/2014</a:t>
             </a:fld>
             <a:endParaRPr lang="en-US"/>
           </a:p>
@@ -3247,7 +3265,7 @@
           <a:p>
             <a:fld id="{6F0DC959-06D7-E34B-BD63-006E0A6BA023}" type="datetimeFigureOut">
               <a:rPr lang="en-US" smtClean="0"/>
-              <a:t>6/11/14</a:t>
+              <a:t>6/12/2014</a:t>
             </a:fld>
             <a:endParaRPr lang="en-US"/>
           </a:p>
@@ -3702,7 +3720,7 @@
   <p:timing>
     <p:tnLst>
       <p:par>
-        <p:cTn xmlns:p14="http://schemas.microsoft.com/office/powerpoint/2010/main" id="1" dur="indefinite" restart="never" nodeType="tmRoot"/>
+        <p:cTn id="1" dur="indefinite" restart="never" nodeType="tmRoot"/>
       </p:par>
     </p:tnLst>
   </p:timing>
@@ -3853,7 +3871,7 @@
   <p:timing>
     <p:tnLst>
       <p:par>
-        <p:cTn xmlns:p14="http://schemas.microsoft.com/office/powerpoint/2010/main" id="1" dur="indefinite" restart="never" nodeType="tmRoot"/>
+        <p:cTn id="1" dur="indefinite" restart="never" nodeType="tmRoot"/>
       </p:par>
     </p:tnLst>
   </p:timing>
@@ -3943,7 +3961,139 @@
   <p:timing>
     <p:tnLst>
       <p:par>
-        <p:cTn xmlns:p14="http://schemas.microsoft.com/office/powerpoint/2010/main" id="1" dur="indefinite" restart="never" nodeType="tmRoot"/>
+        <p:cTn id="1" dur="indefinite" restart="never" nodeType="tmRoot"/>
+      </p:par>
+    </p:tnLst>
+  </p:timing>
+</p:sld>
+</file>
+
+<file path=ppt/slides/slide4.xml><?xml version="1.0" encoding="utf-8"?>
+<p:sld xmlns:a="http://schemas.openxmlformats.org/drawingml/2006/main" xmlns:r="http://schemas.openxmlformats.org/officeDocument/2006/relationships" xmlns:p="http://schemas.openxmlformats.org/presentationml/2006/main">
+  <p:cSld>
+    <p:spTree>
+      <p:nvGrpSpPr>
+        <p:cNvPr id="1" name=""/>
+        <p:cNvGrpSpPr/>
+        <p:nvPr/>
+      </p:nvGrpSpPr>
+      <p:grpSpPr>
+        <a:xfrm>
+          <a:off x="0" y="0"/>
+          <a:ext cx="0" cy="0"/>
+          <a:chOff x="0" y="0"/>
+          <a:chExt cx="0" cy="0"/>
+        </a:xfrm>
+      </p:grpSpPr>
+      <p:pic>
+        <p:nvPicPr>
+          <p:cNvPr id="4" name="Content Placeholder 3"/>
+          <p:cNvPicPr>
+            <a:picLocks noGrp="1" noChangeAspect="1"/>
+          </p:cNvPicPr>
+          <p:nvPr>
+            <p:ph idx="1"/>
+          </p:nvPr>
+        </p:nvPicPr>
+        <p:blipFill>
+          <a:blip r:embed="rId2">
+            <a:extLst>
+              <a:ext uri="{28A0092B-C50C-407E-A947-70E740481C1C}">
+                <a14:useLocalDpi xmlns:a14="http://schemas.microsoft.com/office/drawing/2010/main" val="0"/>
+              </a:ext>
+            </a:extLst>
+          </a:blip>
+          <a:stretch>
+            <a:fillRect/>
+          </a:stretch>
+        </p:blipFill>
+        <p:spPr>
+          <a:xfrm>
+            <a:off x="747715" y="460006"/>
+            <a:ext cx="7889241" cy="5194934"/>
+          </a:xfrm>
+        </p:spPr>
+      </p:pic>
+    </p:spTree>
+    <p:extLst>
+      <p:ext uri="{BB962C8B-B14F-4D97-AF65-F5344CB8AC3E}">
+        <p14:creationId xmlns:p14="http://schemas.microsoft.com/office/powerpoint/2010/main" val="1728946060"/>
+      </p:ext>
+    </p:extLst>
+  </p:cSld>
+  <p:clrMapOvr>
+    <a:masterClrMapping/>
+  </p:clrMapOvr>
+  <p:timing>
+    <p:tnLst>
+      <p:par>
+        <p:cTn id="1" dur="indefinite" restart="never" nodeType="tmRoot"/>
+      </p:par>
+    </p:tnLst>
+  </p:timing>
+</p:sld>
+</file>
+
+<file path=ppt/slides/slide5.xml><?xml version="1.0" encoding="utf-8"?>
+<p:sld xmlns:a="http://schemas.openxmlformats.org/drawingml/2006/main" xmlns:r="http://schemas.openxmlformats.org/officeDocument/2006/relationships" xmlns:p="http://schemas.openxmlformats.org/presentationml/2006/main">
+  <p:cSld>
+    <p:spTree>
+      <p:nvGrpSpPr>
+        <p:cNvPr id="1" name=""/>
+        <p:cNvGrpSpPr/>
+        <p:nvPr/>
+      </p:nvGrpSpPr>
+      <p:grpSpPr>
+        <a:xfrm>
+          <a:off x="0" y="0"/>
+          <a:ext cx="0" cy="0"/>
+          <a:chOff x="0" y="0"/>
+          <a:chExt cx="0" cy="0"/>
+        </a:xfrm>
+      </p:grpSpPr>
+      <p:pic>
+        <p:nvPicPr>
+          <p:cNvPr id="4" name="Content Placeholder 3"/>
+          <p:cNvPicPr>
+            <a:picLocks noGrp="1" noChangeAspect="1"/>
+          </p:cNvPicPr>
+          <p:nvPr>
+            <p:ph idx="1"/>
+          </p:nvPr>
+        </p:nvPicPr>
+        <p:blipFill>
+          <a:blip r:embed="rId2">
+            <a:extLst>
+              <a:ext uri="{28A0092B-C50C-407E-A947-70E740481C1C}">
+                <a14:useLocalDpi xmlns:a14="http://schemas.microsoft.com/office/drawing/2010/main" val="0"/>
+              </a:ext>
+            </a:extLst>
+          </a:blip>
+          <a:stretch>
+            <a:fillRect/>
+          </a:stretch>
+        </p:blipFill>
+        <p:spPr>
+          <a:xfrm>
+            <a:off x="885840" y="325368"/>
+            <a:ext cx="7588709" cy="5469815"/>
+          </a:xfrm>
+        </p:spPr>
+      </p:pic>
+    </p:spTree>
+    <p:extLst>
+      <p:ext uri="{BB962C8B-B14F-4D97-AF65-F5344CB8AC3E}">
+        <p14:creationId xmlns:p14="http://schemas.microsoft.com/office/powerpoint/2010/main" val="1800177451"/>
+      </p:ext>
+    </p:extLst>
+  </p:cSld>
+  <p:clrMapOvr>
+    <a:masterClrMapping/>
+  </p:clrMapOvr>
+  <p:timing>
+    <p:tnLst>
+      <p:par>
+        <p:cTn id="1" dur="indefinite" restart="never" nodeType="tmRoot"/>
       </p:par>
     </p:tnLst>
   </p:timing>

--- a/TriviaMazePresentation.pptx
+++ b/TriviaMazePresentation.pptx
@@ -2,7 +2,7 @@
 <file path=ppt/presentation.xml><?xml version="1.0" encoding="utf-8"?>
 <p:presentation xmlns:a="http://schemas.openxmlformats.org/drawingml/2006/main" xmlns:r="http://schemas.openxmlformats.org/officeDocument/2006/relationships" xmlns:p="http://schemas.openxmlformats.org/presentationml/2006/main" saveSubsetFonts="1" autoCompressPictures="0">
   <p:sldMasterIdLst>
-    <p:sldMasterId id="2147483648" r:id="rId1"/>
+    <p:sldMasterId id="2147483660" r:id="rId1"/>
   </p:sldMasterIdLst>
   <p:notesMasterIdLst>
     <p:notesMasterId r:id="rId7"/>
@@ -11,8 +11,8 @@
     <p:sldId id="256" r:id="rId2"/>
     <p:sldId id="257" r:id="rId3"/>
     <p:sldId id="258" r:id="rId4"/>
-    <p:sldId id="259" r:id="rId5"/>
-    <p:sldId id="260" r:id="rId6"/>
+    <p:sldId id="262" r:id="rId5"/>
+    <p:sldId id="261" r:id="rId6"/>
   </p:sldIdLst>
   <p:sldSz cx="9144000" cy="6858000" type="screen4x3"/>
   <p:notesSz cx="6858000" cy="9144000"/>
@@ -113,7 +113,7 @@
   </p:defaultTextStyle>
   <p:extLst>
     <p:ext uri="{EFAFB233-063F-42B5-8137-9DF3F51BA10A}">
-      <p15:sldGuideLst xmlns:p15="http://schemas.microsoft.com/office/powerpoint/2012/main">
+      <p15:sldGuideLst xmlns:p15="http://schemas.microsoft.com/office/powerpoint/2012/main" xmlns="">
         <p15:guide id="1" orient="horz" pos="2160">
           <p15:clr>
             <a:srgbClr val="A4A3A4"/>
@@ -653,7 +653,7 @@
 </file>
 
 <file path=ppt/slideLayouts/slideLayout1.xml><?xml version="1.0" encoding="utf-8"?>
-<p:sldLayout xmlns:a="http://schemas.openxmlformats.org/drawingml/2006/main" xmlns:r="http://schemas.openxmlformats.org/officeDocument/2006/relationships" xmlns:p="http://schemas.openxmlformats.org/presentationml/2006/main" type="title" preserve="1">
+<p:sldLayout xmlns:a="http://schemas.openxmlformats.org/drawingml/2006/main" xmlns:r="http://schemas.openxmlformats.org/officeDocument/2006/relationships" xmlns:p="http://schemas.openxmlformats.org/presentationml/2006/main" showMasterSp="0" type="title" preserve="1">
   <p:cSld name="Title Slide">
     <p:spTree>
       <p:nvGrpSpPr>
@@ -671,35 +671,210 @@
       </p:grpSpPr>
       <p:sp>
         <p:nvSpPr>
-          <p:cNvPr id="2" name="Title 1"/>
-          <p:cNvSpPr>
-            <a:spLocks noGrp="1"/>
-          </p:cNvSpPr>
-          <p:nvPr>
-            <p:ph type="ctrTitle"/>
-          </p:nvPr>
+          <p:cNvPr id="15" name="Rounded Rectangle 14"/>
+          <p:cNvSpPr/>
+          <p:nvPr/>
         </p:nvSpPr>
         <p:spPr>
           <a:xfrm>
-            <a:off x="685800" y="2130425"/>
-            <a:ext cx="7772400" cy="1470025"/>
+            <a:off x="304800" y="329184"/>
+            <a:ext cx="8532055" cy="6196819"/>
+          </a:xfrm>
+          <a:prstGeom prst="roundRect">
+            <a:avLst>
+              <a:gd name="adj" fmla="val 2081"/>
+            </a:avLst>
+          </a:prstGeom>
+          <a:gradFill flip="none" rotWithShape="1">
+            <a:gsLst>
+              <a:gs pos="0">
+                <a:srgbClr val="FFFFFF">
+                  <a:shade val="100000"/>
+                </a:srgbClr>
+              </a:gs>
+              <a:gs pos="98000">
+                <a:srgbClr val="FFFFFF">
+                  <a:shade val="100000"/>
+                </a:srgbClr>
+              </a:gs>
+              <a:gs pos="99055">
+                <a:srgbClr val="FFFFFF">
+                  <a:shade val="93000"/>
+                </a:srgbClr>
+              </a:gs>
+              <a:gs pos="100000">
+                <a:srgbClr val="FFFFFF">
+                  <a:shade val="70000"/>
+                </a:srgbClr>
+              </a:gs>
+            </a:gsLst>
+            <a:lin ang="5400000" scaled="1"/>
+            <a:tileRect/>
+          </a:gradFill>
+          <a:ln w="2000" cap="rnd" cmpd="sng" algn="ctr">
+            <a:solidFill>
+              <a:srgbClr val="302F2C">
+                <a:tint val="65000"/>
+                <a:satMod val="120000"/>
+              </a:srgbClr>
+            </a:solidFill>
+            <a:prstDash val="solid"/>
+          </a:ln>
+          <a:effectLst>
+            <a:outerShdw blurRad="76200" dist="50800" dir="5400000" algn="tl" rotWithShape="0">
+              <a:srgbClr val="000000">
+                <a:alpha val="25000"/>
+              </a:srgbClr>
+            </a:outerShdw>
+          </a:effectLst>
+        </p:spPr>
+        <p:style>
+          <a:lnRef idx="3">
+            <a:schemeClr val="lt1"/>
+          </a:lnRef>
+          <a:fillRef idx="1">
+            <a:schemeClr val="accent1"/>
+          </a:fillRef>
+          <a:effectRef idx="1">
+            <a:schemeClr val="accent1"/>
+          </a:effectRef>
+          <a:fontRef idx="minor">
+            <a:schemeClr val="lt1"/>
+          </a:fontRef>
+        </p:style>
+        <p:txBody>
+          <a:bodyPr anchor="ctr"/>
+          <a:lstStyle>
+            <a:extLst/>
+          </a:lstStyle>
+          <a:p>
+            <a:pPr algn="ctr" eaLnBrk="1" latinLnBrk="0" hangingPunct="1"/>
+            <a:endParaRPr kumimoji="0" lang="en-US"/>
+          </a:p>
+        </p:txBody>
+      </p:sp>
+      <p:sp>
+        <p:nvSpPr>
+          <p:cNvPr id="10" name="Rounded Rectangle 9"/>
+          <p:cNvSpPr/>
+          <p:nvPr/>
+        </p:nvSpPr>
+        <p:spPr>
+          <a:xfrm>
+            <a:off x="418596" y="434162"/>
+            <a:ext cx="8306809" cy="3108960"/>
+          </a:xfrm>
+          <a:prstGeom prst="roundRect">
+            <a:avLst>
+              <a:gd name="adj" fmla="val 4578"/>
+            </a:avLst>
+          </a:prstGeom>
+          <a:gradFill rotWithShape="1">
+            <a:gsLst>
+              <a:gs pos="0">
+                <a:schemeClr val="bg1">
+                  <a:tint val="75000"/>
+                  <a:satMod val="150000"/>
+                </a:schemeClr>
+              </a:gs>
+              <a:gs pos="55000">
+                <a:schemeClr val="bg1">
+                  <a:shade val="75000"/>
+                  <a:satMod val="100000"/>
+                </a:schemeClr>
+              </a:gs>
+              <a:gs pos="100000">
+                <a:schemeClr val="bg1">
+                  <a:shade val="35000"/>
+                  <a:satMod val="100000"/>
+                </a:schemeClr>
+              </a:gs>
+            </a:gsLst>
+            <a:path path="circle">
+              <a:fillToRect l="50000" t="175000" r="50000" b="-75000"/>
+            </a:path>
+          </a:gradFill>
+          <a:ln w="8890" cap="rnd" cmpd="sng" algn="ctr">
+            <a:noFill/>
+            <a:prstDash val="solid"/>
+          </a:ln>
+          <a:effectLst/>
+        </p:spPr>
+        <p:style>
+          <a:lnRef idx="3">
+            <a:schemeClr val="lt1"/>
+          </a:lnRef>
+          <a:fillRef idx="1">
+            <a:schemeClr val="accent1"/>
+          </a:fillRef>
+          <a:effectRef idx="1">
+            <a:schemeClr val="accent1"/>
+          </a:effectRef>
+          <a:fontRef idx="minor">
+            <a:schemeClr val="lt1"/>
+          </a:fontRef>
+        </p:style>
+        <p:txBody>
+          <a:bodyPr anchor="ctr"/>
+          <a:lstStyle>
+            <a:extLst/>
+          </a:lstStyle>
+          <a:p>
+            <a:pPr algn="ctr" eaLnBrk="1" latinLnBrk="0" hangingPunct="1"/>
+            <a:endParaRPr kumimoji="0" lang="en-US"/>
+          </a:p>
+        </p:txBody>
+      </p:sp>
+      <p:sp>
+        <p:nvSpPr>
+          <p:cNvPr id="5" name="Title 4"/>
+          <p:cNvSpPr>
+            <a:spLocks noGrp="1"/>
+          </p:cNvSpPr>
+          <p:nvPr>
+            <p:ph type="ctrTitle"/>
+          </p:nvPr>
+        </p:nvSpPr>
+        <p:spPr>
+          <a:xfrm>
+            <a:off x="722376" y="1820206"/>
+            <a:ext cx="7772400" cy="1828800"/>
           </a:xfrm>
         </p:spPr>
         <p:txBody>
-          <a:bodyPr/>
-          <a:lstStyle/>
-          <a:p>
-            <a:r>
-              <a:rPr lang="en-US" smtClean="0"/>
+          <a:bodyPr lIns="45720" rIns="45720" bIns="45720"/>
+          <a:lstStyle>
+            <a:lvl1pPr algn="r">
+              <a:defRPr sz="4500" b="1">
+                <a:solidFill>
+                  <a:schemeClr val="accent1">
+                    <a:tint val="88000"/>
+                    <a:satMod val="150000"/>
+                  </a:schemeClr>
+                </a:solidFill>
+                <a:effectLst>
+                  <a:outerShdw blurRad="53975" dist="22860" dir="5400000" algn="tl" rotWithShape="0">
+                    <a:srgbClr val="000000">
+                      <a:alpha val="55000"/>
+                    </a:srgbClr>
+                  </a:outerShdw>
+                </a:effectLst>
+              </a:defRPr>
+            </a:lvl1pPr>
+            <a:extLst/>
+          </a:lstStyle>
+          <a:p>
+            <a:r>
+              <a:rPr kumimoji="0" lang="en-US" smtClean="0"/>
               <a:t>Click to edit Master title style</a:t>
             </a:r>
-            <a:endParaRPr lang="en-US"/>
-          </a:p>
-        </p:txBody>
-      </p:sp>
-      <p:sp>
-        <p:nvSpPr>
-          <p:cNvPr id="3" name="Subtitle 2"/>
+            <a:endParaRPr kumimoji="0" lang="en-US"/>
+          </a:p>
+        </p:txBody>
+      </p:sp>
+      <p:sp>
+        <p:nvSpPr>
+          <p:cNvPr id="20" name="Subtitle 19"/>
           <p:cNvSpPr>
             <a:spLocks noGrp="1"/>
           </p:cNvSpPr>
@@ -709,116 +884,64 @@
         </p:nvSpPr>
         <p:spPr>
           <a:xfrm>
-            <a:off x="1371600" y="3886200"/>
-            <a:ext cx="6400800" cy="1752600"/>
+            <a:off x="722376" y="3685032"/>
+            <a:ext cx="7772400" cy="914400"/>
           </a:xfrm>
         </p:spPr>
         <p:txBody>
-          <a:bodyPr/>
-          <a:lstStyle>
-            <a:lvl1pPr marL="0" indent="0" algn="ctr">
+          <a:bodyPr lIns="182880" tIns="0"/>
+          <a:lstStyle>
+            <a:lvl1pPr marL="36576" indent="0" algn="r">
+              <a:spcBef>
+                <a:spcPts val="0"/>
+              </a:spcBef>
               <a:buNone/>
-              <a:defRPr>
+              <a:defRPr sz="2000">
                 <a:solidFill>
-                  <a:schemeClr val="tx1">
-                    <a:tint val="75000"/>
+                  <a:schemeClr val="bg2">
+                    <a:shade val="25000"/>
                   </a:schemeClr>
                 </a:solidFill>
               </a:defRPr>
             </a:lvl1pPr>
             <a:lvl2pPr marL="457200" indent="0" algn="ctr">
               <a:buNone/>
-              <a:defRPr>
-                <a:solidFill>
-                  <a:schemeClr val="tx1">
-                    <a:tint val="75000"/>
-                  </a:schemeClr>
-                </a:solidFill>
-              </a:defRPr>
             </a:lvl2pPr>
             <a:lvl3pPr marL="914400" indent="0" algn="ctr">
               <a:buNone/>
-              <a:defRPr>
-                <a:solidFill>
-                  <a:schemeClr val="tx1">
-                    <a:tint val="75000"/>
-                  </a:schemeClr>
-                </a:solidFill>
-              </a:defRPr>
             </a:lvl3pPr>
             <a:lvl4pPr marL="1371600" indent="0" algn="ctr">
               <a:buNone/>
-              <a:defRPr>
-                <a:solidFill>
-                  <a:schemeClr val="tx1">
-                    <a:tint val="75000"/>
-                  </a:schemeClr>
-                </a:solidFill>
-              </a:defRPr>
             </a:lvl4pPr>
             <a:lvl5pPr marL="1828800" indent="0" algn="ctr">
               <a:buNone/>
-              <a:defRPr>
-                <a:solidFill>
-                  <a:schemeClr val="tx1">
-                    <a:tint val="75000"/>
-                  </a:schemeClr>
-                </a:solidFill>
-              </a:defRPr>
             </a:lvl5pPr>
             <a:lvl6pPr marL="2286000" indent="0" algn="ctr">
               <a:buNone/>
-              <a:defRPr>
-                <a:solidFill>
-                  <a:schemeClr val="tx1">
-                    <a:tint val="75000"/>
-                  </a:schemeClr>
-                </a:solidFill>
-              </a:defRPr>
             </a:lvl6pPr>
             <a:lvl7pPr marL="2743200" indent="0" algn="ctr">
               <a:buNone/>
-              <a:defRPr>
-                <a:solidFill>
-                  <a:schemeClr val="tx1">
-                    <a:tint val="75000"/>
-                  </a:schemeClr>
-                </a:solidFill>
-              </a:defRPr>
             </a:lvl7pPr>
             <a:lvl8pPr marL="3200400" indent="0" algn="ctr">
               <a:buNone/>
-              <a:defRPr>
-                <a:solidFill>
-                  <a:schemeClr val="tx1">
-                    <a:tint val="75000"/>
-                  </a:schemeClr>
-                </a:solidFill>
-              </a:defRPr>
             </a:lvl8pPr>
             <a:lvl9pPr marL="3657600" indent="0" algn="ctr">
               <a:buNone/>
-              <a:defRPr>
-                <a:solidFill>
-                  <a:schemeClr val="tx1">
-                    <a:tint val="75000"/>
-                  </a:schemeClr>
-                </a:solidFill>
-              </a:defRPr>
             </a:lvl9pPr>
-          </a:lstStyle>
-          <a:p>
-            <a:r>
-              <a:rPr lang="en-US" smtClean="0"/>
+            <a:extLst/>
+          </a:lstStyle>
+          <a:p>
+            <a:r>
+              <a:rPr kumimoji="0" lang="en-US" smtClean="0"/>
               <a:t>Click to edit Master subtitle style</a:t>
             </a:r>
-            <a:endParaRPr lang="en-US"/>
-          </a:p>
-        </p:txBody>
-      </p:sp>
-      <p:sp>
-        <p:nvSpPr>
-          <p:cNvPr id="4" name="Date Placeholder 3"/>
+            <a:endParaRPr kumimoji="0" lang="en-US"/>
+          </a:p>
+        </p:txBody>
+      </p:sp>
+      <p:sp>
+        <p:nvSpPr>
+          <p:cNvPr id="19" name="Date Placeholder 18"/>
           <p:cNvSpPr>
             <a:spLocks noGrp="1"/>
           </p:cNvSpPr>
@@ -829,7 +952,9 @@
         <p:spPr/>
         <p:txBody>
           <a:bodyPr/>
-          <a:lstStyle/>
+          <a:lstStyle>
+            <a:extLst/>
+          </a:lstStyle>
           <a:p>
             <a:fld id="{6F0DC959-06D7-E34B-BD63-006E0A6BA023}" type="datetimeFigureOut">
               <a:rPr lang="en-US" smtClean="0"/>
@@ -841,7 +966,7 @@
       </p:sp>
       <p:sp>
         <p:nvSpPr>
-          <p:cNvPr id="5" name="Footer Placeholder 4"/>
+          <p:cNvPr id="8" name="Footer Placeholder 7"/>
           <p:cNvSpPr>
             <a:spLocks noGrp="1"/>
           </p:cNvSpPr>
@@ -852,7 +977,9 @@
         <p:spPr/>
         <p:txBody>
           <a:bodyPr/>
-          <a:lstStyle/>
+          <a:lstStyle>
+            <a:extLst/>
+          </a:lstStyle>
           <a:p>
             <a:endParaRPr lang="en-US"/>
           </a:p>
@@ -860,7 +987,7 @@
       </p:sp>
       <p:sp>
         <p:nvSpPr>
-          <p:cNvPr id="6" name="Slide Number Placeholder 5"/>
+          <p:cNvPr id="11" name="Slide Number Placeholder 10"/>
           <p:cNvSpPr>
             <a:spLocks noGrp="1"/>
           </p:cNvSpPr>
@@ -871,7 +998,9 @@
         <p:spPr/>
         <p:txBody>
           <a:bodyPr/>
-          <a:lstStyle/>
+          <a:lstStyle>
+            <a:extLst/>
+          </a:lstStyle>
           <a:p>
             <a:fld id="{14433B70-7D3D-8243-AE90-6103D072A6A1}" type="slidenum">
               <a:rPr lang="en-US" smtClean="0"/>
@@ -882,11 +1011,6 @@
         </p:txBody>
       </p:sp>
     </p:spTree>
-    <p:extLst>
-      <p:ext uri="{BB962C8B-B14F-4D97-AF65-F5344CB8AC3E}">
-        <p14:creationId xmlns:p14="http://schemas.microsoft.com/office/powerpoint/2010/main" val="3915549658"/>
-      </p:ext>
-    </p:extLst>
   </p:cSld>
   <p:clrMapOvr>
     <a:masterClrMapping/>
@@ -921,85 +1045,101 @@
             <p:ph type="title"/>
           </p:nvPr>
         </p:nvSpPr>
+        <p:spPr>
+          <a:xfrm>
+            <a:off x="502920" y="4983480"/>
+            <a:ext cx="8183880" cy="1051560"/>
+          </a:xfrm>
+        </p:spPr>
+        <p:txBody>
+          <a:bodyPr/>
+          <a:lstStyle>
+            <a:extLst/>
+          </a:lstStyle>
+          <a:p>
+            <a:r>
+              <a:rPr kumimoji="0" lang="en-US" smtClean="0"/>
+              <a:t>Click to edit Master title style</a:t>
+            </a:r>
+            <a:endParaRPr kumimoji="0" lang="en-US"/>
+          </a:p>
+        </p:txBody>
+      </p:sp>
+      <p:sp>
+        <p:nvSpPr>
+          <p:cNvPr id="3" name="Vertical Text Placeholder 2"/>
+          <p:cNvSpPr>
+            <a:spLocks noGrp="1"/>
+          </p:cNvSpPr>
+          <p:nvPr>
+            <p:ph type="body" orient="vert" idx="1"/>
+          </p:nvPr>
+        </p:nvSpPr>
+        <p:spPr>
+          <a:xfrm>
+            <a:off x="502920" y="530352"/>
+            <a:ext cx="8183880" cy="4187952"/>
+          </a:xfrm>
+        </p:spPr>
+        <p:txBody>
+          <a:bodyPr vert="eaVert"/>
+          <a:lstStyle>
+            <a:extLst/>
+          </a:lstStyle>
+          <a:p>
+            <a:pPr lvl="0" eaLnBrk="1" latinLnBrk="0" hangingPunct="1"/>
+            <a:r>
+              <a:rPr lang="en-US" smtClean="0"/>
+              <a:t>Click to edit Master text styles</a:t>
+            </a:r>
+          </a:p>
+          <a:p>
+            <a:pPr lvl="1" eaLnBrk="1" latinLnBrk="0" hangingPunct="1"/>
+            <a:r>
+              <a:rPr lang="en-US" smtClean="0"/>
+              <a:t>Second level</a:t>
+            </a:r>
+          </a:p>
+          <a:p>
+            <a:pPr lvl="2" eaLnBrk="1" latinLnBrk="0" hangingPunct="1"/>
+            <a:r>
+              <a:rPr lang="en-US" smtClean="0"/>
+              <a:t>Third level</a:t>
+            </a:r>
+          </a:p>
+          <a:p>
+            <a:pPr lvl="3" eaLnBrk="1" latinLnBrk="0" hangingPunct="1"/>
+            <a:r>
+              <a:rPr lang="en-US" smtClean="0"/>
+              <a:t>Fourth level</a:t>
+            </a:r>
+          </a:p>
+          <a:p>
+            <a:pPr lvl="4" eaLnBrk="1" latinLnBrk="0" hangingPunct="1"/>
+            <a:r>
+              <a:rPr lang="en-US" smtClean="0"/>
+              <a:t>Fifth level</a:t>
+            </a:r>
+            <a:endParaRPr kumimoji="0" lang="en-US"/>
+          </a:p>
+        </p:txBody>
+      </p:sp>
+      <p:sp>
+        <p:nvSpPr>
+          <p:cNvPr id="4" name="Date Placeholder 3"/>
+          <p:cNvSpPr>
+            <a:spLocks noGrp="1"/>
+          </p:cNvSpPr>
+          <p:nvPr>
+            <p:ph type="dt" sz="half" idx="10"/>
+          </p:nvPr>
+        </p:nvSpPr>
         <p:spPr/>
         <p:txBody>
           <a:bodyPr/>
-          <a:lstStyle/>
-          <a:p>
-            <a:r>
-              <a:rPr lang="en-US" smtClean="0"/>
-              <a:t>Click to edit Master title style</a:t>
-            </a:r>
-            <a:endParaRPr lang="en-US"/>
-          </a:p>
-        </p:txBody>
-      </p:sp>
-      <p:sp>
-        <p:nvSpPr>
-          <p:cNvPr id="3" name="Vertical Text Placeholder 2"/>
-          <p:cNvSpPr>
-            <a:spLocks noGrp="1"/>
-          </p:cNvSpPr>
-          <p:nvPr>
-            <p:ph type="body" orient="vert" idx="1"/>
-          </p:nvPr>
-        </p:nvSpPr>
-        <p:spPr/>
-        <p:txBody>
-          <a:bodyPr vert="eaVert"/>
-          <a:lstStyle/>
-          <a:p>
-            <a:pPr lvl="0"/>
-            <a:r>
-              <a:rPr lang="en-US" smtClean="0"/>
-              <a:t>Click to edit Master text styles</a:t>
-            </a:r>
-          </a:p>
-          <a:p>
-            <a:pPr lvl="1"/>
-            <a:r>
-              <a:rPr lang="en-US" smtClean="0"/>
-              <a:t>Second level</a:t>
-            </a:r>
-          </a:p>
-          <a:p>
-            <a:pPr lvl="2"/>
-            <a:r>
-              <a:rPr lang="en-US" smtClean="0"/>
-              <a:t>Third level</a:t>
-            </a:r>
-          </a:p>
-          <a:p>
-            <a:pPr lvl="3"/>
-            <a:r>
-              <a:rPr lang="en-US" smtClean="0"/>
-              <a:t>Fourth level</a:t>
-            </a:r>
-          </a:p>
-          <a:p>
-            <a:pPr lvl="4"/>
-            <a:r>
-              <a:rPr lang="en-US" smtClean="0"/>
-              <a:t>Fifth level</a:t>
-            </a:r>
-            <a:endParaRPr lang="en-US"/>
-          </a:p>
-        </p:txBody>
-      </p:sp>
-      <p:sp>
-        <p:nvSpPr>
-          <p:cNvPr id="4" name="Date Placeholder 3"/>
-          <p:cNvSpPr>
-            <a:spLocks noGrp="1"/>
-          </p:cNvSpPr>
-          <p:nvPr>
-            <p:ph type="dt" sz="half" idx="10"/>
-          </p:nvPr>
-        </p:nvSpPr>
-        <p:spPr/>
-        <p:txBody>
-          <a:bodyPr/>
-          <a:lstStyle/>
+          <a:lstStyle>
+            <a:extLst/>
+          </a:lstStyle>
           <a:p>
             <a:fld id="{6F0DC959-06D7-E34B-BD63-006E0A6BA023}" type="datetimeFigureOut">
               <a:rPr lang="en-US" smtClean="0"/>
@@ -1022,7 +1162,9 @@
         <p:spPr/>
         <p:txBody>
           <a:bodyPr/>
-          <a:lstStyle/>
+          <a:lstStyle>
+            <a:extLst/>
+          </a:lstStyle>
           <a:p>
             <a:endParaRPr lang="en-US"/>
           </a:p>
@@ -1041,7 +1183,9 @@
         <p:spPr/>
         <p:txBody>
           <a:bodyPr/>
-          <a:lstStyle/>
+          <a:lstStyle>
+            <a:extLst/>
+          </a:lstStyle>
           <a:p>
             <a:fld id="{14433B70-7D3D-8243-AE90-6103D072A6A1}" type="slidenum">
               <a:rPr lang="en-US" smtClean="0"/>
@@ -1052,11 +1196,6 @@
         </p:txBody>
       </p:sp>
     </p:spTree>
-    <p:extLst>
-      <p:ext uri="{BB962C8B-B14F-4D97-AF65-F5344CB8AC3E}">
-        <p14:creationId xmlns:p14="http://schemas.microsoft.com/office/powerpoint/2010/main" val="1135039862"/>
-      </p:ext>
-    </p:extLst>
   </p:cSld>
   <p:clrMapOvr>
     <a:masterClrMapping/>
@@ -1093,19 +1232,21 @@
         </p:nvSpPr>
         <p:spPr>
           <a:xfrm>
-            <a:off x="6629400" y="274638"/>
-            <a:ext cx="2057400" cy="5851525"/>
+            <a:off x="6629400" y="533404"/>
+            <a:ext cx="1981200" cy="5257799"/>
           </a:xfrm>
         </p:spPr>
         <p:txBody>
           <a:bodyPr vert="eaVert"/>
-          <a:lstStyle/>
-          <a:p>
-            <a:r>
-              <a:rPr lang="en-US" smtClean="0"/>
+          <a:lstStyle>
+            <a:extLst/>
+          </a:lstStyle>
+          <a:p>
+            <a:r>
+              <a:rPr kumimoji="0" lang="en-US" smtClean="0"/>
               <a:t>Click to edit Master title style</a:t>
             </a:r>
-            <a:endParaRPr lang="en-US"/>
+            <a:endParaRPr kumimoji="0" lang="en-US"/>
           </a:p>
         </p:txBody>
       </p:sp>
@@ -1121,48 +1262,50 @@
         </p:nvSpPr>
         <p:spPr>
           <a:xfrm>
-            <a:off x="457200" y="274638"/>
-            <a:ext cx="6019800" cy="5851525"/>
+            <a:off x="533400" y="533402"/>
+            <a:ext cx="5943600" cy="5257801"/>
           </a:xfrm>
         </p:spPr>
         <p:txBody>
           <a:bodyPr vert="eaVert"/>
-          <a:lstStyle/>
-          <a:p>
-            <a:pPr lvl="0"/>
+          <a:lstStyle>
+            <a:extLst/>
+          </a:lstStyle>
+          <a:p>
+            <a:pPr lvl="0" eaLnBrk="1" latinLnBrk="0" hangingPunct="1"/>
             <a:r>
               <a:rPr lang="en-US" smtClean="0"/>
               <a:t>Click to edit Master text styles</a:t>
             </a:r>
           </a:p>
           <a:p>
-            <a:pPr lvl="1"/>
+            <a:pPr lvl="1" eaLnBrk="1" latinLnBrk="0" hangingPunct="1"/>
             <a:r>
               <a:rPr lang="en-US" smtClean="0"/>
               <a:t>Second level</a:t>
             </a:r>
           </a:p>
           <a:p>
-            <a:pPr lvl="2"/>
+            <a:pPr lvl="2" eaLnBrk="1" latinLnBrk="0" hangingPunct="1"/>
             <a:r>
               <a:rPr lang="en-US" smtClean="0"/>
               <a:t>Third level</a:t>
             </a:r>
           </a:p>
           <a:p>
-            <a:pPr lvl="3"/>
+            <a:pPr lvl="3" eaLnBrk="1" latinLnBrk="0" hangingPunct="1"/>
             <a:r>
               <a:rPr lang="en-US" smtClean="0"/>
               <a:t>Fourth level</a:t>
             </a:r>
           </a:p>
           <a:p>
-            <a:pPr lvl="4"/>
+            <a:pPr lvl="4" eaLnBrk="1" latinLnBrk="0" hangingPunct="1"/>
             <a:r>
               <a:rPr lang="en-US" smtClean="0"/>
               <a:t>Fifth level</a:t>
             </a:r>
-            <a:endParaRPr lang="en-US"/>
+            <a:endParaRPr kumimoji="0" lang="en-US"/>
           </a:p>
         </p:txBody>
       </p:sp>
@@ -1179,7 +1322,9 @@
         <p:spPr/>
         <p:txBody>
           <a:bodyPr/>
-          <a:lstStyle/>
+          <a:lstStyle>
+            <a:extLst/>
+          </a:lstStyle>
           <a:p>
             <a:fld id="{6F0DC959-06D7-E34B-BD63-006E0A6BA023}" type="datetimeFigureOut">
               <a:rPr lang="en-US" smtClean="0"/>
@@ -1202,7 +1347,9 @@
         <p:spPr/>
         <p:txBody>
           <a:bodyPr/>
-          <a:lstStyle/>
+          <a:lstStyle>
+            <a:extLst/>
+          </a:lstStyle>
           <a:p>
             <a:endParaRPr lang="en-US"/>
           </a:p>
@@ -1221,7 +1368,9 @@
         <p:spPr/>
         <p:txBody>
           <a:bodyPr/>
-          <a:lstStyle/>
+          <a:lstStyle>
+            <a:extLst/>
+          </a:lstStyle>
           <a:p>
             <a:fld id="{14433B70-7D3D-8243-AE90-6103D072A6A1}" type="slidenum">
               <a:rPr lang="en-US" smtClean="0"/>
@@ -1232,11 +1381,6 @@
         </p:txBody>
       </p:sp>
     </p:spTree>
-    <p:extLst>
-      <p:ext uri="{BB962C8B-B14F-4D97-AF65-F5344CB8AC3E}">
-        <p14:creationId xmlns:p14="http://schemas.microsoft.com/office/powerpoint/2010/main" val="2086881069"/>
-      </p:ext>
-    </p:extLst>
   </p:cSld>
   <p:clrMapOvr>
     <a:masterClrMapping/>
@@ -1271,85 +1415,101 @@
             <p:ph type="title"/>
           </p:nvPr>
         </p:nvSpPr>
+        <p:spPr>
+          <a:xfrm>
+            <a:off x="502920" y="4983480"/>
+            <a:ext cx="8183880" cy="1051560"/>
+          </a:xfrm>
+        </p:spPr>
+        <p:txBody>
+          <a:bodyPr/>
+          <a:lstStyle>
+            <a:extLst/>
+          </a:lstStyle>
+          <a:p>
+            <a:r>
+              <a:rPr kumimoji="0" lang="en-US" smtClean="0"/>
+              <a:t>Click to edit Master title style</a:t>
+            </a:r>
+            <a:endParaRPr kumimoji="0" lang="en-US"/>
+          </a:p>
+        </p:txBody>
+      </p:sp>
+      <p:sp>
+        <p:nvSpPr>
+          <p:cNvPr id="3" name="Content Placeholder 2"/>
+          <p:cNvSpPr>
+            <a:spLocks noGrp="1"/>
+          </p:cNvSpPr>
+          <p:nvPr>
+            <p:ph idx="1"/>
+          </p:nvPr>
+        </p:nvSpPr>
+        <p:spPr>
+          <a:xfrm>
+            <a:off x="502920" y="530352"/>
+            <a:ext cx="8183880" cy="4187952"/>
+          </a:xfrm>
+        </p:spPr>
+        <p:txBody>
+          <a:bodyPr/>
+          <a:lstStyle>
+            <a:extLst/>
+          </a:lstStyle>
+          <a:p>
+            <a:pPr lvl="0" eaLnBrk="1" latinLnBrk="0" hangingPunct="1"/>
+            <a:r>
+              <a:rPr lang="en-US" smtClean="0"/>
+              <a:t>Click to edit Master text styles</a:t>
+            </a:r>
+          </a:p>
+          <a:p>
+            <a:pPr lvl="1" eaLnBrk="1" latinLnBrk="0" hangingPunct="1"/>
+            <a:r>
+              <a:rPr lang="en-US" smtClean="0"/>
+              <a:t>Second level</a:t>
+            </a:r>
+          </a:p>
+          <a:p>
+            <a:pPr lvl="2" eaLnBrk="1" latinLnBrk="0" hangingPunct="1"/>
+            <a:r>
+              <a:rPr lang="en-US" smtClean="0"/>
+              <a:t>Third level</a:t>
+            </a:r>
+          </a:p>
+          <a:p>
+            <a:pPr lvl="3" eaLnBrk="1" latinLnBrk="0" hangingPunct="1"/>
+            <a:r>
+              <a:rPr lang="en-US" smtClean="0"/>
+              <a:t>Fourth level</a:t>
+            </a:r>
+          </a:p>
+          <a:p>
+            <a:pPr lvl="4" eaLnBrk="1" latinLnBrk="0" hangingPunct="1"/>
+            <a:r>
+              <a:rPr lang="en-US" smtClean="0"/>
+              <a:t>Fifth level</a:t>
+            </a:r>
+            <a:endParaRPr kumimoji="0" lang="en-US"/>
+          </a:p>
+        </p:txBody>
+      </p:sp>
+      <p:sp>
+        <p:nvSpPr>
+          <p:cNvPr id="4" name="Date Placeholder 3"/>
+          <p:cNvSpPr>
+            <a:spLocks noGrp="1"/>
+          </p:cNvSpPr>
+          <p:nvPr>
+            <p:ph type="dt" sz="half" idx="10"/>
+          </p:nvPr>
+        </p:nvSpPr>
         <p:spPr/>
         <p:txBody>
           <a:bodyPr/>
-          <a:lstStyle/>
-          <a:p>
-            <a:r>
-              <a:rPr lang="en-US" smtClean="0"/>
-              <a:t>Click to edit Master title style</a:t>
-            </a:r>
-            <a:endParaRPr lang="en-US"/>
-          </a:p>
-        </p:txBody>
-      </p:sp>
-      <p:sp>
-        <p:nvSpPr>
-          <p:cNvPr id="3" name="Content Placeholder 2"/>
-          <p:cNvSpPr>
-            <a:spLocks noGrp="1"/>
-          </p:cNvSpPr>
-          <p:nvPr>
-            <p:ph idx="1"/>
-          </p:nvPr>
-        </p:nvSpPr>
-        <p:spPr/>
-        <p:txBody>
-          <a:bodyPr/>
-          <a:lstStyle/>
-          <a:p>
-            <a:pPr lvl="0"/>
-            <a:r>
-              <a:rPr lang="en-US" smtClean="0"/>
-              <a:t>Click to edit Master text styles</a:t>
-            </a:r>
-          </a:p>
-          <a:p>
-            <a:pPr lvl="1"/>
-            <a:r>
-              <a:rPr lang="en-US" smtClean="0"/>
-              <a:t>Second level</a:t>
-            </a:r>
-          </a:p>
-          <a:p>
-            <a:pPr lvl="2"/>
-            <a:r>
-              <a:rPr lang="en-US" smtClean="0"/>
-              <a:t>Third level</a:t>
-            </a:r>
-          </a:p>
-          <a:p>
-            <a:pPr lvl="3"/>
-            <a:r>
-              <a:rPr lang="en-US" smtClean="0"/>
-              <a:t>Fourth level</a:t>
-            </a:r>
-          </a:p>
-          <a:p>
-            <a:pPr lvl="4"/>
-            <a:r>
-              <a:rPr lang="en-US" smtClean="0"/>
-              <a:t>Fifth level</a:t>
-            </a:r>
-            <a:endParaRPr lang="en-US"/>
-          </a:p>
-        </p:txBody>
-      </p:sp>
-      <p:sp>
-        <p:nvSpPr>
-          <p:cNvPr id="4" name="Date Placeholder 3"/>
-          <p:cNvSpPr>
-            <a:spLocks noGrp="1"/>
-          </p:cNvSpPr>
-          <p:nvPr>
-            <p:ph type="dt" sz="half" idx="10"/>
-          </p:nvPr>
-        </p:nvSpPr>
-        <p:spPr/>
-        <p:txBody>
-          <a:bodyPr/>
-          <a:lstStyle/>
+          <a:lstStyle>
+            <a:extLst/>
+          </a:lstStyle>
           <a:p>
             <a:fld id="{6F0DC959-06D7-E34B-BD63-006E0A6BA023}" type="datetimeFigureOut">
               <a:rPr lang="en-US" smtClean="0"/>
@@ -1372,7 +1532,9 @@
         <p:spPr/>
         <p:txBody>
           <a:bodyPr/>
-          <a:lstStyle/>
+          <a:lstStyle>
+            <a:extLst/>
+          </a:lstStyle>
           <a:p>
             <a:endParaRPr lang="en-US"/>
           </a:p>
@@ -1391,7 +1553,9 @@
         <p:spPr/>
         <p:txBody>
           <a:bodyPr/>
-          <a:lstStyle/>
+          <a:lstStyle>
+            <a:extLst/>
+          </a:lstStyle>
           <a:p>
             <a:fld id="{14433B70-7D3D-8243-AE90-6103D072A6A1}" type="slidenum">
               <a:rPr lang="en-US" smtClean="0"/>
@@ -1402,11 +1566,6 @@
         </p:txBody>
       </p:sp>
     </p:spTree>
-    <p:extLst>
-      <p:ext uri="{BB962C8B-B14F-4D97-AF65-F5344CB8AC3E}">
-        <p14:creationId xmlns:p14="http://schemas.microsoft.com/office/powerpoint/2010/main" val="760213065"/>
-      </p:ext>
-    </p:extLst>
   </p:cSld>
   <p:clrMapOvr>
     <a:masterClrMapping/>
@@ -1415,7 +1574,7 @@
 </file>
 
 <file path=ppt/slideLayouts/slideLayout3.xml><?xml version="1.0" encoding="utf-8"?>
-<p:sldLayout xmlns:a="http://schemas.openxmlformats.org/drawingml/2006/main" xmlns:r="http://schemas.openxmlformats.org/officeDocument/2006/relationships" xmlns:p="http://schemas.openxmlformats.org/presentationml/2006/main" type="secHead" preserve="1">
+<p:sldLayout xmlns:a="http://schemas.openxmlformats.org/drawingml/2006/main" xmlns:r="http://schemas.openxmlformats.org/officeDocument/2006/relationships" xmlns:p="http://schemas.openxmlformats.org/presentationml/2006/main" showMasterSp="0" type="secHead" preserve="1">
   <p:cSld name="Section Header">
     <p:spTree>
       <p:nvGrpSpPr>
@@ -1433,33 +1592,198 @@
       </p:grpSpPr>
       <p:sp>
         <p:nvSpPr>
-          <p:cNvPr id="2" name="Title 1"/>
-          <p:cNvSpPr>
-            <a:spLocks noGrp="1"/>
-          </p:cNvSpPr>
-          <p:nvPr>
-            <p:ph type="title"/>
-          </p:nvPr>
+          <p:cNvPr id="14" name="Rounded Rectangle 13"/>
+          <p:cNvSpPr/>
+          <p:nvPr/>
         </p:nvSpPr>
         <p:spPr>
           <a:xfrm>
-            <a:off x="722313" y="4406900"/>
-            <a:ext cx="7772400" cy="1362075"/>
+            <a:off x="304800" y="329184"/>
+            <a:ext cx="8532055" cy="6196819"/>
+          </a:xfrm>
+          <a:prstGeom prst="roundRect">
+            <a:avLst>
+              <a:gd name="adj" fmla="val 2081"/>
+            </a:avLst>
+          </a:prstGeom>
+          <a:gradFill flip="none" rotWithShape="1">
+            <a:gsLst>
+              <a:gs pos="0">
+                <a:srgbClr val="FFFFFF">
+                  <a:shade val="100000"/>
+                </a:srgbClr>
+              </a:gs>
+              <a:gs pos="98000">
+                <a:srgbClr val="FFFFFF">
+                  <a:shade val="100000"/>
+                </a:srgbClr>
+              </a:gs>
+              <a:gs pos="99055">
+                <a:srgbClr val="FFFFFF">
+                  <a:shade val="93000"/>
+                </a:srgbClr>
+              </a:gs>
+              <a:gs pos="100000">
+                <a:srgbClr val="FFFFFF">
+                  <a:shade val="70000"/>
+                </a:srgbClr>
+              </a:gs>
+            </a:gsLst>
+            <a:lin ang="5400000" scaled="1"/>
+            <a:tileRect/>
+          </a:gradFill>
+          <a:ln w="2000" cap="rnd" cmpd="sng" algn="ctr">
+            <a:solidFill>
+              <a:srgbClr val="302F2C">
+                <a:tint val="65000"/>
+                <a:satMod val="120000"/>
+              </a:srgbClr>
+            </a:solidFill>
+            <a:prstDash val="solid"/>
+          </a:ln>
+          <a:effectLst>
+            <a:outerShdw blurRad="76200" dist="50800" dir="5400000" algn="tl" rotWithShape="0">
+              <a:srgbClr val="000000">
+                <a:alpha val="25000"/>
+              </a:srgbClr>
+            </a:outerShdw>
+          </a:effectLst>
+        </p:spPr>
+        <p:style>
+          <a:lnRef idx="3">
+            <a:schemeClr val="lt1"/>
+          </a:lnRef>
+          <a:fillRef idx="1">
+            <a:schemeClr val="accent1"/>
+          </a:fillRef>
+          <a:effectRef idx="1">
+            <a:schemeClr val="accent1"/>
+          </a:effectRef>
+          <a:fontRef idx="minor">
+            <a:schemeClr val="lt1"/>
+          </a:fontRef>
+        </p:style>
+        <p:txBody>
+          <a:bodyPr anchor="ctr"/>
+          <a:lstStyle>
+            <a:extLst/>
+          </a:lstStyle>
+          <a:p>
+            <a:pPr algn="ctr" eaLnBrk="1" latinLnBrk="0" hangingPunct="1"/>
+            <a:endParaRPr kumimoji="0" lang="en-US"/>
+          </a:p>
+        </p:txBody>
+      </p:sp>
+      <p:sp>
+        <p:nvSpPr>
+          <p:cNvPr id="11" name="Rounded Rectangle 10"/>
+          <p:cNvSpPr/>
+          <p:nvPr/>
+        </p:nvSpPr>
+        <p:spPr>
+          <a:xfrm>
+            <a:off x="418596" y="434162"/>
+            <a:ext cx="8306809" cy="4341329"/>
+          </a:xfrm>
+          <a:prstGeom prst="roundRect">
+            <a:avLst>
+              <a:gd name="adj" fmla="val 2127"/>
+            </a:avLst>
+          </a:prstGeom>
+          <a:gradFill rotWithShape="1">
+            <a:gsLst>
+              <a:gs pos="0">
+                <a:schemeClr val="bg1">
+                  <a:tint val="75000"/>
+                  <a:satMod val="150000"/>
+                </a:schemeClr>
+              </a:gs>
+              <a:gs pos="55000">
+                <a:schemeClr val="bg1">
+                  <a:shade val="75000"/>
+                  <a:satMod val="100000"/>
+                </a:schemeClr>
+              </a:gs>
+              <a:gs pos="100000">
+                <a:schemeClr val="bg1">
+                  <a:shade val="35000"/>
+                  <a:satMod val="100000"/>
+                </a:schemeClr>
+              </a:gs>
+            </a:gsLst>
+            <a:path path="circle">
+              <a:fillToRect l="50000" t="175000" r="50000" b="-75000"/>
+            </a:path>
+          </a:gradFill>
+          <a:ln w="8890" cap="rnd" cmpd="sng" algn="ctr">
+            <a:noFill/>
+            <a:prstDash val="solid"/>
+          </a:ln>
+          <a:effectLst/>
+        </p:spPr>
+        <p:style>
+          <a:lnRef idx="3">
+            <a:schemeClr val="lt1"/>
+          </a:lnRef>
+          <a:fillRef idx="1">
+            <a:schemeClr val="accent1"/>
+          </a:fillRef>
+          <a:effectRef idx="1">
+            <a:schemeClr val="accent1"/>
+          </a:effectRef>
+          <a:fontRef idx="minor">
+            <a:schemeClr val="lt1"/>
+          </a:fontRef>
+        </p:style>
+        <p:txBody>
+          <a:bodyPr anchor="ctr"/>
+          <a:lstStyle>
+            <a:extLst/>
+          </a:lstStyle>
+          <a:p>
+            <a:pPr algn="ctr" eaLnBrk="1" latinLnBrk="0" hangingPunct="1"/>
+            <a:endParaRPr kumimoji="0" lang="en-US"/>
+          </a:p>
+        </p:txBody>
+      </p:sp>
+      <p:sp>
+        <p:nvSpPr>
+          <p:cNvPr id="2" name="Title 1"/>
+          <p:cNvSpPr>
+            <a:spLocks noGrp="1"/>
+          </p:cNvSpPr>
+          <p:nvPr>
+            <p:ph type="title"/>
+          </p:nvPr>
+        </p:nvSpPr>
+        <p:spPr>
+          <a:xfrm>
+            <a:off x="468344" y="4928616"/>
+            <a:ext cx="8183880" cy="676656"/>
           </a:xfrm>
         </p:spPr>
         <p:txBody>
-          <a:bodyPr anchor="t"/>
+          <a:bodyPr lIns="91440" bIns="0" anchor="b"/>
           <a:lstStyle>
             <a:lvl1pPr algn="l">
-              <a:defRPr sz="4000" b="1" cap="all"/>
+              <a:buNone/>
+              <a:defRPr sz="3600" b="0" cap="none" baseline="0">
+                <a:solidFill>
+                  <a:schemeClr val="bg2">
+                    <a:shade val="25000"/>
+                  </a:schemeClr>
+                </a:solidFill>
+                <a:effectLst/>
+              </a:defRPr>
             </a:lvl1pPr>
-          </a:lstStyle>
-          <a:p>
-            <a:r>
-              <a:rPr lang="en-US" smtClean="0"/>
+            <a:extLst/>
+          </a:lstStyle>
+          <a:p>
+            <a:r>
+              <a:rPr kumimoji="0" lang="en-US" smtClean="0"/>
               <a:t>Click to edit Master title style</a:t>
             </a:r>
-            <a:endParaRPr lang="en-US"/>
+            <a:endParaRPr kumimoji="0" lang="en-US"/>
           </a:p>
         </p:txBody>
       </p:sp>
@@ -1475,24 +1799,32 @@
         </p:nvSpPr>
         <p:spPr>
           <a:xfrm>
-            <a:off x="722313" y="2906713"/>
-            <a:ext cx="7772400" cy="1500187"/>
+            <a:off x="468344" y="5624484"/>
+            <a:ext cx="8183880" cy="420624"/>
           </a:xfrm>
         </p:spPr>
         <p:txBody>
-          <a:bodyPr anchor="b"/>
-          <a:lstStyle>
-            <a:lvl1pPr marL="0" indent="0">
+          <a:bodyPr lIns="118872" tIns="0" anchor="t"/>
+          <a:lstStyle>
+            <a:lvl1pPr marL="0" marR="36576" indent="0" algn="l">
+              <a:spcBef>
+                <a:spcPts val="0"/>
+              </a:spcBef>
+              <a:spcAft>
+                <a:spcPts val="0"/>
+              </a:spcAft>
               <a:buNone/>
-              <a:defRPr sz="2000">
+              <a:defRPr sz="1800" b="0">
                 <a:solidFill>
-                  <a:schemeClr val="tx1">
-                    <a:tint val="75000"/>
+                  <a:schemeClr val="accent1">
+                    <a:shade val="50000"/>
+                    <a:satMod val="110000"/>
                   </a:schemeClr>
                 </a:solidFill>
+                <a:effectLst/>
               </a:defRPr>
             </a:lvl1pPr>
-            <a:lvl2pPr marL="457200" indent="0">
+            <a:lvl2pPr>
               <a:buNone/>
               <a:defRPr sz="1800">
                 <a:solidFill>
@@ -1502,7 +1834,7 @@
                 </a:solidFill>
               </a:defRPr>
             </a:lvl2pPr>
-            <a:lvl3pPr marL="914400" indent="0">
+            <a:lvl3pPr>
               <a:buNone/>
               <a:defRPr sz="1600">
                 <a:solidFill>
@@ -1512,7 +1844,7 @@
                 </a:solidFill>
               </a:defRPr>
             </a:lvl3pPr>
-            <a:lvl4pPr marL="1371600" indent="0">
+            <a:lvl4pPr>
               <a:buNone/>
               <a:defRPr sz="1400">
                 <a:solidFill>
@@ -1522,7 +1854,7 @@
                 </a:solidFill>
               </a:defRPr>
             </a:lvl4pPr>
-            <a:lvl5pPr marL="1828800" indent="0">
+            <a:lvl5pPr>
               <a:buNone/>
               <a:defRPr sz="1400">
                 <a:solidFill>
@@ -1532,51 +1864,12 @@
                 </a:solidFill>
               </a:defRPr>
             </a:lvl5pPr>
-            <a:lvl6pPr marL="2286000" indent="0">
-              <a:buNone/>
-              <a:defRPr sz="1400">
-                <a:solidFill>
-                  <a:schemeClr val="tx1">
-                    <a:tint val="75000"/>
-                  </a:schemeClr>
-                </a:solidFill>
-              </a:defRPr>
-            </a:lvl6pPr>
-            <a:lvl7pPr marL="2743200" indent="0">
-              <a:buNone/>
-              <a:defRPr sz="1400">
-                <a:solidFill>
-                  <a:schemeClr val="tx1">
-                    <a:tint val="75000"/>
-                  </a:schemeClr>
-                </a:solidFill>
-              </a:defRPr>
-            </a:lvl7pPr>
-            <a:lvl8pPr marL="3200400" indent="0">
-              <a:buNone/>
-              <a:defRPr sz="1400">
-                <a:solidFill>
-                  <a:schemeClr val="tx1">
-                    <a:tint val="75000"/>
-                  </a:schemeClr>
-                </a:solidFill>
-              </a:defRPr>
-            </a:lvl8pPr>
-            <a:lvl9pPr marL="3657600" indent="0">
-              <a:buNone/>
-              <a:defRPr sz="1400">
-                <a:solidFill>
-                  <a:schemeClr val="tx1">
-                    <a:tint val="75000"/>
-                  </a:schemeClr>
-                </a:solidFill>
-              </a:defRPr>
-            </a:lvl9pPr>
-          </a:lstStyle>
-          <a:p>
-            <a:pPr lvl="0"/>
-            <a:r>
-              <a:rPr lang="en-US" smtClean="0"/>
+            <a:extLst/>
+          </a:lstStyle>
+          <a:p>
+            <a:pPr lvl="0" eaLnBrk="1" latinLnBrk="0" hangingPunct="1"/>
+            <a:r>
+              <a:rPr kumimoji="0" lang="en-US" smtClean="0"/>
               <a:t>Click to edit Master text styles</a:t>
             </a:r>
           </a:p>
@@ -1595,7 +1888,9 @@
         <p:spPr/>
         <p:txBody>
           <a:bodyPr/>
-          <a:lstStyle/>
+          <a:lstStyle>
+            <a:extLst/>
+          </a:lstStyle>
           <a:p>
             <a:fld id="{6F0DC959-06D7-E34B-BD63-006E0A6BA023}" type="datetimeFigureOut">
               <a:rPr lang="en-US" smtClean="0"/>
@@ -1618,7 +1913,9 @@
         <p:spPr/>
         <p:txBody>
           <a:bodyPr/>
-          <a:lstStyle/>
+          <a:lstStyle>
+            <a:extLst/>
+          </a:lstStyle>
           <a:p>
             <a:endParaRPr lang="en-US"/>
           </a:p>
@@ -1637,7 +1934,9 @@
         <p:spPr/>
         <p:txBody>
           <a:bodyPr/>
-          <a:lstStyle/>
+          <a:lstStyle>
+            <a:extLst/>
+          </a:lstStyle>
           <a:p>
             <a:fld id="{14433B70-7D3D-8243-AE90-6103D072A6A1}" type="slidenum">
               <a:rPr lang="en-US" smtClean="0"/>
@@ -1648,11 +1947,6 @@
         </p:txBody>
       </p:sp>
     </p:spTree>
-    <p:extLst>
-      <p:ext uri="{BB962C8B-B14F-4D97-AF65-F5344CB8AC3E}">
-        <p14:creationId xmlns:p14="http://schemas.microsoft.com/office/powerpoint/2010/main" val="1676605150"/>
-      </p:ext>
-    </p:extLst>
   </p:cSld>
   <p:clrMapOvr>
     <a:masterClrMapping/>
@@ -1690,13 +1984,15 @@
         <p:spPr/>
         <p:txBody>
           <a:bodyPr/>
-          <a:lstStyle/>
-          <a:p>
-            <a:r>
-              <a:rPr lang="en-US" smtClean="0"/>
+          <a:lstStyle>
+            <a:extLst/>
+          </a:lstStyle>
+          <a:p>
+            <a:r>
+              <a:rPr kumimoji="0" lang="en-US" smtClean="0"/>
               <a:t>Click to edit Master title style</a:t>
             </a:r>
-            <a:endParaRPr lang="en-US"/>
+            <a:endParaRPr kumimoji="0" lang="en-US"/>
           </a:p>
         </p:txBody>
       </p:sp>
@@ -1712,18 +2008,18 @@
         </p:nvSpPr>
         <p:spPr>
           <a:xfrm>
-            <a:off x="457200" y="1600200"/>
-            <a:ext cx="4038600" cy="4525963"/>
+            <a:off x="514352" y="530352"/>
+            <a:ext cx="3931920" cy="4389120"/>
           </a:xfrm>
         </p:spPr>
         <p:txBody>
           <a:bodyPr/>
           <a:lstStyle>
             <a:lvl1pPr>
-              <a:defRPr sz="2800"/>
+              <a:defRPr sz="2600"/>
             </a:lvl1pPr>
             <a:lvl2pPr>
-              <a:defRPr sz="2400"/>
+              <a:defRPr sz="2200"/>
             </a:lvl2pPr>
             <a:lvl3pPr>
               <a:defRPr sz="2000"/>
@@ -1734,54 +2030,43 @@
             <a:lvl5pPr>
               <a:defRPr sz="1800"/>
             </a:lvl5pPr>
-            <a:lvl6pPr>
-              <a:defRPr sz="1800"/>
-            </a:lvl6pPr>
-            <a:lvl7pPr>
-              <a:defRPr sz="1800"/>
-            </a:lvl7pPr>
-            <a:lvl8pPr>
-              <a:defRPr sz="1800"/>
-            </a:lvl8pPr>
-            <a:lvl9pPr>
-              <a:defRPr sz="1800"/>
-            </a:lvl9pPr>
-          </a:lstStyle>
-          <a:p>
-            <a:pPr lvl="0"/>
+            <a:extLst/>
+          </a:lstStyle>
+          <a:p>
+            <a:pPr lvl="0" eaLnBrk="1" latinLnBrk="0" hangingPunct="1"/>
             <a:r>
               <a:rPr lang="en-US" smtClean="0"/>
               <a:t>Click to edit Master text styles</a:t>
             </a:r>
           </a:p>
           <a:p>
-            <a:pPr lvl="1"/>
+            <a:pPr lvl="1" eaLnBrk="1" latinLnBrk="0" hangingPunct="1"/>
             <a:r>
               <a:rPr lang="en-US" smtClean="0"/>
               <a:t>Second level</a:t>
             </a:r>
           </a:p>
           <a:p>
-            <a:pPr lvl="2"/>
+            <a:pPr lvl="2" eaLnBrk="1" latinLnBrk="0" hangingPunct="1"/>
             <a:r>
               <a:rPr lang="en-US" smtClean="0"/>
               <a:t>Third level</a:t>
             </a:r>
           </a:p>
           <a:p>
-            <a:pPr lvl="3"/>
+            <a:pPr lvl="3" eaLnBrk="1" latinLnBrk="0" hangingPunct="1"/>
             <a:r>
               <a:rPr lang="en-US" smtClean="0"/>
               <a:t>Fourth level</a:t>
             </a:r>
           </a:p>
           <a:p>
-            <a:pPr lvl="4"/>
+            <a:pPr lvl="4" eaLnBrk="1" latinLnBrk="0" hangingPunct="1"/>
             <a:r>
               <a:rPr lang="en-US" smtClean="0"/>
               <a:t>Fifth level</a:t>
             </a:r>
-            <a:endParaRPr lang="en-US"/>
+            <a:endParaRPr kumimoji="0" lang="en-US"/>
           </a:p>
         </p:txBody>
       </p:sp>
@@ -1797,18 +2082,18 @@
         </p:nvSpPr>
         <p:spPr>
           <a:xfrm>
-            <a:off x="4648200" y="1600200"/>
-            <a:ext cx="4038600" cy="4525963"/>
+            <a:off x="4755360" y="530352"/>
+            <a:ext cx="3931920" cy="4389120"/>
           </a:xfrm>
         </p:spPr>
         <p:txBody>
           <a:bodyPr/>
           <a:lstStyle>
             <a:lvl1pPr>
-              <a:defRPr sz="2800"/>
+              <a:defRPr sz="2600"/>
             </a:lvl1pPr>
             <a:lvl2pPr>
-              <a:defRPr sz="2400"/>
+              <a:defRPr sz="2200"/>
             </a:lvl2pPr>
             <a:lvl3pPr>
               <a:defRPr sz="2000"/>
@@ -1819,54 +2104,43 @@
             <a:lvl5pPr>
               <a:defRPr sz="1800"/>
             </a:lvl5pPr>
-            <a:lvl6pPr>
-              <a:defRPr sz="1800"/>
-            </a:lvl6pPr>
-            <a:lvl7pPr>
-              <a:defRPr sz="1800"/>
-            </a:lvl7pPr>
-            <a:lvl8pPr>
-              <a:defRPr sz="1800"/>
-            </a:lvl8pPr>
-            <a:lvl9pPr>
-              <a:defRPr sz="1800"/>
-            </a:lvl9pPr>
-          </a:lstStyle>
-          <a:p>
-            <a:pPr lvl="0"/>
+            <a:extLst/>
+          </a:lstStyle>
+          <a:p>
+            <a:pPr lvl="0" eaLnBrk="1" latinLnBrk="0" hangingPunct="1"/>
             <a:r>
               <a:rPr lang="en-US" smtClean="0"/>
               <a:t>Click to edit Master text styles</a:t>
             </a:r>
           </a:p>
           <a:p>
-            <a:pPr lvl="1"/>
+            <a:pPr lvl="1" eaLnBrk="1" latinLnBrk="0" hangingPunct="1"/>
             <a:r>
               <a:rPr lang="en-US" smtClean="0"/>
               <a:t>Second level</a:t>
             </a:r>
           </a:p>
           <a:p>
-            <a:pPr lvl="2"/>
+            <a:pPr lvl="2" eaLnBrk="1" latinLnBrk="0" hangingPunct="1"/>
             <a:r>
               <a:rPr lang="en-US" smtClean="0"/>
               <a:t>Third level</a:t>
             </a:r>
           </a:p>
           <a:p>
-            <a:pPr lvl="3"/>
+            <a:pPr lvl="3" eaLnBrk="1" latinLnBrk="0" hangingPunct="1"/>
             <a:r>
               <a:rPr lang="en-US" smtClean="0"/>
               <a:t>Fourth level</a:t>
             </a:r>
           </a:p>
           <a:p>
-            <a:pPr lvl="4"/>
+            <a:pPr lvl="4" eaLnBrk="1" latinLnBrk="0" hangingPunct="1"/>
             <a:r>
               <a:rPr lang="en-US" smtClean="0"/>
               <a:t>Fifth level</a:t>
             </a:r>
-            <a:endParaRPr lang="en-US"/>
+            <a:endParaRPr kumimoji="0" lang="en-US"/>
           </a:p>
         </p:txBody>
       </p:sp>
@@ -1883,7 +2157,9 @@
         <p:spPr/>
         <p:txBody>
           <a:bodyPr/>
-          <a:lstStyle/>
+          <a:lstStyle>
+            <a:extLst/>
+          </a:lstStyle>
           <a:p>
             <a:fld id="{6F0DC959-06D7-E34B-BD63-006E0A6BA023}" type="datetimeFigureOut">
               <a:rPr lang="en-US" smtClean="0"/>
@@ -1906,7 +2182,9 @@
         <p:spPr/>
         <p:txBody>
           <a:bodyPr/>
-          <a:lstStyle/>
+          <a:lstStyle>
+            <a:extLst/>
+          </a:lstStyle>
           <a:p>
             <a:endParaRPr lang="en-US"/>
           </a:p>
@@ -1925,7 +2203,9 @@
         <p:spPr/>
         <p:txBody>
           <a:bodyPr/>
-          <a:lstStyle/>
+          <a:lstStyle>
+            <a:extLst/>
+          </a:lstStyle>
           <a:p>
             <a:fld id="{14433B70-7D3D-8243-AE90-6103D072A6A1}" type="slidenum">
               <a:rPr lang="en-US" smtClean="0"/>
@@ -1936,11 +2216,6 @@
         </p:txBody>
       </p:sp>
     </p:spTree>
-    <p:extLst>
-      <p:ext uri="{BB962C8B-B14F-4D97-AF65-F5344CB8AC3E}">
-        <p14:creationId xmlns:p14="http://schemas.microsoft.com/office/powerpoint/2010/main" val="718891085"/>
-      </p:ext>
-    </p:extLst>
   </p:cSld>
   <p:clrMapOvr>
     <a:masterClrMapping/>
@@ -1975,83 +2250,78 @@
             <p:ph type="title"/>
           </p:nvPr>
         </p:nvSpPr>
-        <p:spPr/>
-        <p:txBody>
-          <a:bodyPr/>
-          <a:lstStyle>
-            <a:lvl1pPr>
-              <a:defRPr/>
-            </a:lvl1pPr>
-          </a:lstStyle>
-          <a:p>
-            <a:r>
-              <a:rPr lang="en-US" smtClean="0"/>
-              <a:t>Click to edit Master title style</a:t>
-            </a:r>
-            <a:endParaRPr lang="en-US"/>
-          </a:p>
-        </p:txBody>
-      </p:sp>
-      <p:sp>
-        <p:nvSpPr>
-          <p:cNvPr id="3" name="Text Placeholder 2"/>
-          <p:cNvSpPr>
-            <a:spLocks noGrp="1"/>
-          </p:cNvSpPr>
-          <p:nvPr>
-            <p:ph type="body" idx="1"/>
-          </p:nvPr>
-        </p:nvSpPr>
         <p:spPr>
           <a:xfrm>
-            <a:off x="457200" y="1535113"/>
-            <a:ext cx="4040188" cy="639762"/>
+            <a:off x="502920" y="4983480"/>
+            <a:ext cx="8183880" cy="1051560"/>
           </a:xfrm>
         </p:spPr>
         <p:txBody>
           <a:bodyPr anchor="b"/>
           <a:lstStyle>
-            <a:lvl1pPr marL="0" indent="0">
+            <a:lvl1pPr>
+              <a:defRPr b="1"/>
+            </a:lvl1pPr>
+            <a:extLst/>
+          </a:lstStyle>
+          <a:p>
+            <a:r>
+              <a:rPr kumimoji="0" lang="en-US" smtClean="0"/>
+              <a:t>Click to edit Master title style</a:t>
+            </a:r>
+            <a:endParaRPr kumimoji="0" lang="en-US"/>
+          </a:p>
+        </p:txBody>
+      </p:sp>
+      <p:sp>
+        <p:nvSpPr>
+          <p:cNvPr id="3" name="Text Placeholder 2"/>
+          <p:cNvSpPr>
+            <a:spLocks noGrp="1"/>
+          </p:cNvSpPr>
+          <p:nvPr>
+            <p:ph type="body" idx="1"/>
+          </p:nvPr>
+        </p:nvSpPr>
+        <p:spPr>
+          <a:xfrm>
+            <a:off x="607224" y="579438"/>
+            <a:ext cx="3931920" cy="792162"/>
+          </a:xfrm>
+        </p:spPr>
+        <p:txBody>
+          <a:bodyPr lIns="146304" anchor="ctr"/>
+          <a:lstStyle>
+            <a:lvl1pPr marL="0" indent="0" algn="l">
               <a:buNone/>
-              <a:defRPr sz="2400" b="1"/>
+              <a:defRPr sz="2400" b="1">
+                <a:solidFill>
+                  <a:schemeClr val="tx1"/>
+                </a:solidFill>
+              </a:defRPr>
             </a:lvl1pPr>
-            <a:lvl2pPr marL="457200" indent="0">
+            <a:lvl2pPr>
               <a:buNone/>
               <a:defRPr sz="2000" b="1"/>
             </a:lvl2pPr>
-            <a:lvl3pPr marL="914400" indent="0">
+            <a:lvl3pPr>
               <a:buNone/>
               <a:defRPr sz="1800" b="1"/>
             </a:lvl3pPr>
-            <a:lvl4pPr marL="1371600" indent="0">
+            <a:lvl4pPr>
               <a:buNone/>
               <a:defRPr sz="1600" b="1"/>
             </a:lvl4pPr>
-            <a:lvl5pPr marL="1828800" indent="0">
+            <a:lvl5pPr>
               <a:buNone/>
               <a:defRPr sz="1600" b="1"/>
             </a:lvl5pPr>
-            <a:lvl6pPr marL="2286000" indent="0">
-              <a:buNone/>
-              <a:defRPr sz="1600" b="1"/>
-            </a:lvl6pPr>
-            <a:lvl7pPr marL="2743200" indent="0">
-              <a:buNone/>
-              <a:defRPr sz="1600" b="1"/>
-            </a:lvl7pPr>
-            <a:lvl8pPr marL="3200400" indent="0">
-              <a:buNone/>
-              <a:defRPr sz="1600" b="1"/>
-            </a:lvl8pPr>
-            <a:lvl9pPr marL="3657600" indent="0">
-              <a:buNone/>
-              <a:defRPr sz="1600" b="1"/>
-            </a:lvl9pPr>
-          </a:lstStyle>
-          <a:p>
-            <a:pPr lvl="0"/>
-            <a:r>
-              <a:rPr lang="en-US" smtClean="0"/>
+            <a:extLst/>
+          </a:lstStyle>
+          <a:p>
+            <a:pPr lvl="0" eaLnBrk="1" latinLnBrk="0" hangingPunct="1"/>
+            <a:r>
+              <a:rPr kumimoji="0" lang="en-US" smtClean="0"/>
               <a:t>Click to edit Master text styles</a:t>
             </a:r>
           </a:p>
@@ -2059,149 +2329,53 @@
       </p:sp>
       <p:sp>
         <p:nvSpPr>
-          <p:cNvPr id="4" name="Content Placeholder 3"/>
-          <p:cNvSpPr>
-            <a:spLocks noGrp="1"/>
-          </p:cNvSpPr>
-          <p:nvPr>
-            <p:ph sz="half" idx="2"/>
+          <p:cNvPr id="4" name="Text Placeholder 3"/>
+          <p:cNvSpPr>
+            <a:spLocks noGrp="1"/>
+          </p:cNvSpPr>
+          <p:nvPr>
+            <p:ph type="body" sz="half" idx="3"/>
           </p:nvPr>
         </p:nvSpPr>
         <p:spPr>
           <a:xfrm>
-            <a:off x="457200" y="2174875"/>
-            <a:ext cx="4040188" cy="3951288"/>
+            <a:off x="4652169" y="579438"/>
+            <a:ext cx="3931920" cy="792162"/>
           </a:xfrm>
         </p:spPr>
         <p:txBody>
-          <a:bodyPr/>
-          <a:lstStyle>
-            <a:lvl1pPr>
-              <a:defRPr sz="2400"/>
+          <a:bodyPr lIns="137160" anchor="ctr"/>
+          <a:lstStyle>
+            <a:lvl1pPr marL="0" indent="0" algn="l">
+              <a:buNone/>
+              <a:defRPr sz="2400" b="1">
+                <a:solidFill>
+                  <a:schemeClr val="tx1"/>
+                </a:solidFill>
+              </a:defRPr>
             </a:lvl1pPr>
             <a:lvl2pPr>
-              <a:defRPr sz="2000"/>
-            </a:lvl2pPr>
-            <a:lvl3pPr>
-              <a:defRPr sz="1800"/>
-            </a:lvl3pPr>
-            <a:lvl4pPr>
-              <a:defRPr sz="1600"/>
-            </a:lvl4pPr>
-            <a:lvl5pPr>
-              <a:defRPr sz="1600"/>
-            </a:lvl5pPr>
-            <a:lvl6pPr>
-              <a:defRPr sz="1600"/>
-            </a:lvl6pPr>
-            <a:lvl7pPr>
-              <a:defRPr sz="1600"/>
-            </a:lvl7pPr>
-            <a:lvl8pPr>
-              <a:defRPr sz="1600"/>
-            </a:lvl8pPr>
-            <a:lvl9pPr>
-              <a:defRPr sz="1600"/>
-            </a:lvl9pPr>
-          </a:lstStyle>
-          <a:p>
-            <a:pPr lvl="0"/>
-            <a:r>
-              <a:rPr lang="en-US" smtClean="0"/>
-              <a:t>Click to edit Master text styles</a:t>
-            </a:r>
-          </a:p>
-          <a:p>
-            <a:pPr lvl="1"/>
-            <a:r>
-              <a:rPr lang="en-US" smtClean="0"/>
-              <a:t>Second level</a:t>
-            </a:r>
-          </a:p>
-          <a:p>
-            <a:pPr lvl="2"/>
-            <a:r>
-              <a:rPr lang="en-US" smtClean="0"/>
-              <a:t>Third level</a:t>
-            </a:r>
-          </a:p>
-          <a:p>
-            <a:pPr lvl="3"/>
-            <a:r>
-              <a:rPr lang="en-US" smtClean="0"/>
-              <a:t>Fourth level</a:t>
-            </a:r>
-          </a:p>
-          <a:p>
-            <a:pPr lvl="4"/>
-            <a:r>
-              <a:rPr lang="en-US" smtClean="0"/>
-              <a:t>Fifth level</a:t>
-            </a:r>
-            <a:endParaRPr lang="en-US"/>
-          </a:p>
-        </p:txBody>
-      </p:sp>
-      <p:sp>
-        <p:nvSpPr>
-          <p:cNvPr id="5" name="Text Placeholder 4"/>
-          <p:cNvSpPr>
-            <a:spLocks noGrp="1"/>
-          </p:cNvSpPr>
-          <p:nvPr>
-            <p:ph type="body" sz="quarter" idx="3"/>
-          </p:nvPr>
-        </p:nvSpPr>
-        <p:spPr>
-          <a:xfrm>
-            <a:off x="4645025" y="1535113"/>
-            <a:ext cx="4041775" cy="639762"/>
-          </a:xfrm>
-        </p:spPr>
-        <p:txBody>
-          <a:bodyPr anchor="b"/>
-          <a:lstStyle>
-            <a:lvl1pPr marL="0" indent="0">
-              <a:buNone/>
-              <a:defRPr sz="2400" b="1"/>
-            </a:lvl1pPr>
-            <a:lvl2pPr marL="457200" indent="0">
               <a:buNone/>
               <a:defRPr sz="2000" b="1"/>
             </a:lvl2pPr>
-            <a:lvl3pPr marL="914400" indent="0">
+            <a:lvl3pPr>
               <a:buNone/>
               <a:defRPr sz="1800" b="1"/>
             </a:lvl3pPr>
-            <a:lvl4pPr marL="1371600" indent="0">
+            <a:lvl4pPr>
               <a:buNone/>
               <a:defRPr sz="1600" b="1"/>
             </a:lvl4pPr>
-            <a:lvl5pPr marL="1828800" indent="0">
+            <a:lvl5pPr>
               <a:buNone/>
               <a:defRPr sz="1600" b="1"/>
             </a:lvl5pPr>
-            <a:lvl6pPr marL="2286000" indent="0">
-              <a:buNone/>
-              <a:defRPr sz="1600" b="1"/>
-            </a:lvl6pPr>
-            <a:lvl7pPr marL="2743200" indent="0">
-              <a:buNone/>
-              <a:defRPr sz="1600" b="1"/>
-            </a:lvl7pPr>
-            <a:lvl8pPr marL="3200400" indent="0">
-              <a:buNone/>
-              <a:defRPr sz="1600" b="1"/>
-            </a:lvl8pPr>
-            <a:lvl9pPr marL="3657600" indent="0">
-              <a:buNone/>
-              <a:defRPr sz="1600" b="1"/>
-            </a:lvl9pPr>
-          </a:lstStyle>
-          <a:p>
-            <a:pPr lvl="0"/>
-            <a:r>
-              <a:rPr lang="en-US" smtClean="0"/>
+            <a:extLst/>
+          </a:lstStyle>
+          <a:p>
+            <a:pPr lvl="0" eaLnBrk="1" latinLnBrk="0" hangingPunct="1"/>
+            <a:r>
+              <a:rPr kumimoji="0" lang="en-US" smtClean="0"/>
               <a:t>Click to edit Master text styles</a:t>
             </a:r>
           </a:p>
@@ -2209,86 +2383,149 @@
       </p:sp>
       <p:sp>
         <p:nvSpPr>
-          <p:cNvPr id="6" name="Content Placeholder 5"/>
-          <p:cNvSpPr>
-            <a:spLocks noGrp="1"/>
-          </p:cNvSpPr>
-          <p:nvPr>
-            <p:ph sz="quarter" idx="4"/>
+          <p:cNvPr id="5" name="Content Placeholder 4"/>
+          <p:cNvSpPr>
+            <a:spLocks noGrp="1"/>
+          </p:cNvSpPr>
+          <p:nvPr>
+            <p:ph sz="quarter" idx="2"/>
           </p:nvPr>
         </p:nvSpPr>
         <p:spPr>
           <a:xfrm>
-            <a:off x="4645025" y="2174875"/>
-            <a:ext cx="4041775" cy="3951288"/>
+            <a:off x="607224" y="1447800"/>
+            <a:ext cx="3931920" cy="3489960"/>
           </a:xfrm>
         </p:spPr>
         <p:txBody>
-          <a:bodyPr/>
-          <a:lstStyle>
-            <a:lvl1pPr>
+          <a:bodyPr anchor="t"/>
+          <a:lstStyle>
+            <a:lvl1pPr algn="l">
               <a:defRPr sz="2400"/>
             </a:lvl1pPr>
-            <a:lvl2pPr>
+            <a:lvl2pPr algn="l">
               <a:defRPr sz="2000"/>
             </a:lvl2pPr>
-            <a:lvl3pPr>
+            <a:lvl3pPr algn="l">
               <a:defRPr sz="1800"/>
             </a:lvl3pPr>
-            <a:lvl4pPr>
+            <a:lvl4pPr algn="l">
               <a:defRPr sz="1600"/>
             </a:lvl4pPr>
-            <a:lvl5pPr>
+            <a:lvl5pPr algn="l">
               <a:defRPr sz="1600"/>
             </a:lvl5pPr>
-            <a:lvl6pPr>
+            <a:extLst/>
+          </a:lstStyle>
+          <a:p>
+            <a:pPr lvl="0" eaLnBrk="1" latinLnBrk="0" hangingPunct="1"/>
+            <a:r>
+              <a:rPr lang="en-US" smtClean="0"/>
+              <a:t>Click to edit Master text styles</a:t>
+            </a:r>
+          </a:p>
+          <a:p>
+            <a:pPr lvl="1" eaLnBrk="1" latinLnBrk="0" hangingPunct="1"/>
+            <a:r>
+              <a:rPr lang="en-US" smtClean="0"/>
+              <a:t>Second level</a:t>
+            </a:r>
+          </a:p>
+          <a:p>
+            <a:pPr lvl="2" eaLnBrk="1" latinLnBrk="0" hangingPunct="1"/>
+            <a:r>
+              <a:rPr lang="en-US" smtClean="0"/>
+              <a:t>Third level</a:t>
+            </a:r>
+          </a:p>
+          <a:p>
+            <a:pPr lvl="3" eaLnBrk="1" latinLnBrk="0" hangingPunct="1"/>
+            <a:r>
+              <a:rPr lang="en-US" smtClean="0"/>
+              <a:t>Fourth level</a:t>
+            </a:r>
+          </a:p>
+          <a:p>
+            <a:pPr lvl="4" eaLnBrk="1" latinLnBrk="0" hangingPunct="1"/>
+            <a:r>
+              <a:rPr lang="en-US" smtClean="0"/>
+              <a:t>Fifth level</a:t>
+            </a:r>
+            <a:endParaRPr kumimoji="0" lang="en-US"/>
+          </a:p>
+        </p:txBody>
+      </p:sp>
+      <p:sp>
+        <p:nvSpPr>
+          <p:cNvPr id="6" name="Content Placeholder 5"/>
+          <p:cNvSpPr>
+            <a:spLocks noGrp="1"/>
+          </p:cNvSpPr>
+          <p:nvPr>
+            <p:ph sz="quarter" idx="4"/>
+          </p:nvPr>
+        </p:nvSpPr>
+        <p:spPr>
+          <a:xfrm>
+            <a:off x="4652169" y="1447800"/>
+            <a:ext cx="3931920" cy="3489960"/>
+          </a:xfrm>
+        </p:spPr>
+        <p:txBody>
+          <a:bodyPr anchor="t"/>
+          <a:lstStyle>
+            <a:lvl1pPr algn="l">
+              <a:defRPr sz="2400"/>
+            </a:lvl1pPr>
+            <a:lvl2pPr algn="l">
+              <a:defRPr sz="2000"/>
+            </a:lvl2pPr>
+            <a:lvl3pPr algn="l">
+              <a:defRPr sz="1800"/>
+            </a:lvl3pPr>
+            <a:lvl4pPr algn="l">
               <a:defRPr sz="1600"/>
-            </a:lvl6pPr>
-            <a:lvl7pPr>
+            </a:lvl4pPr>
+            <a:lvl5pPr algn="l">
               <a:defRPr sz="1600"/>
-            </a:lvl7pPr>
-            <a:lvl8pPr>
-              <a:defRPr sz="1600"/>
-            </a:lvl8pPr>
-            <a:lvl9pPr>
-              <a:defRPr sz="1600"/>
-            </a:lvl9pPr>
-          </a:lstStyle>
-          <a:p>
-            <a:pPr lvl="0"/>
+            </a:lvl5pPr>
+            <a:extLst/>
+          </a:lstStyle>
+          <a:p>
+            <a:pPr lvl="0" eaLnBrk="1" latinLnBrk="0" hangingPunct="1"/>
             <a:r>
               <a:rPr lang="en-US" smtClean="0"/>
               <a:t>Click to edit Master text styles</a:t>
             </a:r>
           </a:p>
           <a:p>
-            <a:pPr lvl="1"/>
+            <a:pPr lvl="1" eaLnBrk="1" latinLnBrk="0" hangingPunct="1"/>
             <a:r>
               <a:rPr lang="en-US" smtClean="0"/>
               <a:t>Second level</a:t>
             </a:r>
           </a:p>
           <a:p>
-            <a:pPr lvl="2"/>
+            <a:pPr lvl="2" eaLnBrk="1" latinLnBrk="0" hangingPunct="1"/>
             <a:r>
               <a:rPr lang="en-US" smtClean="0"/>
               <a:t>Third level</a:t>
             </a:r>
           </a:p>
           <a:p>
-            <a:pPr lvl="3"/>
+            <a:pPr lvl="3" eaLnBrk="1" latinLnBrk="0" hangingPunct="1"/>
             <a:r>
               <a:rPr lang="en-US" smtClean="0"/>
               <a:t>Fourth level</a:t>
             </a:r>
           </a:p>
           <a:p>
-            <a:pPr lvl="4"/>
+            <a:pPr lvl="4" eaLnBrk="1" latinLnBrk="0" hangingPunct="1"/>
             <a:r>
               <a:rPr lang="en-US" smtClean="0"/>
               <a:t>Fifth level</a:t>
             </a:r>
-            <a:endParaRPr lang="en-US"/>
+            <a:endParaRPr kumimoji="0" lang="en-US"/>
           </a:p>
         </p:txBody>
       </p:sp>
@@ -2305,7 +2542,9 @@
         <p:spPr/>
         <p:txBody>
           <a:bodyPr/>
-          <a:lstStyle/>
+          <a:lstStyle>
+            <a:extLst/>
+          </a:lstStyle>
           <a:p>
             <a:fld id="{6F0DC959-06D7-E34B-BD63-006E0A6BA023}" type="datetimeFigureOut">
               <a:rPr lang="en-US" smtClean="0"/>
@@ -2328,7 +2567,9 @@
         <p:spPr/>
         <p:txBody>
           <a:bodyPr/>
-          <a:lstStyle/>
+          <a:lstStyle>
+            <a:extLst/>
+          </a:lstStyle>
           <a:p>
             <a:endParaRPr lang="en-US"/>
           </a:p>
@@ -2347,7 +2588,9 @@
         <p:spPr/>
         <p:txBody>
           <a:bodyPr/>
-          <a:lstStyle/>
+          <a:lstStyle>
+            <a:extLst/>
+          </a:lstStyle>
           <a:p>
             <a:fld id="{14433B70-7D3D-8243-AE90-6103D072A6A1}" type="slidenum">
               <a:rPr lang="en-US" smtClean="0"/>
@@ -2358,11 +2601,6 @@
         </p:txBody>
       </p:sp>
     </p:spTree>
-    <p:extLst>
-      <p:ext uri="{BB962C8B-B14F-4D97-AF65-F5344CB8AC3E}">
-        <p14:creationId xmlns:p14="http://schemas.microsoft.com/office/powerpoint/2010/main" val="3461646114"/>
-      </p:ext>
-    </p:extLst>
   </p:cSld>
   <p:clrMapOvr>
     <a:masterClrMapping/>
@@ -2400,13 +2638,15 @@
         <p:spPr/>
         <p:txBody>
           <a:bodyPr/>
-          <a:lstStyle/>
-          <a:p>
-            <a:r>
-              <a:rPr lang="en-US" smtClean="0"/>
+          <a:lstStyle>
+            <a:extLst/>
+          </a:lstStyle>
+          <a:p>
+            <a:r>
+              <a:rPr kumimoji="0" lang="en-US" smtClean="0"/>
               <a:t>Click to edit Master title style</a:t>
             </a:r>
-            <a:endParaRPr lang="en-US"/>
+            <a:endParaRPr kumimoji="0" lang="en-US"/>
           </a:p>
         </p:txBody>
       </p:sp>
@@ -2423,7 +2663,9 @@
         <p:spPr/>
         <p:txBody>
           <a:bodyPr/>
-          <a:lstStyle/>
+          <a:lstStyle>
+            <a:extLst/>
+          </a:lstStyle>
           <a:p>
             <a:fld id="{6F0DC959-06D7-E34B-BD63-006E0A6BA023}" type="datetimeFigureOut">
               <a:rPr lang="en-US" smtClean="0"/>
@@ -2446,7 +2688,9 @@
         <p:spPr/>
         <p:txBody>
           <a:bodyPr/>
-          <a:lstStyle/>
+          <a:lstStyle>
+            <a:extLst/>
+          </a:lstStyle>
           <a:p>
             <a:endParaRPr lang="en-US"/>
           </a:p>
@@ -2465,7 +2709,9 @@
         <p:spPr/>
         <p:txBody>
           <a:bodyPr/>
-          <a:lstStyle/>
+          <a:lstStyle>
+            <a:extLst/>
+          </a:lstStyle>
           <a:p>
             <a:fld id="{14433B70-7D3D-8243-AE90-6103D072A6A1}" type="slidenum">
               <a:rPr lang="en-US" smtClean="0"/>
@@ -2476,11 +2722,6 @@
         </p:txBody>
       </p:sp>
     </p:spTree>
-    <p:extLst>
-      <p:ext uri="{BB962C8B-B14F-4D97-AF65-F5344CB8AC3E}">
-        <p14:creationId xmlns:p14="http://schemas.microsoft.com/office/powerpoint/2010/main" val="1392086752"/>
-      </p:ext>
-    </p:extLst>
   </p:cSld>
   <p:clrMapOvr>
     <a:masterClrMapping/>
@@ -2489,7 +2730,7 @@
 </file>
 
 <file path=ppt/slideLayouts/slideLayout7.xml><?xml version="1.0" encoding="utf-8"?>
-<p:sldLayout xmlns:a="http://schemas.openxmlformats.org/drawingml/2006/main" xmlns:r="http://schemas.openxmlformats.org/officeDocument/2006/relationships" xmlns:p="http://schemas.openxmlformats.org/presentationml/2006/main" type="blank" preserve="1">
+<p:sldLayout xmlns:a="http://schemas.openxmlformats.org/drawingml/2006/main" xmlns:r="http://schemas.openxmlformats.org/officeDocument/2006/relationships" xmlns:p="http://schemas.openxmlformats.org/presentationml/2006/main" showMasterSp="0" type="blank" preserve="1">
   <p:cSld name="Blank">
     <p:spTree>
       <p:nvGrpSpPr>
@@ -2507,6 +2748,90 @@
       </p:grpSpPr>
       <p:sp>
         <p:nvSpPr>
+          <p:cNvPr id="7" name="Rounded Rectangle 6"/>
+          <p:cNvSpPr/>
+          <p:nvPr/>
+        </p:nvSpPr>
+        <p:spPr>
+          <a:xfrm>
+            <a:off x="304800" y="329184"/>
+            <a:ext cx="8532055" cy="6196819"/>
+          </a:xfrm>
+          <a:prstGeom prst="roundRect">
+            <a:avLst>
+              <a:gd name="adj" fmla="val 2081"/>
+            </a:avLst>
+          </a:prstGeom>
+          <a:gradFill flip="none" rotWithShape="1">
+            <a:gsLst>
+              <a:gs pos="0">
+                <a:srgbClr val="FFFFFF">
+                  <a:shade val="100000"/>
+                </a:srgbClr>
+              </a:gs>
+              <a:gs pos="98000">
+                <a:srgbClr val="FFFFFF">
+                  <a:shade val="100000"/>
+                </a:srgbClr>
+              </a:gs>
+              <a:gs pos="99055">
+                <a:srgbClr val="FFFFFF">
+                  <a:shade val="93000"/>
+                </a:srgbClr>
+              </a:gs>
+              <a:gs pos="100000">
+                <a:srgbClr val="FFFFFF">
+                  <a:shade val="70000"/>
+                </a:srgbClr>
+              </a:gs>
+            </a:gsLst>
+            <a:lin ang="5400000" scaled="1"/>
+            <a:tileRect/>
+          </a:gradFill>
+          <a:ln w="2000" cap="rnd" cmpd="sng" algn="ctr">
+            <a:solidFill>
+              <a:srgbClr val="302F2C">
+                <a:tint val="65000"/>
+                <a:satMod val="120000"/>
+              </a:srgbClr>
+            </a:solidFill>
+            <a:prstDash val="solid"/>
+          </a:ln>
+          <a:effectLst>
+            <a:outerShdw blurRad="76200" dist="50800" dir="5400000" algn="tl" rotWithShape="0">
+              <a:srgbClr val="000000">
+                <a:alpha val="25000"/>
+              </a:srgbClr>
+            </a:outerShdw>
+          </a:effectLst>
+        </p:spPr>
+        <p:style>
+          <a:lnRef idx="3">
+            <a:schemeClr val="lt1"/>
+          </a:lnRef>
+          <a:fillRef idx="1">
+            <a:schemeClr val="accent1"/>
+          </a:fillRef>
+          <a:effectRef idx="1">
+            <a:schemeClr val="accent1"/>
+          </a:effectRef>
+          <a:fontRef idx="minor">
+            <a:schemeClr val="lt1"/>
+          </a:fontRef>
+        </p:style>
+        <p:txBody>
+          <a:bodyPr anchor="ctr"/>
+          <a:lstStyle>
+            <a:extLst/>
+          </a:lstStyle>
+          <a:p>
+            <a:pPr algn="ctr" eaLnBrk="1" latinLnBrk="0" hangingPunct="1"/>
+            <a:endParaRPr kumimoji="0" lang="en-US"/>
+          </a:p>
+        </p:txBody>
+      </p:sp>
+      <p:sp>
+        <p:nvSpPr>
           <p:cNvPr id="2" name="Date Placeholder 1"/>
           <p:cNvSpPr>
             <a:spLocks noGrp="1"/>
@@ -2518,7 +2843,9 @@
         <p:spPr/>
         <p:txBody>
           <a:bodyPr/>
-          <a:lstStyle/>
+          <a:lstStyle>
+            <a:extLst/>
+          </a:lstStyle>
           <a:p>
             <a:fld id="{6F0DC959-06D7-E34B-BD63-006E0A6BA023}" type="datetimeFigureOut">
               <a:rPr lang="en-US" smtClean="0"/>
@@ -2541,7 +2868,9 @@
         <p:spPr/>
         <p:txBody>
           <a:bodyPr/>
-          <a:lstStyle/>
+          <a:lstStyle>
+            <a:extLst/>
+          </a:lstStyle>
           <a:p>
             <a:endParaRPr lang="en-US"/>
           </a:p>
@@ -2560,7 +2889,9 @@
         <p:spPr/>
         <p:txBody>
           <a:bodyPr/>
-          <a:lstStyle/>
+          <a:lstStyle>
+            <a:extLst/>
+          </a:lstStyle>
           <a:p>
             <a:fld id="{14433B70-7D3D-8243-AE90-6103D072A6A1}" type="slidenum">
               <a:rPr lang="en-US" smtClean="0"/>
@@ -2571,11 +2902,6 @@
         </p:txBody>
       </p:sp>
     </p:spTree>
-    <p:extLst>
-      <p:ext uri="{BB962C8B-B14F-4D97-AF65-F5344CB8AC3E}">
-        <p14:creationId xmlns:p14="http://schemas.microsoft.com/office/powerpoint/2010/main" val="647796341"/>
-      </p:ext>
-    </p:extLst>
   </p:cSld>
   <p:clrMapOvr>
     <a:masterClrMapping/>
@@ -2612,190 +2938,248 @@
         </p:nvSpPr>
         <p:spPr>
           <a:xfrm>
-            <a:off x="457200" y="273050"/>
-            <a:ext cx="3008313" cy="1162050"/>
+            <a:off x="5538784" y="533400"/>
+            <a:ext cx="2971800" cy="914400"/>
           </a:xfrm>
         </p:spPr>
         <p:txBody>
           <a:bodyPr anchor="b"/>
           <a:lstStyle>
             <a:lvl1pPr algn="l">
-              <a:defRPr sz="2000" b="1"/>
+              <a:buNone/>
+              <a:defRPr sz="2200" b="1">
+                <a:solidFill>
+                  <a:schemeClr val="accent1"/>
+                </a:solidFill>
+              </a:defRPr>
             </a:lvl1pPr>
-          </a:lstStyle>
-          <a:p>
-            <a:r>
-              <a:rPr lang="en-US" smtClean="0"/>
+            <a:extLst/>
+          </a:lstStyle>
+          <a:p>
+            <a:r>
+              <a:rPr kumimoji="0" lang="en-US" smtClean="0"/>
               <a:t>Click to edit Master title style</a:t>
             </a:r>
-            <a:endParaRPr lang="en-US"/>
-          </a:p>
-        </p:txBody>
-      </p:sp>
-      <p:sp>
-        <p:nvSpPr>
-          <p:cNvPr id="3" name="Content Placeholder 2"/>
-          <p:cNvSpPr>
-            <a:spLocks noGrp="1"/>
-          </p:cNvSpPr>
-          <p:nvPr>
-            <p:ph idx="1"/>
+            <a:endParaRPr kumimoji="0" lang="en-US"/>
+          </a:p>
+        </p:txBody>
+      </p:sp>
+      <p:sp>
+        <p:nvSpPr>
+          <p:cNvPr id="3" name="Text Placeholder 2"/>
+          <p:cNvSpPr>
+            <a:spLocks noGrp="1"/>
+          </p:cNvSpPr>
+          <p:nvPr>
+            <p:ph type="body" idx="2"/>
           </p:nvPr>
         </p:nvSpPr>
         <p:spPr>
           <a:xfrm>
-            <a:off x="3575050" y="273050"/>
-            <a:ext cx="5111750" cy="5853113"/>
+            <a:off x="5538847" y="1447802"/>
+            <a:ext cx="2971800" cy="4206112"/>
           </a:xfrm>
         </p:spPr>
         <p:txBody>
-          <a:bodyPr/>
-          <a:lstStyle>
-            <a:lvl1pPr>
-              <a:defRPr sz="3200"/>
+          <a:bodyPr lIns="91440"/>
+          <a:lstStyle>
+            <a:lvl1pPr marL="18288" marR="18288" indent="0">
+              <a:spcBef>
+                <a:spcPts val="0"/>
+              </a:spcBef>
+              <a:buNone/>
+              <a:defRPr sz="1400">
+                <a:solidFill>
+                  <a:schemeClr val="tx1"/>
+                </a:solidFill>
+              </a:defRPr>
             </a:lvl1pPr>
             <a:lvl2pPr>
-              <a:defRPr sz="2800"/>
+              <a:buNone/>
+              <a:defRPr sz="1200">
+                <a:solidFill>
+                  <a:schemeClr val="tx1"/>
+                </a:solidFill>
+              </a:defRPr>
             </a:lvl2pPr>
             <a:lvl3pPr>
-              <a:defRPr sz="2400"/>
+              <a:buNone/>
+              <a:defRPr sz="1000">
+                <a:solidFill>
+                  <a:schemeClr val="tx1"/>
+                </a:solidFill>
+              </a:defRPr>
             </a:lvl3pPr>
             <a:lvl4pPr>
-              <a:defRPr sz="2000"/>
+              <a:buNone/>
+              <a:defRPr sz="900">
+                <a:solidFill>
+                  <a:schemeClr val="tx1"/>
+                </a:solidFill>
+              </a:defRPr>
             </a:lvl4pPr>
             <a:lvl5pPr>
-              <a:defRPr sz="2000"/>
+              <a:buNone/>
+              <a:defRPr sz="900">
+                <a:solidFill>
+                  <a:schemeClr val="tx1"/>
+                </a:solidFill>
+              </a:defRPr>
+            </a:lvl5pPr>
+            <a:extLst/>
+          </a:lstStyle>
+          <a:p>
+            <a:pPr lvl="0" eaLnBrk="1" latinLnBrk="0" hangingPunct="1"/>
+            <a:r>
+              <a:rPr lang="en-US" smtClean="0"/>
+              <a:t>Click to edit Master text styles</a:t>
+            </a:r>
+          </a:p>
+          <a:p>
+            <a:pPr lvl="1" eaLnBrk="1" latinLnBrk="0" hangingPunct="1"/>
+            <a:r>
+              <a:rPr lang="en-US" smtClean="0"/>
+              <a:t>Second level</a:t>
+            </a:r>
+          </a:p>
+          <a:p>
+            <a:pPr lvl="2" eaLnBrk="1" latinLnBrk="0" hangingPunct="1"/>
+            <a:r>
+              <a:rPr lang="en-US" smtClean="0"/>
+              <a:t>Third level</a:t>
+            </a:r>
+          </a:p>
+          <a:p>
+            <a:pPr lvl="3" eaLnBrk="1" latinLnBrk="0" hangingPunct="1"/>
+            <a:r>
+              <a:rPr lang="en-US" smtClean="0"/>
+              <a:t>Fourth level</a:t>
+            </a:r>
+          </a:p>
+          <a:p>
+            <a:pPr lvl="4" eaLnBrk="1" latinLnBrk="0" hangingPunct="1"/>
+            <a:r>
+              <a:rPr lang="en-US" smtClean="0"/>
+              <a:t>Fifth level</a:t>
+            </a:r>
+            <a:endParaRPr kumimoji="0" lang="en-US"/>
+          </a:p>
+        </p:txBody>
+      </p:sp>
+      <p:sp>
+        <p:nvSpPr>
+          <p:cNvPr id="4" name="Content Placeholder 3"/>
+          <p:cNvSpPr>
+            <a:spLocks noGrp="1"/>
+          </p:cNvSpPr>
+          <p:nvPr>
+            <p:ph sz="half" idx="1"/>
+          </p:nvPr>
+        </p:nvSpPr>
+        <p:spPr>
+          <a:xfrm>
+            <a:off x="761372" y="930144"/>
+            <a:ext cx="4626159" cy="4724402"/>
+          </a:xfrm>
+        </p:spPr>
+        <p:txBody>
+          <a:bodyPr/>
+          <a:lstStyle>
+            <a:lvl1pPr>
+              <a:defRPr sz="2800">
+                <a:solidFill>
+                  <a:schemeClr val="tx1"/>
+                </a:solidFill>
+              </a:defRPr>
+            </a:lvl1pPr>
+            <a:lvl2pPr>
+              <a:defRPr sz="2600">
+                <a:solidFill>
+                  <a:schemeClr val="tx1"/>
+                </a:solidFill>
+              </a:defRPr>
+            </a:lvl2pPr>
+            <a:lvl3pPr>
+              <a:defRPr sz="2400">
+                <a:solidFill>
+                  <a:schemeClr val="tx1"/>
+                </a:solidFill>
+              </a:defRPr>
+            </a:lvl3pPr>
+            <a:lvl4pPr>
+              <a:defRPr sz="2000">
+                <a:solidFill>
+                  <a:schemeClr val="tx1"/>
+                </a:solidFill>
+              </a:defRPr>
+            </a:lvl4pPr>
+            <a:lvl5pPr>
+              <a:defRPr sz="2000">
+                <a:solidFill>
+                  <a:schemeClr val="tx1"/>
+                </a:solidFill>
+              </a:defRPr>
             </a:lvl5pPr>
             <a:lvl6pPr>
-              <a:defRPr sz="2000"/>
+              <a:buNone/>
+              <a:defRPr/>
             </a:lvl6pPr>
-            <a:lvl7pPr>
-              <a:defRPr sz="2000"/>
-            </a:lvl7pPr>
-            <a:lvl8pPr>
-              <a:defRPr sz="2000"/>
-            </a:lvl8pPr>
-            <a:lvl9pPr>
-              <a:defRPr sz="2000"/>
-            </a:lvl9pPr>
-          </a:lstStyle>
-          <a:p>
-            <a:pPr lvl="0"/>
+            <a:extLst/>
+          </a:lstStyle>
+          <a:p>
+            <a:pPr lvl="0" eaLnBrk="1" latinLnBrk="0" hangingPunct="1"/>
             <a:r>
               <a:rPr lang="en-US" smtClean="0"/>
               <a:t>Click to edit Master text styles</a:t>
             </a:r>
           </a:p>
           <a:p>
-            <a:pPr lvl="1"/>
+            <a:pPr lvl="1" eaLnBrk="1" latinLnBrk="0" hangingPunct="1"/>
             <a:r>
               <a:rPr lang="en-US" smtClean="0"/>
               <a:t>Second level</a:t>
             </a:r>
           </a:p>
           <a:p>
-            <a:pPr lvl="2"/>
+            <a:pPr lvl="2" eaLnBrk="1" latinLnBrk="0" hangingPunct="1"/>
             <a:r>
               <a:rPr lang="en-US" smtClean="0"/>
               <a:t>Third level</a:t>
             </a:r>
           </a:p>
           <a:p>
-            <a:pPr lvl="3"/>
+            <a:pPr lvl="3" eaLnBrk="1" latinLnBrk="0" hangingPunct="1"/>
             <a:r>
               <a:rPr lang="en-US" smtClean="0"/>
               <a:t>Fourth level</a:t>
             </a:r>
           </a:p>
           <a:p>
-            <a:pPr lvl="4"/>
+            <a:pPr lvl="4" eaLnBrk="1" latinLnBrk="0" hangingPunct="1"/>
             <a:r>
               <a:rPr lang="en-US" smtClean="0"/>
               <a:t>Fifth level</a:t>
             </a:r>
-            <a:endParaRPr lang="en-US"/>
-          </a:p>
-        </p:txBody>
-      </p:sp>
-      <p:sp>
-        <p:nvSpPr>
-          <p:cNvPr id="4" name="Text Placeholder 3"/>
-          <p:cNvSpPr>
-            <a:spLocks noGrp="1"/>
-          </p:cNvSpPr>
-          <p:nvPr>
-            <p:ph type="body" sz="half" idx="2"/>
-          </p:nvPr>
-        </p:nvSpPr>
-        <p:spPr>
-          <a:xfrm>
-            <a:off x="457200" y="1435100"/>
-            <a:ext cx="3008313" cy="4691063"/>
-          </a:xfrm>
-        </p:spPr>
+            <a:endParaRPr kumimoji="0" lang="en-US"/>
+          </a:p>
+        </p:txBody>
+      </p:sp>
+      <p:sp>
+        <p:nvSpPr>
+          <p:cNvPr id="5" name="Date Placeholder 4"/>
+          <p:cNvSpPr>
+            <a:spLocks noGrp="1"/>
+          </p:cNvSpPr>
+          <p:nvPr>
+            <p:ph type="dt" sz="half" idx="10"/>
+          </p:nvPr>
+        </p:nvSpPr>
+        <p:spPr/>
         <p:txBody>
           <a:bodyPr/>
           <a:lstStyle>
-            <a:lvl1pPr marL="0" indent="0">
-              <a:buNone/>
-              <a:defRPr sz="1400"/>
-            </a:lvl1pPr>
-            <a:lvl2pPr marL="457200" indent="0">
-              <a:buNone/>
-              <a:defRPr sz="1200"/>
-            </a:lvl2pPr>
-            <a:lvl3pPr marL="914400" indent="0">
-              <a:buNone/>
-              <a:defRPr sz="1000"/>
-            </a:lvl3pPr>
-            <a:lvl4pPr marL="1371600" indent="0">
-              <a:buNone/>
-              <a:defRPr sz="900"/>
-            </a:lvl4pPr>
-            <a:lvl5pPr marL="1828800" indent="0">
-              <a:buNone/>
-              <a:defRPr sz="900"/>
-            </a:lvl5pPr>
-            <a:lvl6pPr marL="2286000" indent="0">
-              <a:buNone/>
-              <a:defRPr sz="900"/>
-            </a:lvl6pPr>
-            <a:lvl7pPr marL="2743200" indent="0">
-              <a:buNone/>
-              <a:defRPr sz="900"/>
-            </a:lvl7pPr>
-            <a:lvl8pPr marL="3200400" indent="0">
-              <a:buNone/>
-              <a:defRPr sz="900"/>
-            </a:lvl8pPr>
-            <a:lvl9pPr marL="3657600" indent="0">
-              <a:buNone/>
-              <a:defRPr sz="900"/>
-            </a:lvl9pPr>
-          </a:lstStyle>
-          <a:p>
-            <a:pPr lvl="0"/>
-            <a:r>
-              <a:rPr lang="en-US" smtClean="0"/>
-              <a:t>Click to edit Master text styles</a:t>
-            </a:r>
-          </a:p>
-        </p:txBody>
-      </p:sp>
-      <p:sp>
-        <p:nvSpPr>
-          <p:cNvPr id="5" name="Date Placeholder 4"/>
-          <p:cNvSpPr>
-            <a:spLocks noGrp="1"/>
-          </p:cNvSpPr>
-          <p:nvPr>
-            <p:ph type="dt" sz="half" idx="10"/>
-          </p:nvPr>
-        </p:nvSpPr>
-        <p:spPr/>
-        <p:txBody>
-          <a:bodyPr/>
-          <a:lstStyle/>
+            <a:extLst/>
+          </a:lstStyle>
           <a:p>
             <a:fld id="{6F0DC959-06D7-E34B-BD63-006E0A6BA023}" type="datetimeFigureOut">
               <a:rPr lang="en-US" smtClean="0"/>
@@ -2818,7 +3202,9 @@
         <p:spPr/>
         <p:txBody>
           <a:bodyPr/>
-          <a:lstStyle/>
+          <a:lstStyle>
+            <a:extLst/>
+          </a:lstStyle>
           <a:p>
             <a:endParaRPr lang="en-US"/>
           </a:p>
@@ -2837,7 +3223,9 @@
         <p:spPr/>
         <p:txBody>
           <a:bodyPr/>
-          <a:lstStyle/>
+          <a:lstStyle>
+            <a:extLst/>
+          </a:lstStyle>
           <a:p>
             <a:fld id="{14433B70-7D3D-8243-AE90-6103D072A6A1}" type="slidenum">
               <a:rPr lang="en-US" smtClean="0"/>
@@ -2848,11 +3236,6 @@
         </p:txBody>
       </p:sp>
     </p:spTree>
-    <p:extLst>
-      <p:ext uri="{BB962C8B-B14F-4D97-AF65-F5344CB8AC3E}">
-        <p14:creationId xmlns:p14="http://schemas.microsoft.com/office/powerpoint/2010/main" val="3033212044"/>
-      </p:ext>
-    </p:extLst>
   </p:cSld>
   <p:clrMapOvr>
     <a:masterClrMapping/>
@@ -2861,7 +3244,7 @@
 </file>
 
 <file path=ppt/slideLayouts/slideLayout9.xml><?xml version="1.0" encoding="utf-8"?>
-<p:sldLayout xmlns:a="http://schemas.openxmlformats.org/drawingml/2006/main" xmlns:r="http://schemas.openxmlformats.org/officeDocument/2006/relationships" xmlns:p="http://schemas.openxmlformats.org/presentationml/2006/main" type="picTx" preserve="1">
+<p:sldLayout xmlns:a="http://schemas.openxmlformats.org/drawingml/2006/main" xmlns:r="http://schemas.openxmlformats.org/officeDocument/2006/relationships" xmlns:p="http://schemas.openxmlformats.org/presentationml/2006/main" showMasterSp="0" type="picTx" preserve="1">
   <p:cSld name="Picture with Caption">
     <p:spTree>
       <p:nvGrpSpPr>
@@ -2879,32 +3262,344 @@
       </p:grpSpPr>
       <p:sp>
         <p:nvSpPr>
-          <p:cNvPr id="2" name="Title 1"/>
-          <p:cNvSpPr>
-            <a:spLocks noGrp="1"/>
-          </p:cNvSpPr>
-          <p:nvPr>
-            <p:ph type="title"/>
-          </p:nvPr>
+          <p:cNvPr id="15" name="Rounded Rectangle 14"/>
+          <p:cNvSpPr/>
+          <p:nvPr/>
         </p:nvSpPr>
         <p:spPr>
           <a:xfrm>
-            <a:off x="1792288" y="4800600"/>
-            <a:ext cx="5486400" cy="566738"/>
+            <a:off x="304800" y="329184"/>
+            <a:ext cx="8532055" cy="6196819"/>
+          </a:xfrm>
+          <a:prstGeom prst="roundRect">
+            <a:avLst>
+              <a:gd name="adj" fmla="val 2081"/>
+            </a:avLst>
+          </a:prstGeom>
+          <a:gradFill flip="none" rotWithShape="1">
+            <a:gsLst>
+              <a:gs pos="0">
+                <a:srgbClr val="FFFFFF">
+                  <a:shade val="100000"/>
+                </a:srgbClr>
+              </a:gs>
+              <a:gs pos="98000">
+                <a:srgbClr val="FFFFFF">
+                  <a:shade val="100000"/>
+                </a:srgbClr>
+              </a:gs>
+              <a:gs pos="99055">
+                <a:srgbClr val="FFFFFF">
+                  <a:shade val="93000"/>
+                </a:srgbClr>
+              </a:gs>
+              <a:gs pos="100000">
+                <a:srgbClr val="FFFFFF">
+                  <a:shade val="70000"/>
+                </a:srgbClr>
+              </a:gs>
+            </a:gsLst>
+            <a:lin ang="5400000" scaled="1"/>
+            <a:tileRect/>
+          </a:gradFill>
+          <a:ln w="2000" cap="rnd" cmpd="sng" algn="ctr">
+            <a:solidFill>
+              <a:srgbClr val="302F2C">
+                <a:tint val="65000"/>
+                <a:satMod val="120000"/>
+              </a:srgbClr>
+            </a:solidFill>
+            <a:prstDash val="solid"/>
+          </a:ln>
+          <a:effectLst>
+            <a:outerShdw blurRad="76200" dist="50800" dir="5400000" algn="tl" rotWithShape="0">
+              <a:srgbClr val="000000">
+                <a:alpha val="25000"/>
+              </a:srgbClr>
+            </a:outerShdw>
+          </a:effectLst>
+        </p:spPr>
+        <p:style>
+          <a:lnRef idx="3">
+            <a:schemeClr val="lt1"/>
+          </a:lnRef>
+          <a:fillRef idx="1">
+            <a:schemeClr val="accent1"/>
+          </a:fillRef>
+          <a:effectRef idx="1">
+            <a:schemeClr val="accent1"/>
+          </a:effectRef>
+          <a:fontRef idx="minor">
+            <a:schemeClr val="lt1"/>
+          </a:fontRef>
+        </p:style>
+        <p:txBody>
+          <a:bodyPr anchor="ctr"/>
+          <a:lstStyle>
+            <a:extLst/>
+          </a:lstStyle>
+          <a:p>
+            <a:pPr algn="ctr" eaLnBrk="1" latinLnBrk="0" hangingPunct="1"/>
+            <a:endParaRPr kumimoji="0" lang="en-US"/>
+          </a:p>
+        </p:txBody>
+      </p:sp>
+      <p:sp>
+        <p:nvSpPr>
+          <p:cNvPr id="11" name="Round Single Corner Rectangle 10"/>
+          <p:cNvSpPr/>
+          <p:nvPr/>
+        </p:nvSpPr>
+        <p:spPr>
+          <a:xfrm>
+            <a:off x="6400800" y="434162"/>
+            <a:ext cx="2324605" cy="4343400"/>
+          </a:xfrm>
+          <a:prstGeom prst="round1Rect">
+            <a:avLst>
+              <a:gd name="adj" fmla="val 2748"/>
+            </a:avLst>
+          </a:prstGeom>
+          <a:solidFill>
+            <a:srgbClr val="1C1C1C"/>
+          </a:solidFill>
+          <a:ln w="8890" cap="rnd" cmpd="sng" algn="ctr">
+            <a:noFill/>
+            <a:prstDash val="solid"/>
+          </a:ln>
+          <a:effectLst/>
+        </p:spPr>
+        <p:style>
+          <a:lnRef idx="3">
+            <a:schemeClr val="lt1"/>
+          </a:lnRef>
+          <a:fillRef idx="1">
+            <a:schemeClr val="accent1"/>
+          </a:fillRef>
+          <a:effectRef idx="1">
+            <a:schemeClr val="accent1"/>
+          </a:effectRef>
+          <a:fontRef idx="minor">
+            <a:schemeClr val="lt1"/>
+          </a:fontRef>
+        </p:style>
+        <p:txBody>
+          <a:bodyPr anchor="ctr"/>
+          <a:lstStyle>
+            <a:extLst/>
+          </a:lstStyle>
+          <a:p>
+            <a:pPr algn="ctr" eaLnBrk="1" latinLnBrk="0" hangingPunct="1"/>
+            <a:endParaRPr kumimoji="0" lang="en-US"/>
+          </a:p>
+        </p:txBody>
+      </p:sp>
+      <p:sp>
+        <p:nvSpPr>
+          <p:cNvPr id="2" name="Title 1"/>
+          <p:cNvSpPr>
+            <a:spLocks noGrp="1"/>
+          </p:cNvSpPr>
+          <p:nvPr>
+            <p:ph type="title"/>
+          </p:nvPr>
+        </p:nvSpPr>
+        <p:spPr>
+          <a:xfrm>
+            <a:off x="457200" y="5012056"/>
+            <a:ext cx="8229600" cy="1051560"/>
           </a:xfrm>
         </p:spPr>
         <p:txBody>
-          <a:bodyPr anchor="b"/>
+          <a:bodyPr anchor="t"/>
           <a:lstStyle>
             <a:lvl1pPr algn="l">
-              <a:defRPr sz="2000" b="1"/>
+              <a:buNone/>
+              <a:defRPr sz="3600" b="0">
+                <a:solidFill>
+                  <a:schemeClr val="bg2">
+                    <a:shade val="25000"/>
+                  </a:schemeClr>
+                </a:solidFill>
+                <a:effectLst/>
+              </a:defRPr>
             </a:lvl1pPr>
-          </a:lstStyle>
-          <a:p>
-            <a:r>
-              <a:rPr lang="en-US" smtClean="0"/>
+            <a:extLst/>
+          </a:lstStyle>
+          <a:p>
+            <a:r>
+              <a:rPr kumimoji="0" lang="en-US" smtClean="0"/>
               <a:t>Click to edit Master title style</a:t>
             </a:r>
+            <a:endParaRPr kumimoji="0" lang="en-US"/>
+          </a:p>
+        </p:txBody>
+      </p:sp>
+      <p:sp>
+        <p:nvSpPr>
+          <p:cNvPr id="4" name="Text Placeholder 3"/>
+          <p:cNvSpPr>
+            <a:spLocks noGrp="1"/>
+          </p:cNvSpPr>
+          <p:nvPr>
+            <p:ph type="body" sz="half" idx="2"/>
+          </p:nvPr>
+        </p:nvSpPr>
+        <p:spPr bwMode="grayWhite">
+          <a:xfrm>
+            <a:off x="6462712" y="533400"/>
+            <a:ext cx="2240280" cy="4211480"/>
+          </a:xfrm>
+        </p:spPr>
+        <p:txBody>
+          <a:bodyPr lIns="91440"/>
+          <a:lstStyle>
+            <a:lvl1pPr marL="45720" indent="0" algn="l">
+              <a:spcBef>
+                <a:spcPts val="0"/>
+              </a:spcBef>
+              <a:buNone/>
+              <a:defRPr sz="1400">
+                <a:solidFill>
+                  <a:srgbClr val="FFFFFF"/>
+                </a:solidFill>
+              </a:defRPr>
+            </a:lvl1pPr>
+            <a:lvl2pPr>
+              <a:defRPr sz="1200">
+                <a:solidFill>
+                  <a:srgbClr val="FFFFFF"/>
+                </a:solidFill>
+              </a:defRPr>
+            </a:lvl2pPr>
+            <a:lvl3pPr>
+              <a:defRPr sz="1000">
+                <a:solidFill>
+                  <a:srgbClr val="FFFFFF"/>
+                </a:solidFill>
+              </a:defRPr>
+            </a:lvl3pPr>
+            <a:lvl4pPr>
+              <a:defRPr sz="900">
+                <a:solidFill>
+                  <a:srgbClr val="FFFFFF"/>
+                </a:solidFill>
+              </a:defRPr>
+            </a:lvl4pPr>
+            <a:lvl5pPr>
+              <a:defRPr sz="900">
+                <a:solidFill>
+                  <a:srgbClr val="FFFFFF"/>
+                </a:solidFill>
+              </a:defRPr>
+            </a:lvl5pPr>
+            <a:extLst/>
+          </a:lstStyle>
+          <a:p>
+            <a:pPr lvl="0" eaLnBrk="1" latinLnBrk="0" hangingPunct="1"/>
+            <a:r>
+              <a:rPr lang="en-US" smtClean="0"/>
+              <a:t>Click to edit Master text styles</a:t>
+            </a:r>
+          </a:p>
+          <a:p>
+            <a:pPr lvl="1" eaLnBrk="1" latinLnBrk="0" hangingPunct="1"/>
+            <a:r>
+              <a:rPr lang="en-US" smtClean="0"/>
+              <a:t>Second level</a:t>
+            </a:r>
+          </a:p>
+          <a:p>
+            <a:pPr lvl="2" eaLnBrk="1" latinLnBrk="0" hangingPunct="1"/>
+            <a:r>
+              <a:rPr lang="en-US" smtClean="0"/>
+              <a:t>Third level</a:t>
+            </a:r>
+          </a:p>
+          <a:p>
+            <a:pPr lvl="3" eaLnBrk="1" latinLnBrk="0" hangingPunct="1"/>
+            <a:r>
+              <a:rPr lang="en-US" smtClean="0"/>
+              <a:t>Fourth level</a:t>
+            </a:r>
+          </a:p>
+          <a:p>
+            <a:pPr lvl="4" eaLnBrk="1" latinLnBrk="0" hangingPunct="1"/>
+            <a:r>
+              <a:rPr lang="en-US" smtClean="0"/>
+              <a:t>Fifth level</a:t>
+            </a:r>
+            <a:endParaRPr kumimoji="0" lang="en-US"/>
+          </a:p>
+        </p:txBody>
+      </p:sp>
+      <p:sp>
+        <p:nvSpPr>
+          <p:cNvPr id="5" name="Date Placeholder 4"/>
+          <p:cNvSpPr>
+            <a:spLocks noGrp="1"/>
+          </p:cNvSpPr>
+          <p:nvPr>
+            <p:ph type="dt" sz="half" idx="10"/>
+          </p:nvPr>
+        </p:nvSpPr>
+        <p:spPr/>
+        <p:txBody>
+          <a:bodyPr/>
+          <a:lstStyle>
+            <a:extLst/>
+          </a:lstStyle>
+          <a:p>
+            <a:fld id="{6F0DC959-06D7-E34B-BD63-006E0A6BA023}" type="datetimeFigureOut">
+              <a:rPr lang="en-US" smtClean="0"/>
+              <a:t>6/12/2014</a:t>
+            </a:fld>
+            <a:endParaRPr lang="en-US"/>
+          </a:p>
+        </p:txBody>
+      </p:sp>
+      <p:sp>
+        <p:nvSpPr>
+          <p:cNvPr id="6" name="Footer Placeholder 5"/>
+          <p:cNvSpPr>
+            <a:spLocks noGrp="1"/>
+          </p:cNvSpPr>
+          <p:nvPr>
+            <p:ph type="ftr" sz="quarter" idx="11"/>
+          </p:nvPr>
+        </p:nvSpPr>
+        <p:spPr/>
+        <p:txBody>
+          <a:bodyPr/>
+          <a:lstStyle>
+            <a:extLst/>
+          </a:lstStyle>
+          <a:p>
+            <a:endParaRPr lang="en-US"/>
+          </a:p>
+        </p:txBody>
+      </p:sp>
+      <p:sp>
+        <p:nvSpPr>
+          <p:cNvPr id="7" name="Slide Number Placeholder 6"/>
+          <p:cNvSpPr>
+            <a:spLocks noGrp="1"/>
+          </p:cNvSpPr>
+          <p:nvPr>
+            <p:ph type="sldNum" sz="quarter" idx="12"/>
+          </p:nvPr>
+        </p:nvSpPr>
+        <p:spPr/>
+        <p:txBody>
+          <a:bodyPr/>
+          <a:lstStyle>
+            <a:extLst/>
+          </a:lstStyle>
+          <a:p>
+            <a:fld id="{14433B70-7D3D-8243-AE90-6103D072A6A1}" type="slidenum">
+              <a:rPr lang="en-US" smtClean="0"/>
+              <a:t>‹#›</a:t>
+            </a:fld>
             <a:endParaRPr lang="en-US"/>
           </a:p>
         </p:txBody>
@@ -2921,9 +3616,20 @@
         </p:nvSpPr>
         <p:spPr>
           <a:xfrm>
-            <a:off x="1792288" y="612775"/>
-            <a:ext cx="5486400" cy="4114800"/>
+            <a:off x="421480" y="435768"/>
+            <a:ext cx="5925312" cy="4343400"/>
           </a:xfrm>
+          <a:prstGeom prst="snipRoundRect">
+            <a:avLst>
+              <a:gd name="adj1" fmla="val 1040"/>
+              <a:gd name="adj2" fmla="val 0"/>
+            </a:avLst>
+          </a:prstGeom>
+          <a:solidFill>
+            <a:schemeClr val="bg2">
+              <a:shade val="10000"/>
+            </a:schemeClr>
+          </a:solidFill>
         </p:spPr>
         <p:txBody>
           <a:bodyPr/>
@@ -2932,180 +3638,18 @@
               <a:buNone/>
               <a:defRPr sz="3200"/>
             </a:lvl1pPr>
-            <a:lvl2pPr marL="457200" indent="0">
-              <a:buNone/>
-              <a:defRPr sz="2800"/>
-            </a:lvl2pPr>
-            <a:lvl3pPr marL="914400" indent="0">
-              <a:buNone/>
-              <a:defRPr sz="2400"/>
-            </a:lvl3pPr>
-            <a:lvl4pPr marL="1371600" indent="0">
-              <a:buNone/>
-              <a:defRPr sz="2000"/>
-            </a:lvl4pPr>
-            <a:lvl5pPr marL="1828800" indent="0">
-              <a:buNone/>
-              <a:defRPr sz="2000"/>
-            </a:lvl5pPr>
-            <a:lvl6pPr marL="2286000" indent="0">
-              <a:buNone/>
-              <a:defRPr sz="2000"/>
-            </a:lvl6pPr>
-            <a:lvl7pPr marL="2743200" indent="0">
-              <a:buNone/>
-              <a:defRPr sz="2000"/>
-            </a:lvl7pPr>
-            <a:lvl8pPr marL="3200400" indent="0">
-              <a:buNone/>
-              <a:defRPr sz="2000"/>
-            </a:lvl8pPr>
-            <a:lvl9pPr marL="3657600" indent="0">
-              <a:buNone/>
-              <a:defRPr sz="2000"/>
-            </a:lvl9pPr>
-          </a:lstStyle>
-          <a:p>
-            <a:endParaRPr lang="en-US"/>
-          </a:p>
-        </p:txBody>
-      </p:sp>
-      <p:sp>
-        <p:nvSpPr>
-          <p:cNvPr id="4" name="Text Placeholder 3"/>
-          <p:cNvSpPr>
-            <a:spLocks noGrp="1"/>
-          </p:cNvSpPr>
-          <p:nvPr>
-            <p:ph type="body" sz="half" idx="2"/>
-          </p:nvPr>
-        </p:nvSpPr>
-        <p:spPr>
-          <a:xfrm>
-            <a:off x="1792288" y="5367338"/>
-            <a:ext cx="5486400" cy="804862"/>
-          </a:xfrm>
-        </p:spPr>
-        <p:txBody>
-          <a:bodyPr/>
-          <a:lstStyle>
-            <a:lvl1pPr marL="0" indent="0">
-              <a:buNone/>
-              <a:defRPr sz="1400"/>
-            </a:lvl1pPr>
-            <a:lvl2pPr marL="457200" indent="0">
-              <a:buNone/>
-              <a:defRPr sz="1200"/>
-            </a:lvl2pPr>
-            <a:lvl3pPr marL="914400" indent="0">
-              <a:buNone/>
-              <a:defRPr sz="1000"/>
-            </a:lvl3pPr>
-            <a:lvl4pPr marL="1371600" indent="0">
-              <a:buNone/>
-              <a:defRPr sz="900"/>
-            </a:lvl4pPr>
-            <a:lvl5pPr marL="1828800" indent="0">
-              <a:buNone/>
-              <a:defRPr sz="900"/>
-            </a:lvl5pPr>
-            <a:lvl6pPr marL="2286000" indent="0">
-              <a:buNone/>
-              <a:defRPr sz="900"/>
-            </a:lvl6pPr>
-            <a:lvl7pPr marL="2743200" indent="0">
-              <a:buNone/>
-              <a:defRPr sz="900"/>
-            </a:lvl7pPr>
-            <a:lvl8pPr marL="3200400" indent="0">
-              <a:buNone/>
-              <a:defRPr sz="900"/>
-            </a:lvl8pPr>
-            <a:lvl9pPr marL="3657600" indent="0">
-              <a:buNone/>
-              <a:defRPr sz="900"/>
-            </a:lvl9pPr>
-          </a:lstStyle>
-          <a:p>
-            <a:pPr lvl="0"/>
-            <a:r>
-              <a:rPr lang="en-US" smtClean="0"/>
-              <a:t>Click to edit Master text styles</a:t>
-            </a:r>
-          </a:p>
-        </p:txBody>
-      </p:sp>
-      <p:sp>
-        <p:nvSpPr>
-          <p:cNvPr id="5" name="Date Placeholder 4"/>
-          <p:cNvSpPr>
-            <a:spLocks noGrp="1"/>
-          </p:cNvSpPr>
-          <p:nvPr>
-            <p:ph type="dt" sz="half" idx="10"/>
-          </p:nvPr>
-        </p:nvSpPr>
-        <p:spPr/>
-        <p:txBody>
-          <a:bodyPr/>
-          <a:lstStyle/>
-          <a:p>
-            <a:fld id="{6F0DC959-06D7-E34B-BD63-006E0A6BA023}" type="datetimeFigureOut">
-              <a:rPr lang="en-US" smtClean="0"/>
-              <a:t>6/12/2014</a:t>
-            </a:fld>
-            <a:endParaRPr lang="en-US"/>
-          </a:p>
-        </p:txBody>
-      </p:sp>
-      <p:sp>
-        <p:nvSpPr>
-          <p:cNvPr id="6" name="Footer Placeholder 5"/>
-          <p:cNvSpPr>
-            <a:spLocks noGrp="1"/>
-          </p:cNvSpPr>
-          <p:nvPr>
-            <p:ph type="ftr" sz="quarter" idx="11"/>
-          </p:nvPr>
-        </p:nvSpPr>
-        <p:spPr/>
-        <p:txBody>
-          <a:bodyPr/>
-          <a:lstStyle/>
-          <a:p>
-            <a:endParaRPr lang="en-US"/>
-          </a:p>
-        </p:txBody>
-      </p:sp>
-      <p:sp>
-        <p:nvSpPr>
-          <p:cNvPr id="7" name="Slide Number Placeholder 6"/>
-          <p:cNvSpPr>
-            <a:spLocks noGrp="1"/>
-          </p:cNvSpPr>
-          <p:nvPr>
-            <p:ph type="sldNum" sz="quarter" idx="12"/>
-          </p:nvPr>
-        </p:nvSpPr>
-        <p:spPr/>
-        <p:txBody>
-          <a:bodyPr/>
-          <a:lstStyle/>
-          <a:p>
-            <a:fld id="{14433B70-7D3D-8243-AE90-6103D072A6A1}" type="slidenum">
-              <a:rPr lang="en-US" smtClean="0"/>
-              <a:t>‹#›</a:t>
-            </a:fld>
-            <a:endParaRPr lang="en-US"/>
+            <a:extLst/>
+          </a:lstStyle>
+          <a:p>
+            <a:r>
+              <a:rPr kumimoji="0" lang="en-US" smtClean="0"/>
+              <a:t>Click icon to add picture</a:t>
+            </a:r>
+            <a:endParaRPr kumimoji="0" lang="en-US"/>
           </a:p>
         </p:txBody>
       </p:sp>
     </p:spTree>
-    <p:extLst>
-      <p:ext uri="{BB962C8B-B14F-4D97-AF65-F5344CB8AC3E}">
-        <p14:creationId xmlns:p14="http://schemas.microsoft.com/office/powerpoint/2010/main" val="1569420582"/>
-      </p:ext>
-    </p:extLst>
   </p:cSld>
   <p:clrMapOvr>
     <a:masterClrMapping/>
@@ -3118,7 +3662,7 @@
   <p:cSld>
     <p:bg>
       <p:bgRef idx="1001">
-        <a:schemeClr val="bg1"/>
+        <a:schemeClr val="bg2"/>
       </p:bgRef>
     </p:bg>
     <p:spTree>
@@ -3137,40 +3681,198 @@
       </p:grpSpPr>
       <p:sp>
         <p:nvSpPr>
-          <p:cNvPr id="2" name="Title Placeholder 1"/>
-          <p:cNvSpPr>
-            <a:spLocks noGrp="1"/>
-          </p:cNvSpPr>
-          <p:nvPr>
-            <p:ph type="title"/>
-          </p:nvPr>
+          <p:cNvPr id="7" name="Rounded Rectangle 6"/>
+          <p:cNvSpPr/>
+          <p:nvPr/>
         </p:nvSpPr>
         <p:spPr>
           <a:xfrm>
-            <a:off x="457200" y="274638"/>
-            <a:ext cx="8229600" cy="1143000"/>
+            <a:off x="304800" y="329184"/>
+            <a:ext cx="8532055" cy="6196819"/>
+          </a:xfrm>
+          <a:prstGeom prst="roundRect">
+            <a:avLst>
+              <a:gd name="adj" fmla="val 2081"/>
+            </a:avLst>
+          </a:prstGeom>
+          <a:gradFill flip="none" rotWithShape="1">
+            <a:gsLst>
+              <a:gs pos="0">
+                <a:srgbClr val="FFFFFF">
+                  <a:shade val="100000"/>
+                </a:srgbClr>
+              </a:gs>
+              <a:gs pos="98000">
+                <a:srgbClr val="FFFFFF">
+                  <a:shade val="100000"/>
+                </a:srgbClr>
+              </a:gs>
+              <a:gs pos="99055">
+                <a:srgbClr val="FFFFFF">
+                  <a:shade val="93000"/>
+                </a:srgbClr>
+              </a:gs>
+              <a:gs pos="100000">
+                <a:srgbClr val="FFFFFF">
+                  <a:shade val="70000"/>
+                </a:srgbClr>
+              </a:gs>
+            </a:gsLst>
+            <a:lin ang="5400000" scaled="1"/>
+            <a:tileRect/>
+          </a:gradFill>
+          <a:ln w="2000" cap="rnd" cmpd="sng" algn="ctr">
+            <a:solidFill>
+              <a:srgbClr val="302F2C">
+                <a:tint val="65000"/>
+                <a:satMod val="120000"/>
+              </a:srgbClr>
+            </a:solidFill>
+            <a:prstDash val="solid"/>
+          </a:ln>
+          <a:effectLst>
+            <a:outerShdw blurRad="76200" dist="50800" dir="5400000" algn="tl" rotWithShape="0">
+              <a:srgbClr val="000000">
+                <a:alpha val="25000"/>
+              </a:srgbClr>
+            </a:outerShdw>
+          </a:effectLst>
+        </p:spPr>
+        <p:style>
+          <a:lnRef idx="3">
+            <a:schemeClr val="lt1"/>
+          </a:lnRef>
+          <a:fillRef idx="1">
+            <a:schemeClr val="accent1"/>
+          </a:fillRef>
+          <a:effectRef idx="1">
+            <a:schemeClr val="accent1"/>
+          </a:effectRef>
+          <a:fontRef idx="minor">
+            <a:schemeClr val="lt1"/>
+          </a:fontRef>
+        </p:style>
+        <p:txBody>
+          <a:bodyPr anchor="ctr"/>
+          <a:lstStyle>
+            <a:extLst/>
+          </a:lstStyle>
+          <a:p>
+            <a:pPr algn="ctr" eaLnBrk="1" latinLnBrk="0" hangingPunct="1"/>
+            <a:endParaRPr kumimoji="0" lang="en-US"/>
+          </a:p>
+        </p:txBody>
+      </p:sp>
+      <p:sp>
+        <p:nvSpPr>
+          <p:cNvPr id="9" name="Rounded Rectangle 8"/>
+          <p:cNvSpPr/>
+          <p:nvPr/>
+        </p:nvSpPr>
+        <p:spPr>
+          <a:xfrm>
+            <a:off x="418596" y="434162"/>
+            <a:ext cx="8306809" cy="5486400"/>
+          </a:xfrm>
+          <a:prstGeom prst="roundRect">
+            <a:avLst>
+              <a:gd name="adj" fmla="val 2127"/>
+            </a:avLst>
+          </a:prstGeom>
+          <a:gradFill rotWithShape="1">
+            <a:gsLst>
+              <a:gs pos="0">
+                <a:schemeClr val="bg1">
+                  <a:tint val="75000"/>
+                  <a:satMod val="150000"/>
+                </a:schemeClr>
+              </a:gs>
+              <a:gs pos="55000">
+                <a:schemeClr val="bg1">
+                  <a:shade val="75000"/>
+                  <a:satMod val="100000"/>
+                </a:schemeClr>
+              </a:gs>
+              <a:gs pos="100000">
+                <a:schemeClr val="bg1">
+                  <a:shade val="35000"/>
+                  <a:satMod val="100000"/>
+                </a:schemeClr>
+              </a:gs>
+            </a:gsLst>
+            <a:path path="circle">
+              <a:fillToRect l="50000" t="175000" r="50000" b="-75000"/>
+            </a:path>
+          </a:gradFill>
+          <a:ln w="8890" cap="rnd" cmpd="sng" algn="ctr">
+            <a:noFill/>
+            <a:prstDash val="solid"/>
+          </a:ln>
+          <a:effectLst/>
+        </p:spPr>
+        <p:style>
+          <a:lnRef idx="3">
+            <a:schemeClr val="lt1"/>
+          </a:lnRef>
+          <a:fillRef idx="1">
+            <a:schemeClr val="accent1"/>
+          </a:fillRef>
+          <a:effectRef idx="1">
+            <a:schemeClr val="accent1"/>
+          </a:effectRef>
+          <a:fontRef idx="minor">
+            <a:schemeClr val="lt1"/>
+          </a:fontRef>
+        </p:style>
+        <p:txBody>
+          <a:bodyPr anchor="ctr"/>
+          <a:lstStyle>
+            <a:extLst/>
+          </a:lstStyle>
+          <a:p>
+            <a:pPr algn="ctr" eaLnBrk="1" latinLnBrk="0" hangingPunct="1"/>
+            <a:endParaRPr kumimoji="0" lang="en-US"/>
+          </a:p>
+        </p:txBody>
+      </p:sp>
+      <p:sp>
+        <p:nvSpPr>
+          <p:cNvPr id="13" name="Title Placeholder 12"/>
+          <p:cNvSpPr>
+            <a:spLocks noGrp="1"/>
+          </p:cNvSpPr>
+          <p:nvPr>
+            <p:ph type="title"/>
+          </p:nvPr>
+        </p:nvSpPr>
+        <p:spPr>
+          <a:xfrm>
+            <a:off x="502920" y="4985590"/>
+            <a:ext cx="8183880" cy="1051560"/>
           </a:xfrm>
           <a:prstGeom prst="rect">
             <a:avLst/>
           </a:prstGeom>
         </p:spPr>
         <p:txBody>
-          <a:bodyPr vert="horz" lIns="91440" tIns="45720" rIns="91440" bIns="45720" rtlCol="0" anchor="ctr">
+          <a:bodyPr vert="horz" anchor="b">
             <a:normAutofit/>
           </a:bodyPr>
-          <a:lstStyle/>
-          <a:p>
-            <a:r>
-              <a:rPr lang="en-US" smtClean="0"/>
+          <a:lstStyle>
+            <a:extLst/>
+          </a:lstStyle>
+          <a:p>
+            <a:r>
+              <a:rPr kumimoji="0" lang="en-US" smtClean="0"/>
               <a:t>Click to edit Master title style</a:t>
             </a:r>
-            <a:endParaRPr lang="en-US"/>
-          </a:p>
-        </p:txBody>
-      </p:sp>
-      <p:sp>
-        <p:nvSpPr>
-          <p:cNvPr id="3" name="Text Placeholder 2"/>
+            <a:endParaRPr kumimoji="0" lang="en-US"/>
+          </a:p>
+        </p:txBody>
+      </p:sp>
+      <p:sp>
+        <p:nvSpPr>
+          <p:cNvPr id="4" name="Text Placeholder 3"/>
           <p:cNvSpPr>
             <a:spLocks noGrp="1"/>
           </p:cNvSpPr>
@@ -3180,59 +3882,61 @@
         </p:nvSpPr>
         <p:spPr>
           <a:xfrm>
-            <a:off x="457200" y="1600200"/>
-            <a:ext cx="8229600" cy="4525963"/>
+            <a:off x="502920" y="530352"/>
+            <a:ext cx="8183880" cy="4187952"/>
           </a:xfrm>
           <a:prstGeom prst="rect">
             <a:avLst/>
           </a:prstGeom>
         </p:spPr>
         <p:txBody>
-          <a:bodyPr vert="horz" lIns="91440" tIns="45720" rIns="91440" bIns="45720" rtlCol="0">
+          <a:bodyPr vert="horz" lIns="182880" tIns="91440">
             <a:normAutofit/>
           </a:bodyPr>
-          <a:lstStyle/>
-          <a:p>
-            <a:pPr lvl="0"/>
-            <a:r>
-              <a:rPr lang="en-US" smtClean="0"/>
+          <a:lstStyle>
+            <a:extLst/>
+          </a:lstStyle>
+          <a:p>
+            <a:pPr lvl="0" eaLnBrk="1" latinLnBrk="0" hangingPunct="1"/>
+            <a:r>
+              <a:rPr kumimoji="0" lang="en-US" smtClean="0"/>
               <a:t>Click to edit Master text styles</a:t>
             </a:r>
           </a:p>
           <a:p>
-            <a:pPr lvl="1"/>
-            <a:r>
-              <a:rPr lang="en-US" smtClean="0"/>
+            <a:pPr lvl="1" eaLnBrk="1" latinLnBrk="0" hangingPunct="1"/>
+            <a:r>
+              <a:rPr kumimoji="0" lang="en-US" smtClean="0"/>
               <a:t>Second level</a:t>
             </a:r>
           </a:p>
           <a:p>
-            <a:pPr lvl="2"/>
-            <a:r>
-              <a:rPr lang="en-US" smtClean="0"/>
+            <a:pPr lvl="2" eaLnBrk="1" latinLnBrk="0" hangingPunct="1"/>
+            <a:r>
+              <a:rPr kumimoji="0" lang="en-US" smtClean="0"/>
               <a:t>Third level</a:t>
             </a:r>
           </a:p>
           <a:p>
-            <a:pPr lvl="3"/>
-            <a:r>
-              <a:rPr lang="en-US" smtClean="0"/>
+            <a:pPr lvl="3" eaLnBrk="1" latinLnBrk="0" hangingPunct="1"/>
+            <a:r>
+              <a:rPr kumimoji="0" lang="en-US" smtClean="0"/>
               <a:t>Fourth level</a:t>
             </a:r>
           </a:p>
           <a:p>
-            <a:pPr lvl="4"/>
-            <a:r>
-              <a:rPr lang="en-US" smtClean="0"/>
+            <a:pPr lvl="4" eaLnBrk="1" latinLnBrk="0" hangingPunct="1"/>
+            <a:r>
+              <a:rPr kumimoji="0" lang="en-US" smtClean="0"/>
               <a:t>Fifth level</a:t>
             </a:r>
-            <a:endParaRPr lang="en-US"/>
-          </a:p>
-        </p:txBody>
-      </p:sp>
-      <p:sp>
-        <p:nvSpPr>
-          <p:cNvPr id="4" name="Date Placeholder 3"/>
+            <a:endParaRPr kumimoji="0" lang="en-US"/>
+          </a:p>
+        </p:txBody>
+      </p:sp>
+      <p:sp>
+        <p:nvSpPr>
+          <p:cNvPr id="25" name="Date Placeholder 24"/>
           <p:cNvSpPr>
             <a:spLocks noGrp="1"/>
           </p:cNvSpPr>
@@ -3242,25 +3946,26 @@
         </p:nvSpPr>
         <p:spPr>
           <a:xfrm>
-            <a:off x="457200" y="6356350"/>
-            <a:ext cx="2133600" cy="365125"/>
+            <a:off x="3776328" y="6111875"/>
+            <a:ext cx="2286000" cy="365125"/>
           </a:xfrm>
           <a:prstGeom prst="rect">
             <a:avLst/>
           </a:prstGeom>
         </p:spPr>
         <p:txBody>
-          <a:bodyPr vert="horz" lIns="91440" tIns="45720" rIns="91440" bIns="45720" rtlCol="0" anchor="ctr"/>
-          <a:lstStyle>
-            <a:lvl1pPr algn="l">
-              <a:defRPr sz="1200">
+          <a:bodyPr vert="horz" anchor="b"/>
+          <a:lstStyle>
+            <a:lvl1pPr algn="r" eaLnBrk="1" latinLnBrk="0" hangingPunct="1">
+              <a:defRPr kumimoji="0" sz="1000">
                 <a:solidFill>
-                  <a:schemeClr val="tx1">
-                    <a:tint val="75000"/>
+                  <a:schemeClr val="bg2">
+                    <a:shade val="50000"/>
                   </a:schemeClr>
                 </a:solidFill>
               </a:defRPr>
             </a:lvl1pPr>
+            <a:extLst/>
           </a:lstStyle>
           <a:p>
             <a:fld id="{6F0DC959-06D7-E34B-BD63-006E0A6BA023}" type="datetimeFigureOut">
@@ -3273,7 +3978,7 @@
       </p:sp>
       <p:sp>
         <p:nvSpPr>
-          <p:cNvPr id="5" name="Footer Placeholder 4"/>
+          <p:cNvPr id="18" name="Footer Placeholder 17"/>
           <p:cNvSpPr>
             <a:spLocks noGrp="1"/>
           </p:cNvSpPr>
@@ -3283,25 +3988,26 @@
         </p:nvSpPr>
         <p:spPr>
           <a:xfrm>
-            <a:off x="3124200" y="6356350"/>
-            <a:ext cx="2895600" cy="365125"/>
+            <a:off x="6062328" y="6111875"/>
+            <a:ext cx="2286000" cy="365125"/>
           </a:xfrm>
           <a:prstGeom prst="rect">
             <a:avLst/>
           </a:prstGeom>
         </p:spPr>
         <p:txBody>
-          <a:bodyPr vert="horz" lIns="91440" tIns="45720" rIns="91440" bIns="45720" rtlCol="0" anchor="ctr"/>
-          <a:lstStyle>
-            <a:lvl1pPr algn="ctr">
-              <a:defRPr sz="1200">
+          <a:bodyPr vert="horz" anchor="b"/>
+          <a:lstStyle>
+            <a:lvl1pPr algn="l" eaLnBrk="1" latinLnBrk="0" hangingPunct="1">
+              <a:defRPr kumimoji="0" sz="1000">
                 <a:solidFill>
-                  <a:schemeClr val="tx1">
-                    <a:tint val="75000"/>
+                  <a:schemeClr val="bg2">
+                    <a:shade val="50000"/>
                   </a:schemeClr>
                 </a:solidFill>
               </a:defRPr>
             </a:lvl1pPr>
+            <a:extLst/>
           </a:lstStyle>
           <a:p>
             <a:endParaRPr lang="en-US"/>
@@ -3310,7 +4016,7 @@
       </p:sp>
       <p:sp>
         <p:nvSpPr>
-          <p:cNvPr id="6" name="Slide Number Placeholder 5"/>
+          <p:cNvPr id="5" name="Slide Number Placeholder 4"/>
           <p:cNvSpPr>
             <a:spLocks noGrp="1"/>
           </p:cNvSpPr>
@@ -3320,25 +4026,26 @@
         </p:nvSpPr>
         <p:spPr>
           <a:xfrm>
-            <a:off x="6553200" y="6356350"/>
-            <a:ext cx="2133600" cy="365125"/>
+            <a:off x="8348328" y="6111875"/>
+            <a:ext cx="457200" cy="365125"/>
           </a:xfrm>
           <a:prstGeom prst="rect">
             <a:avLst/>
           </a:prstGeom>
         </p:spPr>
         <p:txBody>
-          <a:bodyPr vert="horz" lIns="91440" tIns="45720" rIns="91440" bIns="45720" rtlCol="0" anchor="ctr"/>
-          <a:lstStyle>
-            <a:lvl1pPr algn="r">
-              <a:defRPr sz="1200">
+          <a:bodyPr vert="horz" anchor="b"/>
+          <a:lstStyle>
+            <a:lvl1pPr algn="r" eaLnBrk="1" latinLnBrk="0" hangingPunct="1">
+              <a:defRPr kumimoji="0" sz="1000">
                 <a:solidFill>
-                  <a:schemeClr val="tx1">
-                    <a:tint val="75000"/>
+                  <a:schemeClr val="bg2">
+                    <a:shade val="50000"/>
                   </a:schemeClr>
                 </a:solidFill>
               </a:defRPr>
             </a:lvl1pPr>
+            <a:extLst/>
           </a:lstStyle>
           <a:p>
             <a:fld id="{14433B70-7D3D-8243-AE90-6103D072A6A1}" type="slidenum">
@@ -3350,51 +4057,248 @@
         </p:txBody>
       </p:sp>
     </p:spTree>
-    <p:extLst>
-      <p:ext uri="{BB962C8B-B14F-4D97-AF65-F5344CB8AC3E}">
-        <p14:creationId xmlns:p14="http://schemas.microsoft.com/office/powerpoint/2010/main" val="3282453703"/>
-      </p:ext>
-    </p:extLst>
   </p:cSld>
   <p:clrMap bg1="lt1" tx1="dk1" bg2="lt2" tx2="dk2" accent1="accent1" accent2="accent2" accent3="accent3" accent4="accent4" accent5="accent5" accent6="accent6" hlink="hlink" folHlink="folHlink"/>
   <p:sldLayoutIdLst>
-    <p:sldLayoutId id="2147483649" r:id="rId1"/>
-    <p:sldLayoutId id="2147483650" r:id="rId2"/>
-    <p:sldLayoutId id="2147483651" r:id="rId3"/>
-    <p:sldLayoutId id="2147483652" r:id="rId4"/>
-    <p:sldLayoutId id="2147483653" r:id="rId5"/>
-    <p:sldLayoutId id="2147483654" r:id="rId6"/>
-    <p:sldLayoutId id="2147483655" r:id="rId7"/>
-    <p:sldLayoutId id="2147483656" r:id="rId8"/>
-    <p:sldLayoutId id="2147483657" r:id="rId9"/>
-    <p:sldLayoutId id="2147483658" r:id="rId10"/>
-    <p:sldLayoutId id="2147483659" r:id="rId11"/>
+    <p:sldLayoutId id="2147483661" r:id="rId1"/>
+    <p:sldLayoutId id="2147483662" r:id="rId2"/>
+    <p:sldLayoutId id="2147483663" r:id="rId3"/>
+    <p:sldLayoutId id="2147483664" r:id="rId4"/>
+    <p:sldLayoutId id="2147483665" r:id="rId5"/>
+    <p:sldLayoutId id="2147483666" r:id="rId6"/>
+    <p:sldLayoutId id="2147483667" r:id="rId7"/>
+    <p:sldLayoutId id="2147483668" r:id="rId8"/>
+    <p:sldLayoutId id="2147483669" r:id="rId9"/>
+    <p:sldLayoutId id="2147483670" r:id="rId10"/>
+    <p:sldLayoutId id="2147483671" r:id="rId11"/>
   </p:sldLayoutIdLst>
   <p:txStyles>
     <p:titleStyle>
-      <a:lvl1pPr algn="ctr" defTabSz="457200" rtl="0" eaLnBrk="1" latinLnBrk="0" hangingPunct="1">
+      <a:lvl1pPr algn="l" rtl="0" eaLnBrk="1" latinLnBrk="0" hangingPunct="1">
         <a:spcBef>
           <a:spcPct val="0"/>
         </a:spcBef>
         <a:buNone/>
-        <a:defRPr sz="4400" kern="1200">
+        <a:defRPr kumimoji="0" sz="3600" b="1" kern="1200">
           <a:solidFill>
-            <a:schemeClr val="tx1"/>
+            <a:schemeClr val="accent1">
+              <a:tint val="88000"/>
+              <a:satMod val="150000"/>
+            </a:schemeClr>
           </a:solidFill>
+          <a:effectLst>
+            <a:outerShdw blurRad="53975" dist="22860" dir="5400000" algn="tl" rotWithShape="0">
+              <a:srgbClr val="000000">
+                <a:alpha val="55000"/>
+              </a:srgbClr>
+            </a:outerShdw>
+          </a:effectLst>
           <a:latin typeface="+mj-lt"/>
           <a:ea typeface="+mj-ea"/>
           <a:cs typeface="+mj-cs"/>
         </a:defRPr>
       </a:lvl1pPr>
+      <a:extLst/>
     </p:titleStyle>
     <p:bodyStyle>
-      <a:lvl1pPr marL="342900" indent="-342900" algn="l" defTabSz="457200" rtl="0" eaLnBrk="1" latinLnBrk="0" hangingPunct="1">
+      <a:lvl1pPr marL="265176" indent="-265176" algn="l" rtl="0" eaLnBrk="1" latinLnBrk="0" hangingPunct="1">
         <a:spcBef>
-          <a:spcPct val="20000"/>
+          <a:spcPts val="250"/>
         </a:spcBef>
-        <a:buFont typeface="Arial"/>
-        <a:buChar char="•"/>
-        <a:defRPr sz="3200" kern="1200">
+        <a:buClr>
+          <a:schemeClr val="accent1"/>
+        </a:buClr>
+        <a:buSzPct val="80000"/>
+        <a:buFont typeface="Wingdings 2"/>
+        <a:buChar char=""/>
+        <a:defRPr kumimoji="0" sz="2800" kern="1200">
+          <a:solidFill>
+            <a:schemeClr val="tx1"/>
+          </a:solidFill>
+          <a:effectLst/>
+          <a:latin typeface="+mn-lt"/>
+          <a:ea typeface="+mn-ea"/>
+          <a:cs typeface="+mn-cs"/>
+        </a:defRPr>
+      </a:lvl1pPr>
+      <a:lvl2pPr marL="548640" indent="-201168" algn="l" rtl="0" eaLnBrk="1" latinLnBrk="0" hangingPunct="1">
+        <a:spcBef>
+          <a:spcPts val="250"/>
+        </a:spcBef>
+        <a:buClr>
+          <a:schemeClr val="accent1"/>
+        </a:buClr>
+        <a:buSzPct val="100000"/>
+        <a:buFont typeface="Verdana"/>
+        <a:buChar char="◦"/>
+        <a:defRPr kumimoji="0" sz="2400" kern="1200">
+          <a:solidFill>
+            <a:schemeClr val="tx1"/>
+          </a:solidFill>
+          <a:latin typeface="+mn-lt"/>
+          <a:ea typeface="+mn-ea"/>
+          <a:cs typeface="+mn-cs"/>
+        </a:defRPr>
+      </a:lvl2pPr>
+      <a:lvl3pPr marL="786384" indent="-182880" algn="l" rtl="0" eaLnBrk="1" latinLnBrk="0" hangingPunct="1">
+        <a:spcBef>
+          <a:spcPts val="250"/>
+        </a:spcBef>
+        <a:buClr>
+          <a:schemeClr val="accent2">
+            <a:tint val="85000"/>
+            <a:satMod val="285000"/>
+          </a:schemeClr>
+        </a:buClr>
+        <a:buSzPct val="100000"/>
+        <a:buFont typeface="Wingdings 2"/>
+        <a:buChar char=""/>
+        <a:defRPr kumimoji="0" sz="2200" kern="1200">
+          <a:solidFill>
+            <a:schemeClr val="tx1"/>
+          </a:solidFill>
+          <a:latin typeface="+mn-lt"/>
+          <a:ea typeface="+mn-ea"/>
+          <a:cs typeface="+mn-cs"/>
+        </a:defRPr>
+      </a:lvl3pPr>
+      <a:lvl4pPr marL="1024128" indent="-182880" algn="l" rtl="0" eaLnBrk="1" latinLnBrk="0" hangingPunct="1">
+        <a:spcBef>
+          <a:spcPts val="230"/>
+        </a:spcBef>
+        <a:buClr>
+          <a:schemeClr val="accent2">
+            <a:tint val="85000"/>
+            <a:satMod val="285000"/>
+          </a:schemeClr>
+        </a:buClr>
+        <a:buSzPct val="112000"/>
+        <a:buFont typeface="Verdana"/>
+        <a:buChar char="◦"/>
+        <a:defRPr kumimoji="0" sz="1900" kern="1200">
+          <a:solidFill>
+            <a:schemeClr val="tx1"/>
+          </a:solidFill>
+          <a:latin typeface="+mn-lt"/>
+          <a:ea typeface="+mn-ea"/>
+          <a:cs typeface="+mn-cs"/>
+        </a:defRPr>
+      </a:lvl4pPr>
+      <a:lvl5pPr marL="1280160" indent="-182880" algn="l" rtl="0" eaLnBrk="1" latinLnBrk="0" hangingPunct="1">
+        <a:spcBef>
+          <a:spcPts val="250"/>
+        </a:spcBef>
+        <a:buClr>
+          <a:schemeClr val="accent3">
+            <a:tint val="85000"/>
+            <a:satMod val="275000"/>
+          </a:schemeClr>
+        </a:buClr>
+        <a:buSzPct val="100000"/>
+        <a:buFont typeface="Wingdings 2"/>
+        <a:buChar char=""/>
+        <a:defRPr kumimoji="0" sz="1800" kern="1200">
+          <a:solidFill>
+            <a:schemeClr val="tx1"/>
+          </a:solidFill>
+          <a:latin typeface="+mn-lt"/>
+          <a:ea typeface="+mn-ea"/>
+          <a:cs typeface="+mn-cs"/>
+        </a:defRPr>
+      </a:lvl5pPr>
+      <a:lvl6pPr marL="1490472" indent="-182880" algn="l" rtl="0" eaLnBrk="1" latinLnBrk="0" hangingPunct="1">
+        <a:spcBef>
+          <a:spcPts val="250"/>
+        </a:spcBef>
+        <a:buClr>
+          <a:schemeClr val="accent3">
+            <a:tint val="85000"/>
+            <a:satMod val="275000"/>
+          </a:schemeClr>
+        </a:buClr>
+        <a:buSzPct val="100000"/>
+        <a:buFont typeface="Verdana"/>
+        <a:buChar char="◦"/>
+        <a:defRPr kumimoji="0" sz="1700" kern="1200" baseline="0">
+          <a:solidFill>
+            <a:schemeClr val="tx1"/>
+          </a:solidFill>
+          <a:latin typeface="+mn-lt"/>
+          <a:ea typeface="+mn-ea"/>
+          <a:cs typeface="+mn-cs"/>
+        </a:defRPr>
+      </a:lvl6pPr>
+      <a:lvl7pPr marL="1700784" indent="-182880" algn="l" rtl="0" eaLnBrk="1" latinLnBrk="0" hangingPunct="1">
+        <a:spcBef>
+          <a:spcPts val="255"/>
+        </a:spcBef>
+        <a:buClr>
+          <a:schemeClr val="accent3">
+            <a:tint val="85000"/>
+            <a:satMod val="275000"/>
+          </a:schemeClr>
+        </a:buClr>
+        <a:buSzPct val="100000"/>
+        <a:buFont typeface="Wingdings 2"/>
+        <a:buChar char=""/>
+        <a:defRPr kumimoji="0" sz="1500" kern="1200">
+          <a:solidFill>
+            <a:schemeClr val="tx1"/>
+          </a:solidFill>
+          <a:latin typeface="+mn-lt"/>
+          <a:ea typeface="+mn-ea"/>
+          <a:cs typeface="+mn-cs"/>
+        </a:defRPr>
+      </a:lvl7pPr>
+      <a:lvl8pPr marL="1920240" indent="-182880" algn="l" rtl="0" eaLnBrk="1" latinLnBrk="0" hangingPunct="1">
+        <a:spcBef>
+          <a:spcPts val="257"/>
+        </a:spcBef>
+        <a:buClr>
+          <a:schemeClr val="accent3">
+            <a:tint val="85000"/>
+            <a:satMod val="275000"/>
+          </a:schemeClr>
+        </a:buClr>
+        <a:buSzPct val="100000"/>
+        <a:buFont typeface="Verdana"/>
+        <a:buChar char="◦"/>
+        <a:defRPr kumimoji="0" sz="1500" kern="1200" baseline="0">
+          <a:solidFill>
+            <a:schemeClr val="tx1"/>
+          </a:solidFill>
+          <a:latin typeface="+mn-lt"/>
+          <a:ea typeface="+mn-ea"/>
+          <a:cs typeface="+mn-cs"/>
+        </a:defRPr>
+      </a:lvl8pPr>
+      <a:lvl9pPr marL="2148840" indent="-182880" algn="l" rtl="0" eaLnBrk="1" latinLnBrk="0" hangingPunct="1">
+        <a:spcBef>
+          <a:spcPts val="255"/>
+        </a:spcBef>
+        <a:buClr>
+          <a:schemeClr val="accent3">
+            <a:tint val="85000"/>
+            <a:satMod val="275000"/>
+          </a:schemeClr>
+        </a:buClr>
+        <a:buSzPct val="100000"/>
+        <a:buFont typeface="Wingdings 2"/>
+        <a:buChar char=""/>
+        <a:defRPr kumimoji="0" sz="1500" kern="1200">
+          <a:solidFill>
+            <a:schemeClr val="tx1"/>
+          </a:solidFill>
+          <a:latin typeface="+mn-lt"/>
+          <a:ea typeface="+mn-ea"/>
+          <a:cs typeface="+mn-cs"/>
+        </a:defRPr>
+      </a:lvl9pPr>
+      <a:extLst/>
+    </p:bodyStyle>
+    <p:otherStyle>
+      <a:lvl1pPr marL="0" algn="l" rtl="0" eaLnBrk="1" latinLnBrk="0" hangingPunct="1">
+        <a:defRPr kumimoji="0" kern="1200">
           <a:solidFill>
             <a:schemeClr val="tx1"/>
           </a:solidFill>
@@ -3403,13 +4307,8 @@
           <a:cs typeface="+mn-cs"/>
         </a:defRPr>
       </a:lvl1pPr>
-      <a:lvl2pPr marL="742950" indent="-285750" algn="l" defTabSz="457200" rtl="0" eaLnBrk="1" latinLnBrk="0" hangingPunct="1">
-        <a:spcBef>
-          <a:spcPct val="20000"/>
-        </a:spcBef>
-        <a:buFont typeface="Arial"/>
-        <a:buChar char="–"/>
-        <a:defRPr sz="2800" kern="1200">
+      <a:lvl2pPr marL="457200" algn="l" rtl="0" eaLnBrk="1" latinLnBrk="0" hangingPunct="1">
+        <a:defRPr kumimoji="0" kern="1200">
           <a:solidFill>
             <a:schemeClr val="tx1"/>
           </a:solidFill>
@@ -3418,13 +4317,8 @@
           <a:cs typeface="+mn-cs"/>
         </a:defRPr>
       </a:lvl2pPr>
-      <a:lvl3pPr marL="1143000" indent="-228600" algn="l" defTabSz="457200" rtl="0" eaLnBrk="1" latinLnBrk="0" hangingPunct="1">
-        <a:spcBef>
-          <a:spcPct val="20000"/>
-        </a:spcBef>
-        <a:buFont typeface="Arial"/>
-        <a:buChar char="•"/>
-        <a:defRPr sz="2400" kern="1200">
+      <a:lvl3pPr marL="914400" algn="l" rtl="0" eaLnBrk="1" latinLnBrk="0" hangingPunct="1">
+        <a:defRPr kumimoji="0" kern="1200">
           <a:solidFill>
             <a:schemeClr val="tx1"/>
           </a:solidFill>
@@ -3433,13 +4327,8 @@
           <a:cs typeface="+mn-cs"/>
         </a:defRPr>
       </a:lvl3pPr>
-      <a:lvl4pPr marL="1600200" indent="-228600" algn="l" defTabSz="457200" rtl="0" eaLnBrk="1" latinLnBrk="0" hangingPunct="1">
-        <a:spcBef>
-          <a:spcPct val="20000"/>
-        </a:spcBef>
-        <a:buFont typeface="Arial"/>
-        <a:buChar char="–"/>
-        <a:defRPr sz="2000" kern="1200">
+      <a:lvl4pPr marL="1371600" algn="l" rtl="0" eaLnBrk="1" latinLnBrk="0" hangingPunct="1">
+        <a:defRPr kumimoji="0" kern="1200">
           <a:solidFill>
             <a:schemeClr val="tx1"/>
           </a:solidFill>
@@ -3448,13 +4337,8 @@
           <a:cs typeface="+mn-cs"/>
         </a:defRPr>
       </a:lvl4pPr>
-      <a:lvl5pPr marL="2057400" indent="-228600" algn="l" defTabSz="457200" rtl="0" eaLnBrk="1" latinLnBrk="0" hangingPunct="1">
-        <a:spcBef>
-          <a:spcPct val="20000"/>
-        </a:spcBef>
-        <a:buFont typeface="Arial"/>
-        <a:buChar char="»"/>
-        <a:defRPr sz="2000" kern="1200">
+      <a:lvl5pPr marL="1828800" algn="l" rtl="0" eaLnBrk="1" latinLnBrk="0" hangingPunct="1">
+        <a:defRPr kumimoji="0" kern="1200">
           <a:solidFill>
             <a:schemeClr val="tx1"/>
           </a:solidFill>
@@ -3463,13 +4347,8 @@
           <a:cs typeface="+mn-cs"/>
         </a:defRPr>
       </a:lvl5pPr>
-      <a:lvl6pPr marL="2514600" indent="-228600" algn="l" defTabSz="457200" rtl="0" eaLnBrk="1" latinLnBrk="0" hangingPunct="1">
-        <a:spcBef>
-          <a:spcPct val="20000"/>
-        </a:spcBef>
-        <a:buFont typeface="Arial"/>
-        <a:buChar char="•"/>
-        <a:defRPr sz="2000" kern="1200">
+      <a:lvl6pPr marL="2286000" algn="l" rtl="0" eaLnBrk="1" latinLnBrk="0" hangingPunct="1">
+        <a:defRPr kumimoji="0" kern="1200">
           <a:solidFill>
             <a:schemeClr val="tx1"/>
           </a:solidFill>
@@ -3478,13 +4357,8 @@
           <a:cs typeface="+mn-cs"/>
         </a:defRPr>
       </a:lvl6pPr>
-      <a:lvl7pPr marL="2971800" indent="-228600" algn="l" defTabSz="457200" rtl="0" eaLnBrk="1" latinLnBrk="0" hangingPunct="1">
-        <a:spcBef>
-          <a:spcPct val="20000"/>
-        </a:spcBef>
-        <a:buFont typeface="Arial"/>
-        <a:buChar char="•"/>
-        <a:defRPr sz="2000" kern="1200">
+      <a:lvl7pPr marL="2743200" algn="l" rtl="0" eaLnBrk="1" latinLnBrk="0" hangingPunct="1">
+        <a:defRPr kumimoji="0" kern="1200">
           <a:solidFill>
             <a:schemeClr val="tx1"/>
           </a:solidFill>
@@ -3493,13 +4367,8 @@
           <a:cs typeface="+mn-cs"/>
         </a:defRPr>
       </a:lvl7pPr>
-      <a:lvl8pPr marL="3429000" indent="-228600" algn="l" defTabSz="457200" rtl="0" eaLnBrk="1" latinLnBrk="0" hangingPunct="1">
-        <a:spcBef>
-          <a:spcPct val="20000"/>
-        </a:spcBef>
-        <a:buFont typeface="Arial"/>
-        <a:buChar char="•"/>
-        <a:defRPr sz="2000" kern="1200">
+      <a:lvl8pPr marL="3200400" algn="l" rtl="0" eaLnBrk="1" latinLnBrk="0" hangingPunct="1">
+        <a:defRPr kumimoji="0" kern="1200">
           <a:solidFill>
             <a:schemeClr val="tx1"/>
           </a:solidFill>
@@ -3508,13 +4377,8 @@
           <a:cs typeface="+mn-cs"/>
         </a:defRPr>
       </a:lvl8pPr>
-      <a:lvl9pPr marL="3886200" indent="-228600" algn="l" defTabSz="457200" rtl="0" eaLnBrk="1" latinLnBrk="0" hangingPunct="1">
-        <a:spcBef>
-          <a:spcPct val="20000"/>
-        </a:spcBef>
-        <a:buFont typeface="Arial"/>
-        <a:buChar char="•"/>
-        <a:defRPr sz="2000" kern="1200">
+      <a:lvl9pPr marL="3657600" algn="l" rtl="0" eaLnBrk="1" latinLnBrk="0" hangingPunct="1">
+        <a:defRPr kumimoji="0" kern="1200">
           <a:solidFill>
             <a:schemeClr val="tx1"/>
           </a:solidFill>
@@ -3523,101 +4387,7 @@
           <a:cs typeface="+mn-cs"/>
         </a:defRPr>
       </a:lvl9pPr>
-    </p:bodyStyle>
-    <p:otherStyle>
-      <a:defPPr>
-        <a:defRPr lang="en-US"/>
-      </a:defPPr>
-      <a:lvl1pPr marL="0" algn="l" defTabSz="457200" rtl="0" eaLnBrk="1" latinLnBrk="0" hangingPunct="1">
-        <a:defRPr sz="1800" kern="1200">
-          <a:solidFill>
-            <a:schemeClr val="tx1"/>
-          </a:solidFill>
-          <a:latin typeface="+mn-lt"/>
-          <a:ea typeface="+mn-ea"/>
-          <a:cs typeface="+mn-cs"/>
-        </a:defRPr>
-      </a:lvl1pPr>
-      <a:lvl2pPr marL="457200" algn="l" defTabSz="457200" rtl="0" eaLnBrk="1" latinLnBrk="0" hangingPunct="1">
-        <a:defRPr sz="1800" kern="1200">
-          <a:solidFill>
-            <a:schemeClr val="tx1"/>
-          </a:solidFill>
-          <a:latin typeface="+mn-lt"/>
-          <a:ea typeface="+mn-ea"/>
-          <a:cs typeface="+mn-cs"/>
-        </a:defRPr>
-      </a:lvl2pPr>
-      <a:lvl3pPr marL="914400" algn="l" defTabSz="457200" rtl="0" eaLnBrk="1" latinLnBrk="0" hangingPunct="1">
-        <a:defRPr sz="1800" kern="1200">
-          <a:solidFill>
-            <a:schemeClr val="tx1"/>
-          </a:solidFill>
-          <a:latin typeface="+mn-lt"/>
-          <a:ea typeface="+mn-ea"/>
-          <a:cs typeface="+mn-cs"/>
-        </a:defRPr>
-      </a:lvl3pPr>
-      <a:lvl4pPr marL="1371600" algn="l" defTabSz="457200" rtl="0" eaLnBrk="1" latinLnBrk="0" hangingPunct="1">
-        <a:defRPr sz="1800" kern="1200">
-          <a:solidFill>
-            <a:schemeClr val="tx1"/>
-          </a:solidFill>
-          <a:latin typeface="+mn-lt"/>
-          <a:ea typeface="+mn-ea"/>
-          <a:cs typeface="+mn-cs"/>
-        </a:defRPr>
-      </a:lvl4pPr>
-      <a:lvl5pPr marL="1828800" algn="l" defTabSz="457200" rtl="0" eaLnBrk="1" latinLnBrk="0" hangingPunct="1">
-        <a:defRPr sz="1800" kern="1200">
-          <a:solidFill>
-            <a:schemeClr val="tx1"/>
-          </a:solidFill>
-          <a:latin typeface="+mn-lt"/>
-          <a:ea typeface="+mn-ea"/>
-          <a:cs typeface="+mn-cs"/>
-        </a:defRPr>
-      </a:lvl5pPr>
-      <a:lvl6pPr marL="2286000" algn="l" defTabSz="457200" rtl="0" eaLnBrk="1" latinLnBrk="0" hangingPunct="1">
-        <a:defRPr sz="1800" kern="1200">
-          <a:solidFill>
-            <a:schemeClr val="tx1"/>
-          </a:solidFill>
-          <a:latin typeface="+mn-lt"/>
-          <a:ea typeface="+mn-ea"/>
-          <a:cs typeface="+mn-cs"/>
-        </a:defRPr>
-      </a:lvl6pPr>
-      <a:lvl7pPr marL="2743200" algn="l" defTabSz="457200" rtl="0" eaLnBrk="1" latinLnBrk="0" hangingPunct="1">
-        <a:defRPr sz="1800" kern="1200">
-          <a:solidFill>
-            <a:schemeClr val="tx1"/>
-          </a:solidFill>
-          <a:latin typeface="+mn-lt"/>
-          <a:ea typeface="+mn-ea"/>
-          <a:cs typeface="+mn-cs"/>
-        </a:defRPr>
-      </a:lvl7pPr>
-      <a:lvl8pPr marL="3200400" algn="l" defTabSz="457200" rtl="0" eaLnBrk="1" latinLnBrk="0" hangingPunct="1">
-        <a:defRPr sz="1800" kern="1200">
-          <a:solidFill>
-            <a:schemeClr val="tx1"/>
-          </a:solidFill>
-          <a:latin typeface="+mn-lt"/>
-          <a:ea typeface="+mn-ea"/>
-          <a:cs typeface="+mn-cs"/>
-        </a:defRPr>
-      </a:lvl8pPr>
-      <a:lvl9pPr marL="3657600" algn="l" defTabSz="457200" rtl="0" eaLnBrk="1" latinLnBrk="0" hangingPunct="1">
-        <a:defRPr sz="1800" kern="1200">
-          <a:solidFill>
-            <a:schemeClr val="tx1"/>
-          </a:solidFill>
-          <a:latin typeface="+mn-lt"/>
-          <a:ea typeface="+mn-ea"/>
-          <a:cs typeface="+mn-cs"/>
-        </a:defRPr>
-      </a:lvl9pPr>
+      <a:extLst/>
     </p:otherStyle>
   </p:txStyles>
 </p:sldMaster>
@@ -3780,7 +4550,7 @@
         <p:spPr/>
         <p:txBody>
           <a:bodyPr>
-            <a:normAutofit fontScale="85000" lnSpcReduction="20000"/>
+            <a:normAutofit fontScale="77500" lnSpcReduction="20000"/>
           </a:bodyPr>
           <a:lstStyle/>
           <a:p>
@@ -3943,8 +4713,8 @@
         </p:blipFill>
         <p:spPr>
           <a:xfrm>
-            <a:off x="-221979" y="1226678"/>
-            <a:ext cx="9464217" cy="5330080"/>
+            <a:off x="-221979" y="624166"/>
+            <a:ext cx="9464217" cy="4677936"/>
           </a:xfrm>
         </p:spPr>
       </p:pic>
@@ -3985,6 +4755,29 @@
           <a:chExt cx="0" cy="0"/>
         </a:xfrm>
       </p:grpSpPr>
+      <p:sp>
+        <p:nvSpPr>
+          <p:cNvPr id="2" name="Title 1"/>
+          <p:cNvSpPr>
+            <a:spLocks noGrp="1"/>
+          </p:cNvSpPr>
+          <p:nvPr>
+            <p:ph type="title"/>
+          </p:nvPr>
+        </p:nvSpPr>
+        <p:spPr/>
+        <p:txBody>
+          <a:bodyPr/>
+          <a:lstStyle/>
+          <a:p>
+            <a:r>
+              <a:rPr lang="en-US" dirty="0" smtClean="0"/>
+              <a:t>State Diagram</a:t>
+            </a:r>
+            <a:endParaRPr lang="en-US" dirty="0"/>
+          </a:p>
+        </p:txBody>
+      </p:sp>
       <p:pic>
         <p:nvPicPr>
           <p:cNvPr id="4" name="Content Placeholder 3"/>
@@ -4009,28 +4802,21 @@
         </p:blipFill>
         <p:spPr>
           <a:xfrm>
-            <a:off x="747715" y="460006"/>
-            <a:ext cx="7889241" cy="5194934"/>
+            <a:off x="1640349" y="901981"/>
+            <a:ext cx="5810102" cy="4187825"/>
           </a:xfrm>
         </p:spPr>
       </p:pic>
     </p:spTree>
     <p:extLst>
       <p:ext uri="{BB962C8B-B14F-4D97-AF65-F5344CB8AC3E}">
-        <p14:creationId xmlns:p14="http://schemas.microsoft.com/office/powerpoint/2010/main" val="1728946060"/>
+        <p14:creationId xmlns:p14="http://schemas.microsoft.com/office/powerpoint/2010/main" val="2567548813"/>
       </p:ext>
     </p:extLst>
   </p:cSld>
   <p:clrMapOvr>
     <a:masterClrMapping/>
   </p:clrMapOvr>
-  <p:timing>
-    <p:tnLst>
-      <p:par>
-        <p:cTn id="1" dur="indefinite" restart="never" nodeType="tmRoot"/>
-      </p:par>
-    </p:tnLst>
-  </p:timing>
 </p:sld>
 </file>
 
@@ -4051,11 +4837,34 @@
           <a:chExt cx="0" cy="0"/>
         </a:xfrm>
       </p:grpSpPr>
+      <p:sp>
+        <p:nvSpPr>
+          <p:cNvPr id="2" name="Title 1"/>
+          <p:cNvSpPr>
+            <a:spLocks noGrp="1"/>
+          </p:cNvSpPr>
+          <p:nvPr>
+            <p:ph type="title"/>
+          </p:nvPr>
+        </p:nvSpPr>
+        <p:spPr/>
+        <p:txBody>
+          <a:bodyPr/>
+          <a:lstStyle/>
+          <a:p>
+            <a:r>
+              <a:rPr lang="en-US" dirty="0" smtClean="0"/>
+              <a:t>UML Diagram</a:t>
+            </a:r>
+            <a:endParaRPr lang="en-US" dirty="0"/>
+          </a:p>
+        </p:txBody>
+      </p:sp>
       <p:pic>
         <p:nvPicPr>
-          <p:cNvPr id="4" name="Content Placeholder 3"/>
+          <p:cNvPr id="1026" name="Picture 2"/>
           <p:cNvPicPr>
-            <a:picLocks noGrp="1" noChangeAspect="1"/>
+            <a:picLocks noGrp="1" noChangeAspect="1" noChangeArrowheads="1"/>
           </p:cNvPicPr>
           <p:nvPr>
             <p:ph idx="1"/>
@@ -4069,21 +4878,58 @@
               </a:ext>
             </a:extLst>
           </a:blip>
+          <a:srcRect/>
           <a:stretch>
             <a:fillRect/>
           </a:stretch>
         </p:blipFill>
-        <p:spPr>
+        <p:spPr bwMode="auto">
           <a:xfrm>
-            <a:off x="885840" y="325368"/>
-            <a:ext cx="7588709" cy="5469815"/>
+            <a:off x="1080506" y="798330"/>
+            <a:ext cx="6823028" cy="4281228"/>
           </a:xfrm>
+          <a:prstGeom prst="rect">
+            <a:avLst/>
+          </a:prstGeom>
+          <a:noFill/>
+          <a:ln>
+            <a:noFill/>
+          </a:ln>
+          <a:effectLst/>
+          <a:extLst>
+            <a:ext uri="{909E8E84-426E-40DD-AFC4-6F175D3DCCD1}">
+              <a14:hiddenFill xmlns:a14="http://schemas.microsoft.com/office/drawing/2010/main">
+                <a:solidFill>
+                  <a:schemeClr val="accent1"/>
+                </a:solidFill>
+              </a14:hiddenFill>
+            </a:ext>
+            <a:ext uri="{91240B29-F687-4F45-9708-019B960494DF}">
+              <a14:hiddenLine xmlns:a14="http://schemas.microsoft.com/office/drawing/2010/main" w="9525">
+                <a:solidFill>
+                  <a:schemeClr val="tx1"/>
+                </a:solidFill>
+                <a:miter lim="800000"/>
+                <a:headEnd/>
+                <a:tailEnd/>
+              </a14:hiddenLine>
+            </a:ext>
+            <a:ext uri="{AF507438-7753-43E0-B8FC-AC1667EBCBE1}">
+              <a14:hiddenEffects xmlns:a14="http://schemas.microsoft.com/office/drawing/2010/main">
+                <a:effectLst>
+                  <a:outerShdw dist="35921" dir="2700000" algn="ctr" rotWithShape="0">
+                    <a:schemeClr val="bg2"/>
+                  </a:outerShdw>
+                </a:effectLst>
+              </a14:hiddenEffects>
+            </a:ext>
+          </a:extLst>
         </p:spPr>
       </p:pic>
     </p:spTree>
     <p:extLst>
       <p:ext uri="{BB962C8B-B14F-4D97-AF65-F5344CB8AC3E}">
-        <p14:creationId xmlns:p14="http://schemas.microsoft.com/office/powerpoint/2010/main" val="1800177451"/>
+        <p14:creationId xmlns:p14="http://schemas.microsoft.com/office/powerpoint/2010/main" val="575545208"/>
       </p:ext>
     </p:extLst>
   </p:cSld>
@@ -4101,9 +4947,9 @@
 </file>
 
 <file path=ppt/theme/theme1.xml><?xml version="1.0" encoding="utf-8"?>
-<a:theme xmlns:a="http://schemas.openxmlformats.org/drawingml/2006/main" name="Office Theme">
+<a:theme xmlns:a="http://schemas.openxmlformats.org/drawingml/2006/main" name="Aspect">
   <a:themeElements>
-    <a:clrScheme name="Office">
+    <a:clrScheme name="Aspect">
       <a:dk1>
         <a:sysClr val="windowText" lastClr="000000"/>
       </a:dk1>
@@ -4111,83 +4957,48 @@
         <a:sysClr val="window" lastClr="FFFFFF"/>
       </a:lt1>
       <a:dk2>
-        <a:srgbClr val="1F497D"/>
+        <a:srgbClr val="323232"/>
       </a:dk2>
       <a:lt2>
-        <a:srgbClr val="EEECE1"/>
+        <a:srgbClr val="E3DED1"/>
       </a:lt2>
       <a:accent1>
-        <a:srgbClr val="4F81BD"/>
+        <a:srgbClr val="F07F09"/>
       </a:accent1>
       <a:accent2>
-        <a:srgbClr val="C0504D"/>
+        <a:srgbClr val="9F2936"/>
       </a:accent2>
       <a:accent3>
-        <a:srgbClr val="9BBB59"/>
+        <a:srgbClr val="1B587C"/>
       </a:accent3>
       <a:accent4>
-        <a:srgbClr val="8064A2"/>
+        <a:srgbClr val="4E8542"/>
       </a:accent4>
       <a:accent5>
-        <a:srgbClr val="4BACC6"/>
+        <a:srgbClr val="604878"/>
       </a:accent5>
       <a:accent6>
-        <a:srgbClr val="F79646"/>
+        <a:srgbClr val="C19859"/>
       </a:accent6>
       <a:hlink>
-        <a:srgbClr val="0000FF"/>
+        <a:srgbClr val="6B9F25"/>
       </a:hlink>
       <a:folHlink>
-        <a:srgbClr val="800080"/>
+        <a:srgbClr val="B26B02"/>
       </a:folHlink>
     </a:clrScheme>
-    <a:fontScheme name="Office">
+    <a:fontScheme name="Aspect">
       <a:majorFont>
-        <a:latin typeface="Calibri"/>
+        <a:latin typeface="Verdana"/>
         <a:ea typeface=""/>
         <a:cs typeface=""/>
-        <a:font script="Jpan" typeface="ＭＳ Ｐゴシック"/>
-        <a:font script="Hang" typeface="맑은 고딕"/>
-        <a:font script="Hans" typeface="宋体"/>
-        <a:font script="Hant" typeface="新細明體"/>
-        <a:font script="Arab" typeface="Times New Roman"/>
-        <a:font script="Hebr" typeface="Times New Roman"/>
-        <a:font script="Thai" typeface="Angsana New"/>
-        <a:font script="Ethi" typeface="Nyala"/>
-        <a:font script="Beng" typeface="Vrinda"/>
-        <a:font script="Gujr" typeface="Shruti"/>
-        <a:font script="Khmr" typeface="MoolBoran"/>
-        <a:font script="Knda" typeface="Tunga"/>
-        <a:font script="Guru" typeface="Raavi"/>
-        <a:font script="Cans" typeface="Euphemia"/>
-        <a:font script="Cher" typeface="Plantagenet Cherokee"/>
-        <a:font script="Yiii" typeface="Microsoft Yi Baiti"/>
-        <a:font script="Tibt" typeface="Microsoft Himalaya"/>
-        <a:font script="Thaa" typeface="MV Boli"/>
-        <a:font script="Deva" typeface="Mangal"/>
-        <a:font script="Telu" typeface="Gautami"/>
-        <a:font script="Taml" typeface="Latha"/>
-        <a:font script="Syrc" typeface="Estrangelo Edessa"/>
-        <a:font script="Orya" typeface="Kalinga"/>
-        <a:font script="Mlym" typeface="Kartika"/>
-        <a:font script="Laoo" typeface="DokChampa"/>
-        <a:font script="Sinh" typeface="Iskoola Pota"/>
-        <a:font script="Mong" typeface="Mongolian Baiti"/>
-        <a:font script="Viet" typeface="Times New Roman"/>
-        <a:font script="Uigh" typeface="Microsoft Uighur"/>
-        <a:font script="Geor" typeface="Sylfaen"/>
-      </a:majorFont>
-      <a:minorFont>
-        <a:latin typeface="Calibri"/>
-        <a:ea typeface=""/>
-        <a:cs typeface=""/>
-        <a:font script="Jpan" typeface="ＭＳ Ｐゴシック"/>
-        <a:font script="Hang" typeface="맑은 고딕"/>
-        <a:font script="Hans" typeface="宋体"/>
-        <a:font script="Hant" typeface="新細明體"/>
-        <a:font script="Arab" typeface="Arial"/>
-        <a:font script="Hebr" typeface="Arial"/>
-        <a:font script="Thai" typeface="Cordia New"/>
+        <a:font script="Jpan" typeface="ＭＳ ゴシック"/>
+        <a:font script="Hang" typeface="굴림"/>
+        <a:font script="Hans" typeface="微软雅黑"/>
+        <a:font script="Hant" typeface="微軟正黑體"/>
+        <a:font script="Arab" typeface="Tahoma"/>
+        <a:font script="Hebr" typeface="Tahoma"/>
+        <a:font script="Thai" typeface="FreesiaUPC"/>
         <a:font script="Ethi" typeface="Nyala"/>
         <a:font script="Beng" typeface="Vrinda"/>
         <a:font script="Gujr" typeface="Shruti"/>
@@ -4208,12 +5019,47 @@
         <a:font script="Laoo" typeface="DokChampa"/>
         <a:font script="Sinh" typeface="Iskoola Pota"/>
         <a:font script="Mong" typeface="Mongolian Baiti"/>
-        <a:font script="Viet" typeface="Arial"/>
+        <a:font script="Viet" typeface="Verdana"/>
+        <a:font script="Uigh" typeface="Microsoft Uighur"/>
+        <a:font script="Geor" typeface="Sylfaen"/>
+      </a:majorFont>
+      <a:minorFont>
+        <a:latin typeface="Verdana"/>
+        <a:ea typeface=""/>
+        <a:cs typeface=""/>
+        <a:font script="Jpan" typeface="ＭＳ ゴシック"/>
+        <a:font script="Hang" typeface="굴림"/>
+        <a:font script="Hans" typeface="微软雅黑"/>
+        <a:font script="Hant" typeface="微軟正黑體"/>
+        <a:font script="Arab" typeface="Tahoma"/>
+        <a:font script="Hebr" typeface="Tahoma"/>
+        <a:font script="Thai" typeface="FreesiaUPC"/>
+        <a:font script="Ethi" typeface="Nyala"/>
+        <a:font script="Beng" typeface="Vrinda"/>
+        <a:font script="Gujr" typeface="Shruti"/>
+        <a:font script="Khmr" typeface="DaunPenh"/>
+        <a:font script="Knda" typeface="Tunga"/>
+        <a:font script="Guru" typeface="Raavi"/>
+        <a:font script="Cans" typeface="Euphemia"/>
+        <a:font script="Cher" typeface="Plantagenet Cherokee"/>
+        <a:font script="Yiii" typeface="Microsoft Yi Baiti"/>
+        <a:font script="Tibt" typeface="Microsoft Himalaya"/>
+        <a:font script="Thaa" typeface="MV Boli"/>
+        <a:font script="Deva" typeface="Mangal"/>
+        <a:font script="Telu" typeface="Gautami"/>
+        <a:font script="Taml" typeface="Latha"/>
+        <a:font script="Syrc" typeface="Estrangelo Edessa"/>
+        <a:font script="Orya" typeface="Kalinga"/>
+        <a:font script="Mlym" typeface="Kartika"/>
+        <a:font script="Laoo" typeface="DokChampa"/>
+        <a:font script="Sinh" typeface="Iskoola Pota"/>
+        <a:font script="Mong" typeface="Mongolian Baiti"/>
+        <a:font script="Viet" typeface="Verdana"/>
         <a:font script="Uigh" typeface="Microsoft Uighur"/>
         <a:font script="Geor" typeface="Sylfaen"/>
       </a:minorFont>
     </a:fontScheme>
-    <a:fmtScheme name="Office">
+    <a:fmtScheme name="Aspect">
       <a:fillStyleLst>
         <a:solidFill>
           <a:schemeClr val="phClr"/>
@@ -4222,20 +5068,20 @@
           <a:gsLst>
             <a:gs pos="0">
               <a:schemeClr val="phClr">
-                <a:tint val="50000"/>
-                <a:satMod val="300000"/>
+                <a:tint val="65000"/>
+                <a:satMod val="270000"/>
               </a:schemeClr>
             </a:gs>
-            <a:gs pos="35000">
+            <a:gs pos="25000">
               <a:schemeClr val="phClr">
-                <a:tint val="37000"/>
+                <a:tint val="60000"/>
                 <a:satMod val="300000"/>
               </a:schemeClr>
             </a:gs>
             <a:gs pos="100000">
               <a:schemeClr val="phClr">
-                <a:tint val="15000"/>
-                <a:satMod val="350000"/>
+                <a:tint val="29000"/>
+                <a:satMod val="400000"/>
               </a:schemeClr>
             </a:gs>
           </a:gsLst>
@@ -4245,16 +5091,20 @@
           <a:gsLst>
             <a:gs pos="0">
               <a:schemeClr val="phClr">
-                <a:tint val="100000"/>
-                <a:shade val="100000"/>
-                <a:satMod val="130000"/>
+                <a:shade val="45000"/>
+                <a:satMod val="155000"/>
+              </a:schemeClr>
+            </a:gs>
+            <a:gs pos="60000">
+              <a:schemeClr val="phClr">
+                <a:shade val="95000"/>
+                <a:satMod val="150000"/>
               </a:schemeClr>
             </a:gs>
             <a:gs pos="100000">
               <a:schemeClr val="phClr">
-                <a:tint val="50000"/>
-                <a:shade val="100000"/>
-                <a:satMod val="350000"/>
+                <a:tint val="87000"/>
+                <a:satMod val="250000"/>
               </a:schemeClr>
             </a:gs>
           </a:gsLst>
@@ -4265,13 +5115,12 @@
         <a:ln w="9525" cap="flat" cmpd="sng" algn="ctr">
           <a:solidFill>
             <a:schemeClr val="phClr">
-              <a:shade val="95000"/>
-              <a:satMod val="105000"/>
+              <a:satMod val="150000"/>
             </a:schemeClr>
           </a:solidFill>
           <a:prstDash val="solid"/>
         </a:ln>
-        <a:ln w="25400" cap="flat" cmpd="sng" algn="ctr">
+        <a:ln w="42500" cap="flat" cmpd="sng" algn="ctr">
           <a:solidFill>
             <a:schemeClr val="phClr"/>
           </a:solidFill>
@@ -4287,40 +5136,40 @@
       <a:effectStyleLst>
         <a:effectStyle>
           <a:effectLst>
-            <a:outerShdw blurRad="40000" dist="20000" dir="5400000" rotWithShape="0">
+            <a:outerShdw blurRad="65500" dist="38100" dir="5400000" rotWithShape="0">
               <a:srgbClr val="000000">
-                <a:alpha val="38000"/>
+                <a:alpha val="40000"/>
               </a:srgbClr>
             </a:outerShdw>
           </a:effectLst>
         </a:effectStyle>
         <a:effectStyle>
           <a:effectLst>
-            <a:outerShdw blurRad="40000" dist="23000" dir="5400000" rotWithShape="0">
+            <a:outerShdw blurRad="65500" dist="38100" dir="5400000" rotWithShape="0">
               <a:srgbClr val="000000">
-                <a:alpha val="35000"/>
+                <a:alpha val="40000"/>
               </a:srgbClr>
             </a:outerShdw>
           </a:effectLst>
         </a:effectStyle>
         <a:effectStyle>
           <a:effectLst>
-            <a:outerShdw blurRad="40000" dist="23000" dir="5400000" rotWithShape="0">
+            <a:outerShdw blurRad="65500" dist="38100" dir="5400000" rotWithShape="0">
               <a:srgbClr val="000000">
-                <a:alpha val="35000"/>
+                <a:alpha val="40000"/>
               </a:srgbClr>
             </a:outerShdw>
           </a:effectLst>
           <a:scene3d>
-            <a:camera prst="orthographicFront">
+            <a:camera prst="orthographicFront" fov="0">
               <a:rot lat="0" lon="0" rev="0"/>
             </a:camera>
-            <a:lightRig rig="threePt" dir="t">
-              <a:rot lat="0" lon="0" rev="1200000"/>
+            <a:lightRig rig="contrasting" dir="t">
+              <a:rot lat="0" lon="0" rev="12000000"/>
             </a:lightRig>
           </a:scene3d>
-          <a:sp3d>
-            <a:bevelT w="63500" h="25400"/>
+          <a:sp3d prstMaterial="powder">
+            <a:bevelT h="50800"/>
           </a:sp3d>
         </a:effectStyle>
       </a:effectStyleLst>
@@ -4332,90 +5181,44 @@
           <a:gsLst>
             <a:gs pos="0">
               <a:schemeClr val="phClr">
-                <a:tint val="40000"/>
-                <a:satMod val="350000"/>
+                <a:shade val="35000"/>
+                <a:satMod val="150000"/>
               </a:schemeClr>
             </a:gs>
-            <a:gs pos="40000">
+            <a:gs pos="45000">
               <a:schemeClr val="phClr">
-                <a:tint val="45000"/>
-                <a:shade val="99000"/>
-                <a:satMod val="350000"/>
+                <a:shade val="68000"/>
+                <a:satMod val="155000"/>
               </a:schemeClr>
             </a:gs>
             <a:gs pos="100000">
               <a:schemeClr val="phClr">
-                <a:shade val="20000"/>
-                <a:satMod val="255000"/>
+                <a:tint val="70000"/>
+                <a:satMod val="175000"/>
               </a:schemeClr>
             </a:gs>
           </a:gsLst>
-          <a:path path="circle">
-            <a:fillToRect l="50000" t="-80000" r="50000" b="180000"/>
-          </a:path>
+          <a:lin ang="16200000" scaled="0"/>
         </a:gradFill>
-        <a:gradFill rotWithShape="1">
-          <a:gsLst>
-            <a:gs pos="0">
+        <a:blipFill>
+          <a:blip xmlns:r="http://schemas.openxmlformats.org/officeDocument/2006/relationships" r:embed="rId1">
+            <a:duotone>
+              <a:schemeClr val="phClr">
+                <a:shade val="800"/>
+                <a:satMod val="150000"/>
+              </a:schemeClr>
               <a:schemeClr val="phClr">
                 <a:tint val="80000"/>
-                <a:satMod val="300000"/>
+                <a:satMod val="150000"/>
               </a:schemeClr>
-            </a:gs>
-            <a:gs pos="100000">
-              <a:schemeClr val="phClr">
-                <a:shade val="30000"/>
-                <a:satMod val="200000"/>
-              </a:schemeClr>
-            </a:gs>
-          </a:gsLst>
-          <a:path path="circle">
-            <a:fillToRect l="50000" t="50000" r="50000" b="50000"/>
-          </a:path>
-        </a:gradFill>
+            </a:duotone>
+          </a:blip>
+          <a:tile tx="0" ty="0" sx="75000" sy="75000" flip="none" algn="tl"/>
+        </a:blipFill>
       </a:bgFillStyleLst>
     </a:fmtScheme>
   </a:themeElements>
-  <a:objectDefaults>
-    <a:spDef>
-      <a:spPr/>
-      <a:bodyPr/>
-      <a:lstStyle/>
-      <a:style>
-        <a:lnRef idx="1">
-          <a:schemeClr val="accent1"/>
-        </a:lnRef>
-        <a:fillRef idx="3">
-          <a:schemeClr val="accent1"/>
-        </a:fillRef>
-        <a:effectRef idx="2">
-          <a:schemeClr val="accent1"/>
-        </a:effectRef>
-        <a:fontRef idx="minor">
-          <a:schemeClr val="lt1"/>
-        </a:fontRef>
-      </a:style>
-    </a:spDef>
-    <a:lnDef>
-      <a:spPr/>
-      <a:bodyPr/>
-      <a:lstStyle/>
-      <a:style>
-        <a:lnRef idx="2">
-          <a:schemeClr val="accent1"/>
-        </a:lnRef>
-        <a:fillRef idx="0">
-          <a:schemeClr val="accent1"/>
-        </a:fillRef>
-        <a:effectRef idx="1">
-          <a:schemeClr val="accent1"/>
-        </a:effectRef>
-        <a:fontRef idx="minor">
-          <a:schemeClr val="tx1"/>
-        </a:fontRef>
-      </a:style>
-    </a:lnDef>
-  </a:objectDefaults>
+  <a:objectDefaults/>
   <a:extraClrSchemeLst/>
 </a:theme>
 </file>

--- a/TriviaMazePresentation.pptx
+++ b/TriviaMazePresentation.pptx
@@ -5,14 +5,18 @@
     <p:sldMasterId id="2147483660" r:id="rId1"/>
   </p:sldMasterIdLst>
   <p:notesMasterIdLst>
-    <p:notesMasterId r:id="rId7"/>
+    <p:notesMasterId r:id="rId11"/>
   </p:notesMasterIdLst>
   <p:sldIdLst>
     <p:sldId id="256" r:id="rId2"/>
     <p:sldId id="257" r:id="rId3"/>
-    <p:sldId id="258" r:id="rId4"/>
-    <p:sldId id="262" r:id="rId5"/>
-    <p:sldId id="261" r:id="rId6"/>
+    <p:sldId id="264" r:id="rId4"/>
+    <p:sldId id="265" r:id="rId5"/>
+    <p:sldId id="266" r:id="rId6"/>
+    <p:sldId id="258" r:id="rId7"/>
+    <p:sldId id="262" r:id="rId8"/>
+    <p:sldId id="261" r:id="rId9"/>
+    <p:sldId id="263" r:id="rId10"/>
   </p:sldIdLst>
   <p:sldSz cx="9144000" cy="6858000" type="screen4x3"/>
   <p:notesSz cx="6858000" cy="9144000"/>
@@ -113,7 +117,7 @@
   </p:defaultTextStyle>
   <p:extLst>
     <p:ext uri="{EFAFB233-063F-42B5-8137-9DF3F51BA10A}">
-      <p15:sldGuideLst xmlns:p15="http://schemas.microsoft.com/office/powerpoint/2012/main" xmlns="">
+      <p15:sldGuideLst xmlns="" xmlns:p15="http://schemas.microsoft.com/office/powerpoint/2012/main">
         <p15:guide id="1" orient="horz" pos="2160">
           <p15:clr>
             <a:srgbClr val="A4A3A4"/>
@@ -524,10 +528,6 @@
           <a:bodyPr/>
           <a:lstStyle/>
           <a:p>
-            <a:r>
-              <a:rPr lang="en-US" dirty="0" smtClean="0"/>
-              <a:t>tony</a:t>
-            </a:r>
             <a:endParaRPr lang="en-US" dirty="0"/>
           </a:p>
         </p:txBody>
@@ -633,7 +633,7 @@
           <a:p>
             <a:fld id="{B69AF544-AF37-1C4D-A9E6-25BADC255955}" type="slidenum">
               <a:rPr lang="en-US" smtClean="0"/>
-              <a:t>3</a:t>
+              <a:t>6</a:t>
             </a:fld>
             <a:endParaRPr lang="en-US"/>
           </a:p>
@@ -4614,7 +4614,7 @@
           <a:p>
             <a:r>
               <a:rPr lang="en-US" dirty="0" smtClean="0"/>
-              <a:t>Win = reach the end of the maze(bottom right corner)</a:t>
+              <a:t>Win = reach the end of the maze(bottom right corner of maze)</a:t>
             </a:r>
           </a:p>
           <a:p>
@@ -4649,6 +4649,300 @@
 </file>
 
 <file path=ppt/slides/slide3.xml><?xml version="1.0" encoding="utf-8"?>
+<p:sld xmlns:a="http://schemas.openxmlformats.org/drawingml/2006/main" xmlns:r="http://schemas.openxmlformats.org/officeDocument/2006/relationships" xmlns:p="http://schemas.openxmlformats.org/presentationml/2006/main">
+  <p:cSld>
+    <p:spTree>
+      <p:nvGrpSpPr>
+        <p:cNvPr id="1" name=""/>
+        <p:cNvGrpSpPr/>
+        <p:nvPr/>
+      </p:nvGrpSpPr>
+      <p:grpSpPr>
+        <a:xfrm>
+          <a:off x="0" y="0"/>
+          <a:ext cx="0" cy="0"/>
+          <a:chOff x="0" y="0"/>
+          <a:chExt cx="0" cy="0"/>
+        </a:xfrm>
+      </p:grpSpPr>
+      <p:sp>
+        <p:nvSpPr>
+          <p:cNvPr id="2" name="Title 1"/>
+          <p:cNvSpPr>
+            <a:spLocks noGrp="1"/>
+          </p:cNvSpPr>
+          <p:nvPr>
+            <p:ph type="title"/>
+          </p:nvPr>
+        </p:nvSpPr>
+        <p:spPr/>
+        <p:txBody>
+          <a:bodyPr/>
+          <a:lstStyle/>
+          <a:p>
+            <a:r>
+              <a:rPr lang="en-US" dirty="0" smtClean="0"/>
+              <a:t>Individual Task</a:t>
+            </a:r>
+            <a:endParaRPr lang="en-US" dirty="0"/>
+          </a:p>
+        </p:txBody>
+      </p:sp>
+      <p:sp>
+        <p:nvSpPr>
+          <p:cNvPr id="3" name="Content Placeholder 2"/>
+          <p:cNvSpPr>
+            <a:spLocks noGrp="1"/>
+          </p:cNvSpPr>
+          <p:nvPr>
+            <p:ph idx="1"/>
+          </p:nvPr>
+        </p:nvSpPr>
+        <p:spPr/>
+        <p:txBody>
+          <a:bodyPr/>
+          <a:lstStyle/>
+          <a:p>
+            <a:r>
+              <a:rPr lang="en-US" dirty="0" smtClean="0"/>
+              <a:t>Sarah</a:t>
+            </a:r>
+          </a:p>
+          <a:p>
+            <a:pPr lvl="1"/>
+            <a:r>
+              <a:rPr lang="en-US" dirty="0" smtClean="0"/>
+              <a:t>Admin </a:t>
+            </a:r>
+          </a:p>
+          <a:p>
+            <a:pPr lvl="1"/>
+            <a:r>
+              <a:rPr lang="en-US" dirty="0" smtClean="0"/>
+              <a:t>Set up Object</a:t>
+            </a:r>
+          </a:p>
+          <a:p>
+            <a:pPr lvl="1"/>
+            <a:r>
+              <a:rPr lang="en-US" dirty="0" smtClean="0"/>
+              <a:t>Questions</a:t>
+            </a:r>
+            <a:endParaRPr lang="en-US" dirty="0"/>
+          </a:p>
+        </p:txBody>
+      </p:sp>
+    </p:spTree>
+    <p:extLst>
+      <p:ext uri="{BB962C8B-B14F-4D97-AF65-F5344CB8AC3E}">
+        <p14:creationId xmlns:p14="http://schemas.microsoft.com/office/powerpoint/2010/main" val="3743211689"/>
+      </p:ext>
+    </p:extLst>
+  </p:cSld>
+  <p:clrMapOvr>
+    <a:masterClrMapping/>
+  </p:clrMapOvr>
+</p:sld>
+</file>
+
+<file path=ppt/slides/slide4.xml><?xml version="1.0" encoding="utf-8"?>
+<p:sld xmlns:a="http://schemas.openxmlformats.org/drawingml/2006/main" xmlns:r="http://schemas.openxmlformats.org/officeDocument/2006/relationships" xmlns:p="http://schemas.openxmlformats.org/presentationml/2006/main">
+  <p:cSld>
+    <p:spTree>
+      <p:nvGrpSpPr>
+        <p:cNvPr id="1" name=""/>
+        <p:cNvGrpSpPr/>
+        <p:nvPr/>
+      </p:nvGrpSpPr>
+      <p:grpSpPr>
+        <a:xfrm>
+          <a:off x="0" y="0"/>
+          <a:ext cx="0" cy="0"/>
+          <a:chOff x="0" y="0"/>
+          <a:chExt cx="0" cy="0"/>
+        </a:xfrm>
+      </p:grpSpPr>
+      <p:sp>
+        <p:nvSpPr>
+          <p:cNvPr id="2" name="Title 1"/>
+          <p:cNvSpPr>
+            <a:spLocks noGrp="1"/>
+          </p:cNvSpPr>
+          <p:nvPr>
+            <p:ph type="title"/>
+          </p:nvPr>
+        </p:nvSpPr>
+        <p:spPr/>
+        <p:txBody>
+          <a:bodyPr/>
+          <a:lstStyle/>
+          <a:p>
+            <a:r>
+              <a:rPr lang="en-US" dirty="0" smtClean="0"/>
+              <a:t>Individual Task</a:t>
+            </a:r>
+            <a:endParaRPr lang="en-US" dirty="0"/>
+          </a:p>
+        </p:txBody>
+      </p:sp>
+      <p:sp>
+        <p:nvSpPr>
+          <p:cNvPr id="3" name="Content Placeholder 2"/>
+          <p:cNvSpPr>
+            <a:spLocks noGrp="1"/>
+          </p:cNvSpPr>
+          <p:nvPr>
+            <p:ph idx="1"/>
+          </p:nvPr>
+        </p:nvSpPr>
+        <p:spPr/>
+        <p:txBody>
+          <a:bodyPr/>
+          <a:lstStyle/>
+          <a:p>
+            <a:r>
+              <a:rPr lang="en-US" dirty="0" err="1" smtClean="0"/>
+              <a:t>Giang</a:t>
+            </a:r>
+            <a:endParaRPr lang="en-US" dirty="0" smtClean="0"/>
+          </a:p>
+          <a:p>
+            <a:pPr lvl="1"/>
+            <a:r>
+              <a:rPr lang="en-US" dirty="0" smtClean="0"/>
+              <a:t>Transverse- lock-up</a:t>
+            </a:r>
+          </a:p>
+          <a:p>
+            <a:pPr lvl="1"/>
+            <a:r>
+              <a:rPr lang="en-US" dirty="0" smtClean="0"/>
+              <a:t>Move</a:t>
+            </a:r>
+          </a:p>
+          <a:p>
+            <a:pPr lvl="1"/>
+            <a:r>
+              <a:rPr lang="en-US" dirty="0" smtClean="0"/>
+              <a:t>Skip option</a:t>
+            </a:r>
+          </a:p>
+        </p:txBody>
+      </p:sp>
+    </p:spTree>
+    <p:extLst>
+      <p:ext uri="{BB962C8B-B14F-4D97-AF65-F5344CB8AC3E}">
+        <p14:creationId xmlns:p14="http://schemas.microsoft.com/office/powerpoint/2010/main" val="887134669"/>
+      </p:ext>
+    </p:extLst>
+  </p:cSld>
+  <p:clrMapOvr>
+    <a:masterClrMapping/>
+  </p:clrMapOvr>
+</p:sld>
+</file>
+
+<file path=ppt/slides/slide5.xml><?xml version="1.0" encoding="utf-8"?>
+<p:sld xmlns:a="http://schemas.openxmlformats.org/drawingml/2006/main" xmlns:r="http://schemas.openxmlformats.org/officeDocument/2006/relationships" xmlns:p="http://schemas.openxmlformats.org/presentationml/2006/main">
+  <p:cSld>
+    <p:spTree>
+      <p:nvGrpSpPr>
+        <p:cNvPr id="1" name=""/>
+        <p:cNvGrpSpPr/>
+        <p:nvPr/>
+      </p:nvGrpSpPr>
+      <p:grpSpPr>
+        <a:xfrm>
+          <a:off x="0" y="0"/>
+          <a:ext cx="0" cy="0"/>
+          <a:chOff x="0" y="0"/>
+          <a:chExt cx="0" cy="0"/>
+        </a:xfrm>
+      </p:grpSpPr>
+      <p:sp>
+        <p:nvSpPr>
+          <p:cNvPr id="2" name="Title 1"/>
+          <p:cNvSpPr>
+            <a:spLocks noGrp="1"/>
+          </p:cNvSpPr>
+          <p:nvPr>
+            <p:ph type="title"/>
+          </p:nvPr>
+        </p:nvSpPr>
+        <p:spPr/>
+        <p:txBody>
+          <a:bodyPr/>
+          <a:lstStyle/>
+          <a:p>
+            <a:r>
+              <a:rPr lang="en-US" dirty="0" smtClean="0"/>
+              <a:t>Individual Task</a:t>
+            </a:r>
+            <a:endParaRPr lang="en-US" dirty="0"/>
+          </a:p>
+        </p:txBody>
+      </p:sp>
+      <p:sp>
+        <p:nvSpPr>
+          <p:cNvPr id="3" name="Content Placeholder 2"/>
+          <p:cNvSpPr>
+            <a:spLocks noGrp="1"/>
+          </p:cNvSpPr>
+          <p:nvPr>
+            <p:ph idx="1"/>
+          </p:nvPr>
+        </p:nvSpPr>
+        <p:spPr/>
+        <p:txBody>
+          <a:bodyPr/>
+          <a:lstStyle/>
+          <a:p>
+            <a:r>
+              <a:rPr lang="en-US" dirty="0" smtClean="0"/>
+              <a:t>Tony </a:t>
+            </a:r>
+          </a:p>
+          <a:p>
+            <a:pPr lvl="1"/>
+            <a:r>
+              <a:rPr lang="en-US" dirty="0" smtClean="0"/>
+              <a:t>Set up DB</a:t>
+            </a:r>
+          </a:p>
+          <a:p>
+            <a:pPr lvl="1"/>
+            <a:r>
+              <a:rPr lang="en-US" dirty="0" smtClean="0"/>
+              <a:t>Get Questions and Answers </a:t>
+            </a:r>
+          </a:p>
+          <a:p>
+            <a:pPr lvl="1"/>
+            <a:r>
+              <a:rPr lang="en-US" dirty="0" smtClean="0"/>
+              <a:t>Validate User Input</a:t>
+            </a:r>
+          </a:p>
+          <a:p>
+            <a:pPr lvl="1"/>
+            <a:endParaRPr lang="en-US" dirty="0" smtClean="0"/>
+          </a:p>
+        </p:txBody>
+      </p:sp>
+    </p:spTree>
+    <p:extLst>
+      <p:ext uri="{BB962C8B-B14F-4D97-AF65-F5344CB8AC3E}">
+        <p14:creationId xmlns:p14="http://schemas.microsoft.com/office/powerpoint/2010/main" val="865114151"/>
+      </p:ext>
+    </p:extLst>
+  </p:cSld>
+  <p:clrMapOvr>
+    <a:masterClrMapping/>
+  </p:clrMapOvr>
+</p:sld>
+</file>
+
+<file path=ppt/slides/slide6.xml><?xml version="1.0" encoding="utf-8"?>
 <p:sld xmlns:a="http://schemas.openxmlformats.org/drawingml/2006/main" xmlns:r="http://schemas.openxmlformats.org/officeDocument/2006/relationships" xmlns:p="http://schemas.openxmlformats.org/presentationml/2006/main">
   <p:cSld>
     <p:spTree>
@@ -4738,7 +5032,7 @@
 </p:sld>
 </file>
 
-<file path=ppt/slides/slide4.xml><?xml version="1.0" encoding="utf-8"?>
+<file path=ppt/slides/slide7.xml><?xml version="1.0" encoding="utf-8"?>
 <p:sld xmlns:a="http://schemas.openxmlformats.org/drawingml/2006/main" xmlns:r="http://schemas.openxmlformats.org/officeDocument/2006/relationships" xmlns:p="http://schemas.openxmlformats.org/presentationml/2006/main">
   <p:cSld>
     <p:spTree>
@@ -4820,7 +5114,7 @@
 </p:sld>
 </file>
 
-<file path=ppt/slides/slide5.xml><?xml version="1.0" encoding="utf-8"?>
+<file path=ppt/slides/slide8.xml><?xml version="1.0" encoding="utf-8"?>
 <p:sld xmlns:a="http://schemas.openxmlformats.org/drawingml/2006/main" xmlns:r="http://schemas.openxmlformats.org/officeDocument/2006/relationships" xmlns:p="http://schemas.openxmlformats.org/presentationml/2006/main">
   <p:cSld>
     <p:spTree>
@@ -4943,6 +5237,65 @@
       </p:par>
     </p:tnLst>
   </p:timing>
+</p:sld>
+</file>
+
+<file path=ppt/slides/slide9.xml><?xml version="1.0" encoding="utf-8"?>
+<p:sld xmlns:a="http://schemas.openxmlformats.org/drawingml/2006/main" xmlns:r="http://schemas.openxmlformats.org/officeDocument/2006/relationships" xmlns:p="http://schemas.openxmlformats.org/presentationml/2006/main">
+  <p:cSld>
+    <p:spTree>
+      <p:nvGrpSpPr>
+        <p:cNvPr id="1" name=""/>
+        <p:cNvGrpSpPr/>
+        <p:nvPr/>
+      </p:nvGrpSpPr>
+      <p:grpSpPr>
+        <a:xfrm>
+          <a:off x="0" y="0"/>
+          <a:ext cx="0" cy="0"/>
+          <a:chOff x="0" y="0"/>
+          <a:chExt cx="0" cy="0"/>
+        </a:xfrm>
+      </p:grpSpPr>
+      <p:sp>
+        <p:nvSpPr>
+          <p:cNvPr id="2" name="Title 1"/>
+          <p:cNvSpPr>
+            <a:spLocks noGrp="1"/>
+          </p:cNvSpPr>
+          <p:nvPr>
+            <p:ph type="title"/>
+          </p:nvPr>
+        </p:nvSpPr>
+        <p:spPr>
+          <a:xfrm>
+            <a:off x="474567" y="2183573"/>
+            <a:ext cx="8183880" cy="1051560"/>
+          </a:xfrm>
+        </p:spPr>
+        <p:txBody>
+          <a:bodyPr/>
+          <a:lstStyle/>
+          <a:p>
+            <a:pPr algn="ctr"/>
+            <a:r>
+              <a:rPr lang="en-US" dirty="0" smtClean="0"/>
+              <a:t>Questions?</a:t>
+            </a:r>
+            <a:endParaRPr lang="en-US" dirty="0"/>
+          </a:p>
+        </p:txBody>
+      </p:sp>
+    </p:spTree>
+    <p:extLst>
+      <p:ext uri="{BB962C8B-B14F-4D97-AF65-F5344CB8AC3E}">
+        <p14:creationId xmlns:p14="http://schemas.microsoft.com/office/powerpoint/2010/main" val="1788359611"/>
+      </p:ext>
+    </p:extLst>
+  </p:cSld>
+  <p:clrMapOvr>
+    <a:masterClrMapping/>
+  </p:clrMapOvr>
 </p:sld>
 </file>
 
